--- a/trunk/preliminary/Working/presentations/Sitara/sitara_boot_camp_toolchain.pptx
+++ b/trunk/preliminary/Working/presentations/Sitara/sitara_boot_camp_toolchain.pptx
@@ -4,58 +4,56 @@
   <p:sldMasterIdLst>
     <p:sldMasterId id="2147483673" r:id="rId4"/>
     <p:sldMasterId id="2147483675" r:id="rId5"/>
-    <p:sldMasterId id="2147483677" r:id="rId6"/>
-    <p:sldMasterId id="2147483679" r:id="rId7"/>
+    <p:sldMasterId id="2147483679" r:id="rId6"/>
   </p:sldMasterIdLst>
   <p:notesMasterIdLst>
-    <p:notesMasterId r:id="rId48"/>
+    <p:notesMasterId r:id="rId46"/>
   </p:notesMasterIdLst>
   <p:sldIdLst>
-    <p:sldId id="332" r:id="rId8"/>
-    <p:sldId id="333" r:id="rId9"/>
-    <p:sldId id="334" r:id="rId10"/>
-    <p:sldId id="257" r:id="rId11"/>
-    <p:sldId id="258" r:id="rId12"/>
-    <p:sldId id="280" r:id="rId13"/>
-    <p:sldId id="321" r:id="rId14"/>
-    <p:sldId id="322" r:id="rId15"/>
-    <p:sldId id="271" r:id="rId16"/>
-    <p:sldId id="323" r:id="rId17"/>
-    <p:sldId id="281" r:id="rId18"/>
-    <p:sldId id="299" r:id="rId19"/>
-    <p:sldId id="300" r:id="rId20"/>
-    <p:sldId id="301" r:id="rId21"/>
-    <p:sldId id="302" r:id="rId22"/>
-    <p:sldId id="303" r:id="rId23"/>
-    <p:sldId id="307" r:id="rId24"/>
-    <p:sldId id="325" r:id="rId25"/>
-    <p:sldId id="305" r:id="rId26"/>
-    <p:sldId id="295" r:id="rId27"/>
-    <p:sldId id="296" r:id="rId28"/>
-    <p:sldId id="326" r:id="rId29"/>
-    <p:sldId id="329" r:id="rId30"/>
-    <p:sldId id="327" r:id="rId31"/>
-    <p:sldId id="328" r:id="rId32"/>
-    <p:sldId id="314" r:id="rId33"/>
-    <p:sldId id="331" r:id="rId34"/>
-    <p:sldId id="297" r:id="rId35"/>
-    <p:sldId id="330" r:id="rId36"/>
-    <p:sldId id="315" r:id="rId37"/>
-    <p:sldId id="317" r:id="rId38"/>
-    <p:sldId id="311" r:id="rId39"/>
-    <p:sldId id="312" r:id="rId40"/>
-    <p:sldId id="319" r:id="rId41"/>
-    <p:sldId id="308" r:id="rId42"/>
-    <p:sldId id="275" r:id="rId43"/>
-    <p:sldId id="276" r:id="rId44"/>
-    <p:sldId id="277" r:id="rId45"/>
-    <p:sldId id="278" r:id="rId46"/>
-    <p:sldId id="335" r:id="rId47"/>
+    <p:sldId id="332" r:id="rId7"/>
+    <p:sldId id="333" r:id="rId8"/>
+    <p:sldId id="257" r:id="rId9"/>
+    <p:sldId id="258" r:id="rId10"/>
+    <p:sldId id="280" r:id="rId11"/>
+    <p:sldId id="321" r:id="rId12"/>
+    <p:sldId id="322" r:id="rId13"/>
+    <p:sldId id="271" r:id="rId14"/>
+    <p:sldId id="323" r:id="rId15"/>
+    <p:sldId id="281" r:id="rId16"/>
+    <p:sldId id="299" r:id="rId17"/>
+    <p:sldId id="300" r:id="rId18"/>
+    <p:sldId id="301" r:id="rId19"/>
+    <p:sldId id="302" r:id="rId20"/>
+    <p:sldId id="303" r:id="rId21"/>
+    <p:sldId id="307" r:id="rId22"/>
+    <p:sldId id="325" r:id="rId23"/>
+    <p:sldId id="305" r:id="rId24"/>
+    <p:sldId id="295" r:id="rId25"/>
+    <p:sldId id="296" r:id="rId26"/>
+    <p:sldId id="326" r:id="rId27"/>
+    <p:sldId id="329" r:id="rId28"/>
+    <p:sldId id="327" r:id="rId29"/>
+    <p:sldId id="328" r:id="rId30"/>
+    <p:sldId id="314" r:id="rId31"/>
+    <p:sldId id="331" r:id="rId32"/>
+    <p:sldId id="297" r:id="rId33"/>
+    <p:sldId id="330" r:id="rId34"/>
+    <p:sldId id="315" r:id="rId35"/>
+    <p:sldId id="317" r:id="rId36"/>
+    <p:sldId id="311" r:id="rId37"/>
+    <p:sldId id="312" r:id="rId38"/>
+    <p:sldId id="319" r:id="rId39"/>
+    <p:sldId id="308" r:id="rId40"/>
+    <p:sldId id="275" r:id="rId41"/>
+    <p:sldId id="276" r:id="rId42"/>
+    <p:sldId id="277" r:id="rId43"/>
+    <p:sldId id="278" r:id="rId44"/>
+    <p:sldId id="335" r:id="rId45"/>
   </p:sldIdLst>
   <p:sldSz cx="9144000" cy="6858000" type="screen4x3"/>
   <p:notesSz cx="7023100" cy="9309100"/>
   <p:custDataLst>
-    <p:tags r:id="rId49"/>
+    <p:tags r:id="rId47"/>
   </p:custDataLst>
   <p:defaultTextStyle>
     <a:defPPr>
@@ -238,7 +236,7 @@
             <a:fld id="{46FA11D8-0245-4A1E-A999-586FC4CBFE82}" type="datetimeFigureOut">
               <a:rPr lang="en-US" smtClean="0"/>
               <a:pPr/>
-              <a:t>11/7/2014</a:t>
+              <a:t>11/10/2014</a:t>
             </a:fld>
             <a:endParaRPr lang="en-US" dirty="0"/>
           </a:p>
@@ -407,7 +405,7 @@
     </p:spTree>
     <p:extLst>
       <p:ext uri="{BB962C8B-B14F-4D97-AF65-F5344CB8AC3E}">
-        <p14:creationId xmlns="" xmlns:p14="http://schemas.microsoft.com/office/powerpoint/2010/main" val="294015767"/>
+        <p14:creationId xmlns:p14="http://schemas.microsoft.com/office/powerpoint/2010/main" val="294015767"/>
       </p:ext>
     </p:extLst>
   </p:cSld>
@@ -581,7 +579,7 @@
             <a:fld id="{4ABA07A6-928A-40BE-A78C-B30CE0159901}" type="slidenum">
               <a:rPr lang="en-US" smtClean="0"/>
               <a:pPr/>
-              <a:t>4</a:t>
+              <a:t>3</a:t>
             </a:fld>
             <a:endParaRPr lang="en-US" dirty="0"/>
           </a:p>
@@ -590,7 +588,7 @@
     </p:spTree>
     <p:extLst>
       <p:ext uri="{BB962C8B-B14F-4D97-AF65-F5344CB8AC3E}">
-        <p14:creationId xmlns="" xmlns:p14="http://schemas.microsoft.com/office/powerpoint/2010/main" val="699928680"/>
+        <p14:creationId xmlns:p14="http://schemas.microsoft.com/office/powerpoint/2010/main" val="699928680"/>
       </p:ext>
     </p:extLst>
   </p:cSld>
@@ -670,7 +668,7 @@
             <a:fld id="{4ABA07A6-928A-40BE-A78C-B30CE0159901}" type="slidenum">
               <a:rPr lang="en-US" smtClean="0"/>
               <a:pPr/>
-              <a:t>39</a:t>
+              <a:t>38</a:t>
             </a:fld>
             <a:endParaRPr lang="en-US" dirty="0"/>
           </a:p>
@@ -679,7 +677,7 @@
     </p:spTree>
     <p:extLst>
       <p:ext uri="{BB962C8B-B14F-4D97-AF65-F5344CB8AC3E}">
-        <p14:creationId xmlns="" xmlns:p14="http://schemas.microsoft.com/office/powerpoint/2010/main" val="1124089332"/>
+        <p14:creationId xmlns:p14="http://schemas.microsoft.com/office/powerpoint/2010/main" val="1124089332"/>
       </p:ext>
     </p:extLst>
   </p:cSld>
@@ -730,7 +728,7 @@
                 </a:solidFill>
               </a:rPr>
               <a:pPr/>
-              <a:t>40</a:t>
+              <a:t>39</a:t>
             </a:fld>
             <a:endParaRPr lang="en-US" dirty="0">
               <a:solidFill>
@@ -851,7 +849,7 @@
             <a:fld id="{4ABA07A6-928A-40BE-A78C-B30CE0159901}" type="slidenum">
               <a:rPr lang="en-US" smtClean="0"/>
               <a:pPr/>
-              <a:t>5</a:t>
+              <a:t>4</a:t>
             </a:fld>
             <a:endParaRPr lang="en-US" dirty="0"/>
           </a:p>
@@ -860,7 +858,7 @@
     </p:spTree>
     <p:extLst>
       <p:ext uri="{BB962C8B-B14F-4D97-AF65-F5344CB8AC3E}">
-        <p14:creationId xmlns="" xmlns:p14="http://schemas.microsoft.com/office/powerpoint/2010/main" val="703604907"/>
+        <p14:creationId xmlns:p14="http://schemas.microsoft.com/office/powerpoint/2010/main" val="703604907"/>
       </p:ext>
     </p:extLst>
   </p:cSld>
@@ -964,7 +962,7 @@
             <a:fld id="{A4701F91-29EB-40D2-B9D7-8C42FB260373}" type="datetime1">
               <a:rPr lang="en-US" smtClean="0"/>
               <a:pPr/>
-              <a:t>11/7/2014</a:t>
+              <a:t>11/10/2014</a:t>
             </a:fld>
             <a:endParaRPr lang="en-US" dirty="0"/>
           </a:p>
@@ -988,7 +986,7 @@
             <a:fld id="{AF74D21E-FC2D-4C2D-A54C-47F1D12D0BDC}" type="slidenum">
               <a:rPr lang="en-US" smtClean="0"/>
               <a:pPr/>
-              <a:t>8</a:t>
+              <a:t>7</a:t>
             </a:fld>
             <a:endParaRPr lang="en-US" dirty="0"/>
           </a:p>
@@ -997,7 +995,7 @@
     </p:spTree>
     <p:extLst>
       <p:ext uri="{BB962C8B-B14F-4D97-AF65-F5344CB8AC3E}">
-        <p14:creationId xmlns="" xmlns:p14="http://schemas.microsoft.com/office/powerpoint/2010/main" val="128245134"/>
+        <p14:creationId xmlns:p14="http://schemas.microsoft.com/office/powerpoint/2010/main" val="128245134"/>
       </p:ext>
     </p:extLst>
   </p:cSld>
@@ -1083,7 +1081,7 @@
             <a:fld id="{4ABA07A6-928A-40BE-A78C-B30CE0159901}" type="slidenum">
               <a:rPr lang="en-US" smtClean="0"/>
               <a:pPr/>
-              <a:t>11</a:t>
+              <a:t>10</a:t>
             </a:fld>
             <a:endParaRPr lang="en-US" dirty="0"/>
           </a:p>
@@ -1092,7 +1090,7 @@
     </p:spTree>
     <p:extLst>
       <p:ext uri="{BB962C8B-B14F-4D97-AF65-F5344CB8AC3E}">
-        <p14:creationId xmlns="" xmlns:p14="http://schemas.microsoft.com/office/powerpoint/2010/main" val="2203836149"/>
+        <p14:creationId xmlns:p14="http://schemas.microsoft.com/office/powerpoint/2010/main" val="2203836149"/>
       </p:ext>
     </p:extLst>
   </p:cSld>
@@ -1168,7 +1166,7 @@
             <a:fld id="{4ABA07A6-928A-40BE-A78C-B30CE0159901}" type="slidenum">
               <a:rPr lang="en-US" smtClean="0"/>
               <a:pPr/>
-              <a:t>15</a:t>
+              <a:t>14</a:t>
             </a:fld>
             <a:endParaRPr lang="en-US" dirty="0"/>
           </a:p>
@@ -1177,7 +1175,7 @@
     </p:spTree>
     <p:extLst>
       <p:ext uri="{BB962C8B-B14F-4D97-AF65-F5344CB8AC3E}">
-        <p14:creationId xmlns="" xmlns:p14="http://schemas.microsoft.com/office/powerpoint/2010/main" val="108875579"/>
+        <p14:creationId xmlns:p14="http://schemas.microsoft.com/office/powerpoint/2010/main" val="108875579"/>
       </p:ext>
     </p:extLst>
   </p:cSld>
@@ -1253,7 +1251,7 @@
             <a:fld id="{4ABA07A6-928A-40BE-A78C-B30CE0159901}" type="slidenum">
               <a:rPr lang="en-US" smtClean="0"/>
               <a:pPr/>
-              <a:t>16</a:t>
+              <a:t>15</a:t>
             </a:fld>
             <a:endParaRPr lang="en-US" dirty="0"/>
           </a:p>
@@ -1262,7 +1260,7 @@
     </p:spTree>
     <p:extLst>
       <p:ext uri="{BB962C8B-B14F-4D97-AF65-F5344CB8AC3E}">
-        <p14:creationId xmlns="" xmlns:p14="http://schemas.microsoft.com/office/powerpoint/2010/main" val="108875579"/>
+        <p14:creationId xmlns:p14="http://schemas.microsoft.com/office/powerpoint/2010/main" val="108875579"/>
       </p:ext>
     </p:extLst>
   </p:cSld>
@@ -1342,7 +1340,7 @@
             <a:fld id="{4ABA07A6-928A-40BE-A78C-B30CE0159901}" type="slidenum">
               <a:rPr lang="en-US" smtClean="0"/>
               <a:pPr/>
-              <a:t>20</a:t>
+              <a:t>19</a:t>
             </a:fld>
             <a:endParaRPr lang="en-US" dirty="0"/>
           </a:p>
@@ -1351,7 +1349,7 @@
     </p:spTree>
     <p:extLst>
       <p:ext uri="{BB962C8B-B14F-4D97-AF65-F5344CB8AC3E}">
-        <p14:creationId xmlns="" xmlns:p14="http://schemas.microsoft.com/office/powerpoint/2010/main" val="915744691"/>
+        <p14:creationId xmlns:p14="http://schemas.microsoft.com/office/powerpoint/2010/main" val="915744691"/>
       </p:ext>
     </p:extLst>
   </p:cSld>
@@ -1431,7 +1429,7 @@
             <a:fld id="{4ABA07A6-928A-40BE-A78C-B30CE0159901}" type="slidenum">
               <a:rPr lang="en-US" smtClean="0"/>
               <a:pPr/>
-              <a:t>26</a:t>
+              <a:t>25</a:t>
             </a:fld>
             <a:endParaRPr lang="en-US" dirty="0"/>
           </a:p>
@@ -1440,7 +1438,7 @@
     </p:spTree>
     <p:extLst>
       <p:ext uri="{BB962C8B-B14F-4D97-AF65-F5344CB8AC3E}">
-        <p14:creationId xmlns="" xmlns:p14="http://schemas.microsoft.com/office/powerpoint/2010/main" val="1099734419"/>
+        <p14:creationId xmlns:p14="http://schemas.microsoft.com/office/powerpoint/2010/main" val="1099734419"/>
       </p:ext>
     </p:extLst>
   </p:cSld>
@@ -1520,7 +1518,7 @@
             <a:fld id="{4ABA07A6-928A-40BE-A78C-B30CE0159901}" type="slidenum">
               <a:rPr lang="en-US" smtClean="0"/>
               <a:pPr/>
-              <a:t>30</a:t>
+              <a:t>29</a:t>
             </a:fld>
             <a:endParaRPr lang="en-US" dirty="0"/>
           </a:p>
@@ -1529,7 +1527,7 @@
     </p:spTree>
     <p:extLst>
       <p:ext uri="{BB962C8B-B14F-4D97-AF65-F5344CB8AC3E}">
-        <p14:creationId xmlns="" xmlns:p14="http://schemas.microsoft.com/office/powerpoint/2010/main" val="2290830966"/>
+        <p14:creationId xmlns:p14="http://schemas.microsoft.com/office/powerpoint/2010/main" val="2290830966"/>
       </p:ext>
     </p:extLst>
   </p:cSld>
@@ -1988,7 +1986,7 @@
     </p:spTree>
     <p:extLst>
       <p:ext uri="{BB962C8B-B14F-4D97-AF65-F5344CB8AC3E}">
-        <p14:creationId xmlns="" xmlns:p14="http://schemas.microsoft.com/office/powerpoint/2010/main" val="1464444330"/>
+        <p14:creationId xmlns:p14="http://schemas.microsoft.com/office/powerpoint/2010/main" val="1464444330"/>
       </p:ext>
     </p:extLst>
   </p:cSld>
@@ -2190,324 +2188,6 @@
 </file>
 
 <file path=ppt/slideLayouts/slideLayout4.xml><?xml version="1.0" encoding="utf-8"?>
-<p:sldLayout xmlns:a="http://schemas.openxmlformats.org/drawingml/2006/main" xmlns:r="http://schemas.openxmlformats.org/officeDocument/2006/relationships" xmlns:p="http://schemas.openxmlformats.org/presentationml/2006/main" type="title">
-  <p:cSld name="3_Title Slide">
-    <p:spTree>
-      <p:nvGrpSpPr>
-        <p:cNvPr id="1" name=""/>
-        <p:cNvGrpSpPr/>
-        <p:nvPr/>
-      </p:nvGrpSpPr>
-      <p:grpSpPr>
-        <a:xfrm>
-          <a:off x="0" y="0"/>
-          <a:ext cx="0" cy="0"/>
-          <a:chOff x="0" y="0"/>
-          <a:chExt cx="0" cy="0"/>
-        </a:xfrm>
-      </p:grpSpPr>
-      <p:pic>
-        <p:nvPicPr>
-          <p:cNvPr id="4" name="Picture 6" descr="selected_powerpoint_bg_1_grey.jpg"/>
-          <p:cNvPicPr>
-            <a:picLocks noChangeAspect="1"/>
-          </p:cNvPicPr>
-          <p:nvPr userDrawn="1"/>
-        </p:nvPicPr>
-        <p:blipFill>
-          <a:blip r:embed="rId2" cstate="print"/>
-          <a:srcRect/>
-          <a:stretch>
-            <a:fillRect/>
-          </a:stretch>
-        </p:blipFill>
-        <p:spPr bwMode="auto">
-          <a:xfrm>
-            <a:off x="0" y="0"/>
-            <a:ext cx="9144000" cy="6858000"/>
-          </a:xfrm>
-          <a:prstGeom prst="rect">
-            <a:avLst/>
-          </a:prstGeom>
-          <a:noFill/>
-          <a:ln w="9525">
-            <a:noFill/>
-            <a:miter lim="800000"/>
-            <a:headEnd/>
-            <a:tailEnd/>
-          </a:ln>
-        </p:spPr>
-      </p:pic>
-      <p:sp>
-        <p:nvSpPr>
-          <p:cNvPr id="5" name="Rectangle 4"/>
-          <p:cNvSpPr/>
-          <p:nvPr userDrawn="1"/>
-        </p:nvSpPr>
-        <p:spPr>
-          <a:xfrm>
-            <a:off x="0" y="6324600"/>
-            <a:ext cx="8782050" cy="457200"/>
-          </a:xfrm>
-          <a:prstGeom prst="rect">
-            <a:avLst/>
-          </a:prstGeom>
-          <a:solidFill>
-            <a:schemeClr val="bg1"/>
-          </a:solidFill>
-          <a:ln>
-            <a:noFill/>
-          </a:ln>
-        </p:spPr>
-        <p:style>
-          <a:lnRef idx="2">
-            <a:schemeClr val="accent1">
-              <a:shade val="50000"/>
-            </a:schemeClr>
-          </a:lnRef>
-          <a:fillRef idx="1">
-            <a:schemeClr val="accent1"/>
-          </a:fillRef>
-          <a:effectRef idx="0">
-            <a:schemeClr val="accent1"/>
-          </a:effectRef>
-          <a:fontRef idx="minor">
-            <a:schemeClr val="lt1"/>
-          </a:fontRef>
-        </p:style>
-        <p:txBody>
-          <a:bodyPr anchor="ctr"/>
-          <a:lstStyle/>
-          <a:p>
-            <a:pPr algn="ctr" fontAlgn="base">
-              <a:spcBef>
-                <a:spcPct val="0"/>
-              </a:spcBef>
-              <a:spcAft>
-                <a:spcPct val="0"/>
-              </a:spcAft>
-            </a:pPr>
-            <a:endParaRPr lang="en-US" dirty="0">
-              <a:solidFill>
-                <a:srgbClr val="FFFFFF"/>
-              </a:solidFill>
-            </a:endParaRPr>
-          </a:p>
-        </p:txBody>
-      </p:sp>
-      <p:sp>
-        <p:nvSpPr>
-          <p:cNvPr id="13" name="Rectangle 12"/>
-          <p:cNvSpPr/>
-          <p:nvPr userDrawn="1"/>
-        </p:nvSpPr>
-        <p:spPr>
-          <a:xfrm>
-            <a:off x="0" y="6321425"/>
-            <a:ext cx="8810625" cy="466344"/>
-          </a:xfrm>
-          <a:prstGeom prst="rect">
-            <a:avLst/>
-          </a:prstGeom>
-          <a:solidFill>
-            <a:schemeClr val="bg1"/>
-          </a:solidFill>
-          <a:ln w="9525">
-            <a:solidFill>
-              <a:srgbClr val="AAAAAA"/>
-            </a:solidFill>
-          </a:ln>
-        </p:spPr>
-        <p:style>
-          <a:lnRef idx="2">
-            <a:schemeClr val="accent1">
-              <a:shade val="50000"/>
-            </a:schemeClr>
-          </a:lnRef>
-          <a:fillRef idx="1">
-            <a:schemeClr val="accent1"/>
-          </a:fillRef>
-          <a:effectRef idx="0">
-            <a:schemeClr val="accent1"/>
-          </a:effectRef>
-          <a:fontRef idx="minor">
-            <a:schemeClr val="lt1"/>
-          </a:fontRef>
-        </p:style>
-        <p:txBody>
-          <a:bodyPr rtlCol="0" anchor="ctr"/>
-          <a:lstStyle/>
-          <a:p>
-            <a:pPr algn="ctr" fontAlgn="base">
-              <a:spcBef>
-                <a:spcPct val="0"/>
-              </a:spcBef>
-              <a:spcAft>
-                <a:spcPct val="0"/>
-              </a:spcAft>
-            </a:pPr>
-            <a:endParaRPr lang="en-US" dirty="0">
-              <a:solidFill>
-                <a:srgbClr val="FFFFFF"/>
-              </a:solidFill>
-            </a:endParaRPr>
-          </a:p>
-        </p:txBody>
-      </p:sp>
-      <p:pic>
-        <p:nvPicPr>
-          <p:cNvPr id="10" name="Picture 27" descr="ti_logo_powerpoint_1_line.png"/>
-          <p:cNvPicPr>
-            <a:picLocks noChangeAspect="1"/>
-          </p:cNvPicPr>
-          <p:nvPr userDrawn="1"/>
-        </p:nvPicPr>
-        <p:blipFill>
-          <a:blip r:embed="rId3" cstate="print"/>
-          <a:srcRect/>
-          <a:stretch>
-            <a:fillRect/>
-          </a:stretch>
-        </p:blipFill>
-        <p:spPr bwMode="auto">
-          <a:xfrm>
-            <a:off x="6675438" y="6440488"/>
-            <a:ext cx="1874837" cy="231775"/>
-          </a:xfrm>
-          <a:prstGeom prst="rect">
-            <a:avLst/>
-          </a:prstGeom>
-          <a:noFill/>
-          <a:ln w="9525">
-            <a:noFill/>
-            <a:miter lim="800000"/>
-            <a:headEnd/>
-            <a:tailEnd/>
-          </a:ln>
-        </p:spPr>
-      </p:pic>
-      <p:sp>
-        <p:nvSpPr>
-          <p:cNvPr id="3074" name="Rectangle 2"/>
-          <p:cNvSpPr>
-            <a:spLocks noGrp="1" noChangeArrowheads="1"/>
-          </p:cNvSpPr>
-          <p:nvPr>
-            <p:ph type="ctrTitle"/>
-          </p:nvPr>
-        </p:nvSpPr>
-        <p:spPr>
-          <a:xfrm>
-            <a:off x="342900" y="1943100"/>
-            <a:ext cx="8458200" cy="1470025"/>
-          </a:xfrm>
-        </p:spPr>
-        <p:txBody>
-          <a:bodyPr/>
-          <a:lstStyle>
-            <a:lvl1pPr>
-              <a:defRPr sz="4000">
-                <a:solidFill>
-                  <a:schemeClr val="tx2"/>
-                </a:solidFill>
-              </a:defRPr>
-            </a:lvl1pPr>
-          </a:lstStyle>
-          <a:p>
-            <a:r>
-              <a:rPr lang="en-US" dirty="0"/>
-              <a:t>Click to edit Master title style</a:t>
-            </a:r>
-          </a:p>
-        </p:txBody>
-      </p:sp>
-      <p:sp>
-        <p:nvSpPr>
-          <p:cNvPr id="3075" name="Rectangle 3"/>
-          <p:cNvSpPr>
-            <a:spLocks noGrp="1" noChangeArrowheads="1"/>
-          </p:cNvSpPr>
-          <p:nvPr>
-            <p:ph type="subTitle" idx="1"/>
-          </p:nvPr>
-        </p:nvSpPr>
-        <p:spPr>
-          <a:xfrm>
-            <a:off x="342900" y="3698875"/>
-            <a:ext cx="8458200" cy="1485900"/>
-          </a:xfrm>
-          <a:ln/>
-        </p:spPr>
-        <p:txBody>
-          <a:bodyPr/>
-          <a:lstStyle>
-            <a:lvl1pPr marL="0" indent="0">
-              <a:buFontTx/>
-              <a:buNone/>
-              <a:defRPr b="1">
-                <a:latin typeface="Calibri" pitchFamily="34" charset="0"/>
-                <a:cs typeface="Calibri" pitchFamily="34" charset="0"/>
-              </a:defRPr>
-            </a:lvl1pPr>
-          </a:lstStyle>
-          <a:p>
-            <a:r>
-              <a:rPr lang="en-US" dirty="0"/>
-              <a:t>Click to edit Master subtitle style</a:t>
-            </a:r>
-          </a:p>
-        </p:txBody>
-      </p:sp>
-      <p:sp>
-        <p:nvSpPr>
-          <p:cNvPr id="12" name="Rectangle 24"/>
-          <p:cNvSpPr>
-            <a:spLocks noGrp="1" noChangeArrowheads="1"/>
-          </p:cNvSpPr>
-          <p:nvPr>
-            <p:ph type="sldNum" sz="quarter" idx="10"/>
-          </p:nvPr>
-        </p:nvSpPr>
-        <p:spPr>
-          <a:xfrm>
-            <a:off x="6642100" y="6038850"/>
-            <a:ext cx="2133600" cy="206375"/>
-          </a:xfrm>
-        </p:spPr>
-        <p:txBody>
-          <a:bodyPr/>
-          <a:lstStyle>
-            <a:lvl1pPr>
-              <a:defRPr/>
-            </a:lvl1pPr>
-          </a:lstStyle>
-          <a:p>
-            <a:fld id="{91A5AC0A-F4BD-4464-80DC-A88E0D9F781D}" type="slidenum">
-              <a:rPr lang="en-US">
-                <a:solidFill>
-                  <a:srgbClr val="000000"/>
-                </a:solidFill>
-              </a:rPr>
-              <a:pPr/>
-              <a:t>‹#›</a:t>
-            </a:fld>
-            <a:endParaRPr lang="en-US" dirty="0">
-              <a:solidFill>
-                <a:srgbClr val="000000"/>
-              </a:solidFill>
-            </a:endParaRPr>
-          </a:p>
-        </p:txBody>
-      </p:sp>
-    </p:spTree>
-  </p:cSld>
-  <p:clrMapOvr>
-    <a:masterClrMapping/>
-  </p:clrMapOvr>
-</p:sldLayout>
-</file>
-
-<file path=ppt/slideLayouts/slideLayout5.xml><?xml version="1.0" encoding="utf-8"?>
 <p:sldLayout xmlns:a="http://schemas.openxmlformats.org/drawingml/2006/main" xmlns:r="http://schemas.openxmlformats.org/officeDocument/2006/relationships" xmlns:p="http://schemas.openxmlformats.org/presentationml/2006/main" type="obj">
   <p:cSld name="Title and Content">
     <p:spTree>
@@ -4761,831 +4441,6 @@
   </p:cSld>
   <p:clrMap bg1="lt1" tx1="dk1" bg2="lt2" tx2="dk2" accent1="accent1" accent2="accent2" accent3="accent3" accent4="accent4" accent5="accent5" accent6="accent6" hlink="hlink" folHlink="folHlink"/>
   <p:sldLayoutIdLst>
-    <p:sldLayoutId id="2147483678" r:id="rId1"/>
-  </p:sldLayoutIdLst>
-  <p:timing>
-    <p:tnLst>
-      <p:par>
-        <p:cTn id="1" dur="indefinite" restart="never" nodeType="tmRoot"/>
-      </p:par>
-    </p:tnLst>
-  </p:timing>
-  <p:hf hdr="0" ftr="0" dt="0"/>
-  <p:txStyles>
-    <p:titleStyle>
-      <a:lvl1pPr algn="ctr" rtl="0" eaLnBrk="0" fontAlgn="base" hangingPunct="0">
-        <a:lnSpc>
-          <a:spcPct val="85000"/>
-        </a:lnSpc>
-        <a:spcBef>
-          <a:spcPct val="0"/>
-        </a:spcBef>
-        <a:spcAft>
-          <a:spcPct val="0"/>
-        </a:spcAft>
-        <a:defRPr sz="4000" b="1">
-          <a:solidFill>
-            <a:schemeClr val="tx2"/>
-          </a:solidFill>
-          <a:latin typeface="Calibri" pitchFamily="34" charset="0"/>
-          <a:ea typeface="+mj-ea"/>
-          <a:cs typeface="Calibri" pitchFamily="34" charset="0"/>
-        </a:defRPr>
-      </a:lvl1pPr>
-      <a:lvl2pPr algn="l" rtl="0" eaLnBrk="0" fontAlgn="base" hangingPunct="0">
-        <a:lnSpc>
-          <a:spcPct val="85000"/>
-        </a:lnSpc>
-        <a:spcBef>
-          <a:spcPct val="0"/>
-        </a:spcBef>
-        <a:spcAft>
-          <a:spcPct val="0"/>
-        </a:spcAft>
-        <a:defRPr sz="3200" b="1">
-          <a:solidFill>
-            <a:schemeClr val="tx2"/>
-          </a:solidFill>
-          <a:latin typeface="Arial" charset="0"/>
-        </a:defRPr>
-      </a:lvl2pPr>
-      <a:lvl3pPr algn="l" rtl="0" eaLnBrk="0" fontAlgn="base" hangingPunct="0">
-        <a:lnSpc>
-          <a:spcPct val="85000"/>
-        </a:lnSpc>
-        <a:spcBef>
-          <a:spcPct val="0"/>
-        </a:spcBef>
-        <a:spcAft>
-          <a:spcPct val="0"/>
-        </a:spcAft>
-        <a:defRPr sz="3200" b="1">
-          <a:solidFill>
-            <a:schemeClr val="tx2"/>
-          </a:solidFill>
-          <a:latin typeface="Arial" charset="0"/>
-        </a:defRPr>
-      </a:lvl3pPr>
-      <a:lvl4pPr algn="l" rtl="0" eaLnBrk="0" fontAlgn="base" hangingPunct="0">
-        <a:lnSpc>
-          <a:spcPct val="85000"/>
-        </a:lnSpc>
-        <a:spcBef>
-          <a:spcPct val="0"/>
-        </a:spcBef>
-        <a:spcAft>
-          <a:spcPct val="0"/>
-        </a:spcAft>
-        <a:defRPr sz="3200" b="1">
-          <a:solidFill>
-            <a:schemeClr val="tx2"/>
-          </a:solidFill>
-          <a:latin typeface="Arial" charset="0"/>
-        </a:defRPr>
-      </a:lvl4pPr>
-      <a:lvl5pPr algn="l" rtl="0" eaLnBrk="0" fontAlgn="base" hangingPunct="0">
-        <a:lnSpc>
-          <a:spcPct val="85000"/>
-        </a:lnSpc>
-        <a:spcBef>
-          <a:spcPct val="0"/>
-        </a:spcBef>
-        <a:spcAft>
-          <a:spcPct val="0"/>
-        </a:spcAft>
-        <a:defRPr sz="3200" b="1">
-          <a:solidFill>
-            <a:schemeClr val="tx2"/>
-          </a:solidFill>
-          <a:latin typeface="Arial" charset="0"/>
-        </a:defRPr>
-      </a:lvl5pPr>
-      <a:lvl6pPr marL="457200" algn="l" rtl="0" fontAlgn="base">
-        <a:lnSpc>
-          <a:spcPct val="85000"/>
-        </a:lnSpc>
-        <a:spcBef>
-          <a:spcPct val="0"/>
-        </a:spcBef>
-        <a:spcAft>
-          <a:spcPct val="0"/>
-        </a:spcAft>
-        <a:defRPr sz="3200" b="1">
-          <a:solidFill>
-            <a:srgbClr val="FF0000"/>
-          </a:solidFill>
-          <a:latin typeface="Arial" charset="0"/>
-        </a:defRPr>
-      </a:lvl6pPr>
-      <a:lvl7pPr marL="914400" algn="l" rtl="0" fontAlgn="base">
-        <a:lnSpc>
-          <a:spcPct val="85000"/>
-        </a:lnSpc>
-        <a:spcBef>
-          <a:spcPct val="0"/>
-        </a:spcBef>
-        <a:spcAft>
-          <a:spcPct val="0"/>
-        </a:spcAft>
-        <a:defRPr sz="3200" b="1">
-          <a:solidFill>
-            <a:srgbClr val="FF0000"/>
-          </a:solidFill>
-          <a:latin typeface="Arial" charset="0"/>
-        </a:defRPr>
-      </a:lvl7pPr>
-      <a:lvl8pPr marL="1371600" algn="l" rtl="0" fontAlgn="base">
-        <a:lnSpc>
-          <a:spcPct val="85000"/>
-        </a:lnSpc>
-        <a:spcBef>
-          <a:spcPct val="0"/>
-        </a:spcBef>
-        <a:spcAft>
-          <a:spcPct val="0"/>
-        </a:spcAft>
-        <a:defRPr sz="3200" b="1">
-          <a:solidFill>
-            <a:srgbClr val="FF0000"/>
-          </a:solidFill>
-          <a:latin typeface="Arial" charset="0"/>
-        </a:defRPr>
-      </a:lvl8pPr>
-      <a:lvl9pPr marL="1828800" algn="l" rtl="0" fontAlgn="base">
-        <a:lnSpc>
-          <a:spcPct val="85000"/>
-        </a:lnSpc>
-        <a:spcBef>
-          <a:spcPct val="0"/>
-        </a:spcBef>
-        <a:spcAft>
-          <a:spcPct val="0"/>
-        </a:spcAft>
-        <a:defRPr sz="3200" b="1">
-          <a:solidFill>
-            <a:srgbClr val="FF0000"/>
-          </a:solidFill>
-          <a:latin typeface="Arial" charset="0"/>
-        </a:defRPr>
-      </a:lvl9pPr>
-    </p:titleStyle>
-    <p:bodyStyle>
-      <a:lvl1pPr marL="227013" indent="-227013" algn="l" rtl="0" eaLnBrk="0" fontAlgn="base" hangingPunct="0">
-        <a:spcBef>
-          <a:spcPts val="800"/>
-        </a:spcBef>
-        <a:spcAft>
-          <a:spcPct val="0"/>
-        </a:spcAft>
-        <a:buChar char="•"/>
-        <a:defRPr sz="2000">
-          <a:solidFill>
-            <a:schemeClr val="tx1"/>
-          </a:solidFill>
-          <a:latin typeface="+mn-lt"/>
-          <a:ea typeface="+mn-ea"/>
-          <a:cs typeface="+mn-cs"/>
-        </a:defRPr>
-      </a:lvl1pPr>
-      <a:lvl2pPr marL="574675" indent="-233363" algn="l" rtl="0" eaLnBrk="0" fontAlgn="base" hangingPunct="0">
-        <a:spcBef>
-          <a:spcPct val="20000"/>
-        </a:spcBef>
-        <a:spcAft>
-          <a:spcPct val="0"/>
-        </a:spcAft>
-        <a:buChar char="–"/>
-        <a:defRPr>
-          <a:solidFill>
-            <a:schemeClr val="tx1"/>
-          </a:solidFill>
-          <a:latin typeface="+mn-lt"/>
-        </a:defRPr>
-      </a:lvl2pPr>
-      <a:lvl3pPr marL="854075" indent="-165100" algn="l" rtl="0" eaLnBrk="0" fontAlgn="base" hangingPunct="0">
-        <a:spcBef>
-          <a:spcPct val="15000"/>
-        </a:spcBef>
-        <a:spcAft>
-          <a:spcPct val="0"/>
-        </a:spcAft>
-        <a:buChar char="•"/>
-        <a:defRPr>
-          <a:solidFill>
-            <a:schemeClr val="tx1"/>
-          </a:solidFill>
-          <a:latin typeface="+mn-lt"/>
-        </a:defRPr>
-      </a:lvl3pPr>
-      <a:lvl4pPr marL="1201738" indent="-233363" algn="l" rtl="0" eaLnBrk="0" fontAlgn="base" hangingPunct="0">
-        <a:spcBef>
-          <a:spcPct val="5000"/>
-        </a:spcBef>
-        <a:spcAft>
-          <a:spcPct val="0"/>
-        </a:spcAft>
-        <a:buChar char="–"/>
-        <a:defRPr>
-          <a:solidFill>
-            <a:schemeClr val="tx1"/>
-          </a:solidFill>
-          <a:latin typeface="+mn-lt"/>
-        </a:defRPr>
-      </a:lvl4pPr>
-      <a:lvl5pPr marL="1489075" indent="-173038" algn="l" rtl="0" eaLnBrk="0" fontAlgn="base" hangingPunct="0">
-        <a:spcBef>
-          <a:spcPct val="0"/>
-        </a:spcBef>
-        <a:spcAft>
-          <a:spcPct val="0"/>
-        </a:spcAft>
-        <a:buChar char="»"/>
-        <a:defRPr>
-          <a:solidFill>
-            <a:schemeClr val="tx1"/>
-          </a:solidFill>
-          <a:latin typeface="+mn-lt"/>
-        </a:defRPr>
-      </a:lvl5pPr>
-      <a:lvl6pPr marL="1946275" indent="-173038" algn="l" rtl="0" fontAlgn="base">
-        <a:spcBef>
-          <a:spcPct val="0"/>
-        </a:spcBef>
-        <a:spcAft>
-          <a:spcPct val="0"/>
-        </a:spcAft>
-        <a:buChar char="»"/>
-        <a:defRPr sz="1600">
-          <a:solidFill>
-            <a:schemeClr val="tx1"/>
-          </a:solidFill>
-          <a:latin typeface="+mn-lt"/>
-        </a:defRPr>
-      </a:lvl6pPr>
-      <a:lvl7pPr marL="2403475" indent="-173038" algn="l" rtl="0" fontAlgn="base">
-        <a:spcBef>
-          <a:spcPct val="0"/>
-        </a:spcBef>
-        <a:spcAft>
-          <a:spcPct val="0"/>
-        </a:spcAft>
-        <a:buChar char="»"/>
-        <a:defRPr sz="1600">
-          <a:solidFill>
-            <a:schemeClr val="tx1"/>
-          </a:solidFill>
-          <a:latin typeface="+mn-lt"/>
-        </a:defRPr>
-      </a:lvl7pPr>
-      <a:lvl8pPr marL="2860675" indent="-173038" algn="l" rtl="0" fontAlgn="base">
-        <a:spcBef>
-          <a:spcPct val="0"/>
-        </a:spcBef>
-        <a:spcAft>
-          <a:spcPct val="0"/>
-        </a:spcAft>
-        <a:buChar char="»"/>
-        <a:defRPr sz="1600">
-          <a:solidFill>
-            <a:schemeClr val="tx1"/>
-          </a:solidFill>
-          <a:latin typeface="+mn-lt"/>
-        </a:defRPr>
-      </a:lvl8pPr>
-      <a:lvl9pPr marL="3317875" indent="-173038" algn="l" rtl="0" fontAlgn="base">
-        <a:spcBef>
-          <a:spcPct val="0"/>
-        </a:spcBef>
-        <a:spcAft>
-          <a:spcPct val="0"/>
-        </a:spcAft>
-        <a:buChar char="»"/>
-        <a:defRPr sz="1600">
-          <a:solidFill>
-            <a:schemeClr val="tx1"/>
-          </a:solidFill>
-          <a:latin typeface="+mn-lt"/>
-        </a:defRPr>
-      </a:lvl9pPr>
-    </p:bodyStyle>
-    <p:otherStyle>
-      <a:defPPr>
-        <a:defRPr lang="en-US"/>
-      </a:defPPr>
-      <a:lvl1pPr marL="0" algn="l" defTabSz="914400" rtl="0" eaLnBrk="1" latinLnBrk="0" hangingPunct="1">
-        <a:defRPr sz="1800" kern="1200">
-          <a:solidFill>
-            <a:schemeClr val="tx1"/>
-          </a:solidFill>
-          <a:latin typeface="+mn-lt"/>
-          <a:ea typeface="+mn-ea"/>
-          <a:cs typeface="+mn-cs"/>
-        </a:defRPr>
-      </a:lvl1pPr>
-      <a:lvl2pPr marL="457200" algn="l" defTabSz="914400" rtl="0" eaLnBrk="1" latinLnBrk="0" hangingPunct="1">
-        <a:defRPr sz="1800" kern="1200">
-          <a:solidFill>
-            <a:schemeClr val="tx1"/>
-          </a:solidFill>
-          <a:latin typeface="+mn-lt"/>
-          <a:ea typeface="+mn-ea"/>
-          <a:cs typeface="+mn-cs"/>
-        </a:defRPr>
-      </a:lvl2pPr>
-      <a:lvl3pPr marL="914400" algn="l" defTabSz="914400" rtl="0" eaLnBrk="1" latinLnBrk="0" hangingPunct="1">
-        <a:defRPr sz="1800" kern="1200">
-          <a:solidFill>
-            <a:schemeClr val="tx1"/>
-          </a:solidFill>
-          <a:latin typeface="+mn-lt"/>
-          <a:ea typeface="+mn-ea"/>
-          <a:cs typeface="+mn-cs"/>
-        </a:defRPr>
-      </a:lvl3pPr>
-      <a:lvl4pPr marL="1371600" algn="l" defTabSz="914400" rtl="0" eaLnBrk="1" latinLnBrk="0" hangingPunct="1">
-        <a:defRPr sz="1800" kern="1200">
-          <a:solidFill>
-            <a:schemeClr val="tx1"/>
-          </a:solidFill>
-          <a:latin typeface="+mn-lt"/>
-          <a:ea typeface="+mn-ea"/>
-          <a:cs typeface="+mn-cs"/>
-        </a:defRPr>
-      </a:lvl4pPr>
-      <a:lvl5pPr marL="1828800" algn="l" defTabSz="914400" rtl="0" eaLnBrk="1" latinLnBrk="0" hangingPunct="1">
-        <a:defRPr sz="1800" kern="1200">
-          <a:solidFill>
-            <a:schemeClr val="tx1"/>
-          </a:solidFill>
-          <a:latin typeface="+mn-lt"/>
-          <a:ea typeface="+mn-ea"/>
-          <a:cs typeface="+mn-cs"/>
-        </a:defRPr>
-      </a:lvl5pPr>
-      <a:lvl6pPr marL="2286000" algn="l" defTabSz="914400" rtl="0" eaLnBrk="1" latinLnBrk="0" hangingPunct="1">
-        <a:defRPr sz="1800" kern="1200">
-          <a:solidFill>
-            <a:schemeClr val="tx1"/>
-          </a:solidFill>
-          <a:latin typeface="+mn-lt"/>
-          <a:ea typeface="+mn-ea"/>
-          <a:cs typeface="+mn-cs"/>
-        </a:defRPr>
-      </a:lvl6pPr>
-      <a:lvl7pPr marL="2743200" algn="l" defTabSz="914400" rtl="0" eaLnBrk="1" latinLnBrk="0" hangingPunct="1">
-        <a:defRPr sz="1800" kern="1200">
-          <a:solidFill>
-            <a:schemeClr val="tx1"/>
-          </a:solidFill>
-          <a:latin typeface="+mn-lt"/>
-          <a:ea typeface="+mn-ea"/>
-          <a:cs typeface="+mn-cs"/>
-        </a:defRPr>
-      </a:lvl7pPr>
-      <a:lvl8pPr marL="3200400" algn="l" defTabSz="914400" rtl="0" eaLnBrk="1" latinLnBrk="0" hangingPunct="1">
-        <a:defRPr sz="1800" kern="1200">
-          <a:solidFill>
-            <a:schemeClr val="tx1"/>
-          </a:solidFill>
-          <a:latin typeface="+mn-lt"/>
-          <a:ea typeface="+mn-ea"/>
-          <a:cs typeface="+mn-cs"/>
-        </a:defRPr>
-      </a:lvl8pPr>
-      <a:lvl9pPr marL="3657600" algn="l" defTabSz="914400" rtl="0" eaLnBrk="1" latinLnBrk="0" hangingPunct="1">
-        <a:defRPr sz="1800" kern="1200">
-          <a:solidFill>
-            <a:schemeClr val="tx1"/>
-          </a:solidFill>
-          <a:latin typeface="+mn-lt"/>
-          <a:ea typeface="+mn-ea"/>
-          <a:cs typeface="+mn-cs"/>
-        </a:defRPr>
-      </a:lvl9pPr>
-    </p:otherStyle>
-  </p:txStyles>
-</p:sldMaster>
-</file>
-
-<file path=ppt/slideMasters/slideMaster4.xml><?xml version="1.0" encoding="utf-8"?>
-<p:sldMaster xmlns:a="http://schemas.openxmlformats.org/drawingml/2006/main" xmlns:r="http://schemas.openxmlformats.org/officeDocument/2006/relationships" xmlns:p="http://schemas.openxmlformats.org/presentationml/2006/main">
-  <p:cSld>
-    <p:bg>
-      <p:bgPr>
-        <a:solidFill>
-          <a:schemeClr val="bg1"/>
-        </a:solidFill>
-        <a:effectLst/>
-      </p:bgPr>
-    </p:bg>
-    <p:spTree>
-      <p:nvGrpSpPr>
-        <p:cNvPr id="1" name=""/>
-        <p:cNvGrpSpPr/>
-        <p:nvPr/>
-      </p:nvGrpSpPr>
-      <p:grpSpPr>
-        <a:xfrm>
-          <a:off x="0" y="0"/>
-          <a:ext cx="0" cy="0"/>
-          <a:chOff x="0" y="0"/>
-          <a:chExt cx="0" cy="0"/>
-        </a:xfrm>
-      </p:grpSpPr>
-      <p:sp>
-        <p:nvSpPr>
-          <p:cNvPr id="20" name="Rectangle 19"/>
-          <p:cNvSpPr/>
-          <p:nvPr userDrawn="1"/>
-        </p:nvSpPr>
-        <p:spPr>
-          <a:xfrm>
-            <a:off x="0" y="6324600"/>
-            <a:ext cx="8804275" cy="457200"/>
-          </a:xfrm>
-          <a:prstGeom prst="rect">
-            <a:avLst/>
-          </a:prstGeom>
-          <a:solidFill>
-            <a:schemeClr val="bg1"/>
-          </a:solidFill>
-          <a:ln>
-            <a:noFill/>
-          </a:ln>
-        </p:spPr>
-        <p:style>
-          <a:lnRef idx="2">
-            <a:schemeClr val="accent1">
-              <a:shade val="50000"/>
-            </a:schemeClr>
-          </a:lnRef>
-          <a:fillRef idx="1">
-            <a:schemeClr val="accent1"/>
-          </a:fillRef>
-          <a:effectRef idx="0">
-            <a:schemeClr val="accent1"/>
-          </a:effectRef>
-          <a:fontRef idx="minor">
-            <a:schemeClr val="lt1"/>
-          </a:fontRef>
-        </p:style>
-        <p:txBody>
-          <a:bodyPr anchor="ctr"/>
-          <a:lstStyle/>
-          <a:p>
-            <a:pPr algn="ctr" fontAlgn="base">
-              <a:spcBef>
-                <a:spcPct val="0"/>
-              </a:spcBef>
-              <a:spcAft>
-                <a:spcPct val="0"/>
-              </a:spcAft>
-            </a:pPr>
-            <a:endParaRPr lang="en-US" dirty="0">
-              <a:solidFill>
-                <a:srgbClr val="FFFFFF"/>
-              </a:solidFill>
-            </a:endParaRPr>
-          </a:p>
-        </p:txBody>
-      </p:sp>
-      <p:sp>
-        <p:nvSpPr>
-          <p:cNvPr id="19" name="Rectangle 18"/>
-          <p:cNvSpPr/>
-          <p:nvPr userDrawn="1"/>
-        </p:nvSpPr>
-        <p:spPr>
-          <a:xfrm>
-            <a:off x="41275" y="6324600"/>
-            <a:ext cx="8740775" cy="457200"/>
-          </a:xfrm>
-          <a:prstGeom prst="rect">
-            <a:avLst/>
-          </a:prstGeom>
-          <a:solidFill>
-            <a:schemeClr val="bg1"/>
-          </a:solidFill>
-          <a:ln>
-            <a:noFill/>
-          </a:ln>
-        </p:spPr>
-        <p:style>
-          <a:lnRef idx="2">
-            <a:schemeClr val="accent1">
-              <a:shade val="50000"/>
-            </a:schemeClr>
-          </a:lnRef>
-          <a:fillRef idx="1">
-            <a:schemeClr val="accent1"/>
-          </a:fillRef>
-          <a:effectRef idx="0">
-            <a:schemeClr val="accent1"/>
-          </a:effectRef>
-          <a:fontRef idx="minor">
-            <a:schemeClr val="lt1"/>
-          </a:fontRef>
-        </p:style>
-        <p:txBody>
-          <a:bodyPr anchor="ctr"/>
-          <a:lstStyle/>
-          <a:p>
-            <a:pPr algn="ctr" fontAlgn="base">
-              <a:spcBef>
-                <a:spcPct val="0"/>
-              </a:spcBef>
-              <a:spcAft>
-                <a:spcPct val="0"/>
-              </a:spcAft>
-            </a:pPr>
-            <a:endParaRPr lang="en-US" dirty="0">
-              <a:solidFill>
-                <a:srgbClr val="FFFFFF"/>
-              </a:solidFill>
-            </a:endParaRPr>
-          </a:p>
-        </p:txBody>
-      </p:sp>
-      <p:sp>
-        <p:nvSpPr>
-          <p:cNvPr id="22" name="Rectangle 21"/>
-          <p:cNvSpPr/>
-          <p:nvPr userDrawn="1"/>
-        </p:nvSpPr>
-        <p:spPr>
-          <a:xfrm>
-            <a:off x="0" y="6321425"/>
-            <a:ext cx="8810625" cy="466344"/>
-          </a:xfrm>
-          <a:prstGeom prst="rect">
-            <a:avLst/>
-          </a:prstGeom>
-          <a:solidFill>
-            <a:schemeClr val="bg1"/>
-          </a:solidFill>
-          <a:ln w="9525">
-            <a:solidFill>
-              <a:srgbClr val="AAAAAA"/>
-            </a:solidFill>
-          </a:ln>
-        </p:spPr>
-        <p:style>
-          <a:lnRef idx="2">
-            <a:schemeClr val="accent1">
-              <a:shade val="50000"/>
-            </a:schemeClr>
-          </a:lnRef>
-          <a:fillRef idx="1">
-            <a:schemeClr val="accent1"/>
-          </a:fillRef>
-          <a:effectRef idx="0">
-            <a:schemeClr val="accent1"/>
-          </a:effectRef>
-          <a:fontRef idx="minor">
-            <a:schemeClr val="lt1"/>
-          </a:fontRef>
-        </p:style>
-        <p:txBody>
-          <a:bodyPr rtlCol="0" anchor="ctr"/>
-          <a:lstStyle/>
-          <a:p>
-            <a:pPr algn="ctr" fontAlgn="base">
-              <a:spcBef>
-                <a:spcPct val="0"/>
-              </a:spcBef>
-              <a:spcAft>
-                <a:spcPct val="0"/>
-              </a:spcAft>
-            </a:pPr>
-            <a:endParaRPr lang="en-US" dirty="0">
-              <a:solidFill>
-                <a:srgbClr val="FFFFFF"/>
-              </a:solidFill>
-            </a:endParaRPr>
-          </a:p>
-        </p:txBody>
-      </p:sp>
-      <p:pic>
-        <p:nvPicPr>
-          <p:cNvPr id="1028" name="Picture 8" descr="ti_logo_powerpoint_1_line.png"/>
-          <p:cNvPicPr>
-            <a:picLocks noChangeAspect="1"/>
-          </p:cNvPicPr>
-          <p:nvPr userDrawn="1"/>
-        </p:nvPicPr>
-        <p:blipFill>
-          <a:blip r:embed="rId3" cstate="print"/>
-          <a:srcRect/>
-          <a:stretch>
-            <a:fillRect/>
-          </a:stretch>
-        </p:blipFill>
-        <p:spPr bwMode="auto">
-          <a:xfrm>
-            <a:off x="6675438" y="6440488"/>
-            <a:ext cx="1874837" cy="231775"/>
-          </a:xfrm>
-          <a:prstGeom prst="rect">
-            <a:avLst/>
-          </a:prstGeom>
-          <a:noFill/>
-          <a:ln w="9525">
-            <a:noFill/>
-            <a:miter lim="800000"/>
-            <a:headEnd/>
-            <a:tailEnd/>
-          </a:ln>
-        </p:spPr>
-      </p:pic>
-      <p:sp>
-        <p:nvSpPr>
-          <p:cNvPr id="1029" name="Rectangle 2"/>
-          <p:cNvSpPr>
-            <a:spLocks noGrp="1" noChangeArrowheads="1"/>
-          </p:cNvSpPr>
-          <p:nvPr>
-            <p:ph type="title"/>
-          </p:nvPr>
-        </p:nvSpPr>
-        <p:spPr bwMode="auto">
-          <a:xfrm>
-            <a:off x="231775" y="142875"/>
-            <a:ext cx="8458200" cy="814388"/>
-          </a:xfrm>
-          <a:prstGeom prst="rect">
-            <a:avLst/>
-          </a:prstGeom>
-          <a:noFill/>
-          <a:ln w="9525">
-            <a:noFill/>
-            <a:miter lim="800000"/>
-            <a:headEnd/>
-            <a:tailEnd/>
-          </a:ln>
-        </p:spPr>
-        <p:txBody>
-          <a:bodyPr vert="horz" wrap="square" lIns="91440" tIns="45720" rIns="91440" bIns="45720" numCol="1" anchor="ctr" anchorCtr="0" compatLnSpc="1">
-            <a:prstTxWarp prst="textNoShape">
-              <a:avLst/>
-            </a:prstTxWarp>
-          </a:bodyPr>
-          <a:lstStyle/>
-          <a:p>
-            <a:pPr lvl="0"/>
-            <a:r>
-              <a:rPr lang="en-US" dirty="0" smtClean="0"/>
-              <a:t>Click to edit Master title style</a:t>
-            </a:r>
-          </a:p>
-        </p:txBody>
-      </p:sp>
-      <p:sp>
-        <p:nvSpPr>
-          <p:cNvPr id="1030" name="Rectangle 3"/>
-          <p:cNvSpPr>
-            <a:spLocks noGrp="1" noChangeArrowheads="1"/>
-          </p:cNvSpPr>
-          <p:nvPr>
-            <p:ph type="body" idx="1"/>
-          </p:nvPr>
-        </p:nvSpPr>
-        <p:spPr bwMode="auto">
-          <a:xfrm>
-            <a:off x="333375" y="1058863"/>
-            <a:ext cx="8467725" cy="4935537"/>
-          </a:xfrm>
-          <a:prstGeom prst="rect">
-            <a:avLst/>
-          </a:prstGeom>
-          <a:noFill/>
-          <a:ln w="9525" algn="ctr">
-            <a:noFill/>
-            <a:miter lim="800000"/>
-            <a:headEnd/>
-            <a:tailEnd/>
-          </a:ln>
-        </p:spPr>
-        <p:txBody>
-          <a:bodyPr vert="horz" wrap="square" lIns="91440" tIns="45720" rIns="91440" bIns="45720" numCol="1" anchor="t" anchorCtr="0" compatLnSpc="1">
-            <a:prstTxWarp prst="textNoShape">
-              <a:avLst/>
-            </a:prstTxWarp>
-          </a:bodyPr>
-          <a:lstStyle/>
-          <a:p>
-            <a:pPr lvl="0"/>
-            <a:r>
-              <a:rPr lang="en-US" dirty="0" smtClean="0"/>
-              <a:t>Click to edit Master text styles</a:t>
-            </a:r>
-          </a:p>
-          <a:p>
-            <a:pPr lvl="1"/>
-            <a:r>
-              <a:rPr lang="en-US" dirty="0" smtClean="0"/>
-              <a:t>Second level</a:t>
-            </a:r>
-          </a:p>
-          <a:p>
-            <a:pPr lvl="2"/>
-            <a:r>
-              <a:rPr lang="en-US" dirty="0" smtClean="0"/>
-              <a:t>Third level</a:t>
-            </a:r>
-          </a:p>
-          <a:p>
-            <a:pPr lvl="3"/>
-            <a:r>
-              <a:rPr lang="en-US" dirty="0" smtClean="0"/>
-              <a:t>Fourth level</a:t>
-            </a:r>
-          </a:p>
-          <a:p>
-            <a:pPr lvl="4"/>
-            <a:r>
-              <a:rPr lang="en-US" dirty="0" smtClean="0"/>
-              <a:t>Fifth level</a:t>
-            </a:r>
-          </a:p>
-        </p:txBody>
-      </p:sp>
-      <p:sp>
-        <p:nvSpPr>
-          <p:cNvPr id="2" name="Rectangle 6"/>
-          <p:cNvSpPr>
-            <a:spLocks noGrp="1" noChangeArrowheads="1"/>
-          </p:cNvSpPr>
-          <p:nvPr>
-            <p:ph type="sldNum" sz="quarter" idx="4"/>
-          </p:nvPr>
-        </p:nvSpPr>
-        <p:spPr bwMode="auto">
-          <a:xfrm>
-            <a:off x="6642100" y="6049963"/>
-            <a:ext cx="2133600" cy="206375"/>
-          </a:xfrm>
-          <a:prstGeom prst="rect">
-            <a:avLst/>
-          </a:prstGeom>
-          <a:noFill/>
-          <a:ln w="9525">
-            <a:noFill/>
-            <a:miter lim="800000"/>
-            <a:headEnd/>
-            <a:tailEnd/>
-          </a:ln>
-          <a:effectLst/>
-        </p:spPr>
-        <p:txBody>
-          <a:bodyPr vert="horz" wrap="square" lIns="91440" tIns="45720" rIns="91440" bIns="45720" numCol="1" anchor="t" anchorCtr="0" compatLnSpc="1">
-            <a:prstTxWarp prst="textNoShape">
-              <a:avLst/>
-            </a:prstTxWarp>
-          </a:bodyPr>
-          <a:lstStyle>
-            <a:lvl1pPr algn="r">
-              <a:defRPr sz="800"/>
-            </a:lvl1pPr>
-          </a:lstStyle>
-          <a:p>
-            <a:pPr fontAlgn="base">
-              <a:spcBef>
-                <a:spcPct val="0"/>
-              </a:spcBef>
-              <a:spcAft>
-                <a:spcPct val="0"/>
-              </a:spcAft>
-            </a:pPr>
-            <a:fld id="{3144B24B-BAB1-431A-82C6-36E096187F50}" type="slidenum">
-              <a:rPr lang="en-US">
-                <a:solidFill>
-                  <a:srgbClr val="000000"/>
-                </a:solidFill>
-                <a:cs typeface="Arial" charset="0"/>
-              </a:rPr>
-              <a:pPr fontAlgn="base">
-                <a:spcBef>
-                  <a:spcPct val="0"/>
-                </a:spcBef>
-                <a:spcAft>
-                  <a:spcPct val="0"/>
-                </a:spcAft>
-              </a:pPr>
-              <a:t>‹#›</a:t>
-            </a:fld>
-            <a:endParaRPr lang="en-US" dirty="0">
-              <a:solidFill>
-                <a:srgbClr val="000000"/>
-              </a:solidFill>
-              <a:cs typeface="Arial" charset="0"/>
-            </a:endParaRPr>
-          </a:p>
-        </p:txBody>
-      </p:sp>
-    </p:spTree>
-  </p:cSld>
-  <p:clrMap bg1="lt1" tx1="dk1" bg2="lt2" tx2="dk2" accent1="accent1" accent2="accent2" accent3="accent3" accent4="accent4" accent5="accent5" accent6="accent6" hlink="hlink" folHlink="folHlink"/>
-  <p:sldLayoutIdLst>
     <p:sldLayoutId id="2147483680" r:id="rId1"/>
   </p:sldLayoutIdLst>
   <p:timing>
@@ -6164,76 +5019,155 @@
             <a:pPr algn="ctr"/>
             <a:r>
               <a:rPr lang="en-US" dirty="0" smtClean="0"/>
-              <a:t>Code generation Location</a:t>
+              <a:t>Linking to External Libraries</a:t>
             </a:r>
             <a:endParaRPr lang="en-US" dirty="0"/>
           </a:p>
         </p:txBody>
       </p:sp>
-      <p:pic>
-        <p:nvPicPr>
-          <p:cNvPr id="4098" name="Picture 2"/>
-          <p:cNvPicPr>
-            <a:picLocks noChangeAspect="1" noChangeArrowheads="1"/>
-          </p:cNvPicPr>
+      <p:sp>
+        <p:nvSpPr>
+          <p:cNvPr id="3" name="Content Placeholder 2"/>
+          <p:cNvSpPr>
+            <a:spLocks noGrp="1"/>
+          </p:cNvSpPr>
+          <p:nvPr>
+            <p:ph idx="1"/>
+          </p:nvPr>
+        </p:nvSpPr>
+        <p:spPr>
+          <a:xfrm>
+            <a:off x="333375" y="1185863"/>
+            <a:ext cx="8467725" cy="4452937"/>
+          </a:xfrm>
+        </p:spPr>
+        <p:txBody>
+          <a:bodyPr>
+            <a:normAutofit/>
+          </a:bodyPr>
+          <a:lstStyle/>
+          <a:p>
+            <a:r>
+              <a:rPr lang="en-US" dirty="0" smtClean="0"/>
+              <a:t>When linking against non standard C libraries and headers the compiler needs to be told what library to link against</a:t>
+            </a:r>
+          </a:p>
+          <a:p>
+            <a:r>
+              <a:rPr lang="en-US" dirty="0" smtClean="0"/>
+              <a:t>This is done by manually passing the library name to the compiler. (Usually make files already handle this for you)</a:t>
+            </a:r>
+          </a:p>
+          <a:p>
+            <a:r>
+              <a:rPr lang="en-US" dirty="0" smtClean="0"/>
+              <a:t>Find the name of the library file that is needed. Remove lib from </a:t>
+            </a:r>
+            <a:r>
+              <a:rPr lang="en-US" dirty="0"/>
+              <a:t>t</a:t>
+            </a:r>
+            <a:r>
+              <a:rPr lang="en-US" dirty="0" smtClean="0"/>
+              <a:t>he front and remove the extension. Then add -l to the front.</a:t>
+            </a:r>
+          </a:p>
+          <a:p>
+            <a:pPr marL="0" indent="0">
+              <a:buNone/>
+            </a:pPr>
+            <a:r>
+              <a:rPr lang="en-US" dirty="0" smtClean="0"/>
+              <a:t/>
+            </a:r>
+            <a:br>
+              <a:rPr lang="en-US" dirty="0" smtClean="0"/>
+            </a:br>
+            <a:r>
+              <a:rPr lang="en-US" dirty="0" smtClean="0"/>
+              <a:t>Example:</a:t>
+            </a:r>
+          </a:p>
+          <a:p>
+            <a:r>
+              <a:rPr lang="en-US" dirty="0" smtClean="0"/>
+              <a:t>Link against PNG library (libpng.so)</a:t>
+            </a:r>
+          </a:p>
+          <a:p>
+            <a:r>
+              <a:rPr lang="en-US" dirty="0" smtClean="0"/>
+              <a:t>libpng.so -&gt; png -&gt; -lpng</a:t>
+            </a:r>
+          </a:p>
+          <a:p>
+            <a:r>
+              <a:rPr lang="en-US" dirty="0" smtClean="0"/>
+              <a:t>arm-linux-gnueabihf-gcc &lt;C sources&gt; -lpng</a:t>
+            </a:r>
+            <a:r>
+              <a:rPr lang="en-US" dirty="0"/>
+              <a:t> </a:t>
+            </a:r>
+            <a:r>
+              <a:rPr lang="en-US" dirty="0" smtClean="0"/>
+              <a:t>-o &lt;executable name&gt;</a:t>
+            </a:r>
+          </a:p>
+          <a:p>
+            <a:endParaRPr lang="en-US" dirty="0"/>
+          </a:p>
+        </p:txBody>
+      </p:sp>
+      <p:sp>
+        <p:nvSpPr>
+          <p:cNvPr id="4" name="TextBox 3"/>
+          <p:cNvSpPr txBox="1"/>
           <p:nvPr/>
-        </p:nvPicPr>
-        <p:blipFill>
-          <a:blip r:embed="rId2" cstate="print">
-            <a:extLst>
-              <a:ext uri="{28A0092B-C50C-407E-A947-70E740481C1C}">
-                <a14:useLocalDpi xmlns="" xmlns:a14="http://schemas.microsoft.com/office/drawing/2010/main" val="0"/>
-              </a:ext>
-            </a:extLst>
-          </a:blip>
-          <a:srcRect/>
-          <a:stretch>
-            <a:fillRect/>
-          </a:stretch>
-        </p:blipFill>
-        <p:spPr bwMode="auto">
+        </p:nvSpPr>
+        <p:spPr>
           <a:xfrm>
-            <a:off x="838200" y="1295400"/>
-            <a:ext cx="6448425" cy="4829648"/>
+            <a:off x="762000" y="5825609"/>
+            <a:ext cx="5181600" cy="369332"/>
           </a:xfrm>
           <a:prstGeom prst="rect">
             <a:avLst/>
           </a:prstGeom>
-          <a:noFill/>
-          <a:ln>
-            <a:noFill/>
-          </a:ln>
-          <a:extLst>
-            <a:ext uri="{909E8E84-426E-40DD-AFC4-6F175D3DCCD1}">
-              <a14:hiddenFill xmlns="" xmlns:a14="http://schemas.microsoft.com/office/drawing/2010/main">
-                <a:solidFill>
-                  <a:schemeClr val="accent1"/>
-                </a:solidFill>
-              </a14:hiddenFill>
-            </a:ext>
-            <a:ext uri="{91240B29-F687-4F45-9708-019B960494DF}">
-              <a14:hiddenLine xmlns="" xmlns:a14="http://schemas.microsoft.com/office/drawing/2010/main" w="9525">
-                <a:solidFill>
-                  <a:schemeClr val="tx1"/>
-                </a:solidFill>
-                <a:miter lim="800000"/>
-                <a:headEnd/>
-                <a:tailEnd/>
-              </a14:hiddenLine>
-            </a:ext>
-          </a:extLst>
+          <a:solidFill>
+            <a:srgbClr val="FFFF00"/>
+          </a:solidFill>
         </p:spPr>
-      </p:pic>
+        <p:txBody>
+          <a:bodyPr wrap="square" rtlCol="0">
+            <a:spAutoFit/>
+          </a:bodyPr>
+          <a:lstStyle/>
+          <a:p>
+            <a:r>
+              <a:rPr lang="en-US" dirty="0" smtClean="0"/>
+              <a:t>And don’t forget the Path</a:t>
+            </a:r>
+            <a:endParaRPr lang="en-US" dirty="0"/>
+          </a:p>
+        </p:txBody>
+      </p:sp>
     </p:spTree>
     <p:extLst>
       <p:ext uri="{BB962C8B-B14F-4D97-AF65-F5344CB8AC3E}">
-        <p14:creationId xmlns="" xmlns:p14="http://schemas.microsoft.com/office/powerpoint/2010/main" val="1035536643"/>
+        <p14:creationId xmlns:p14="http://schemas.microsoft.com/office/powerpoint/2010/main" val="624920020"/>
       </p:ext>
     </p:extLst>
   </p:cSld>
   <p:clrMapOvr>
     <a:masterClrMapping/>
   </p:clrMapOvr>
+  <p:timing>
+    <p:tnLst>
+      <p:par>
+        <p:cTn id="1" dur="indefinite" restart="never" nodeType="tmRoot"/>
+      </p:par>
+    </p:tnLst>
+  </p:timing>
 </p:sld>
 </file>
 
@@ -6272,193 +5206,6 @@
             <a:pPr algn="ctr"/>
             <a:r>
               <a:rPr lang="en-US" dirty="0" smtClean="0"/>
-              <a:t>Linking to External Libraries</a:t>
-            </a:r>
-            <a:endParaRPr lang="en-US" dirty="0"/>
-          </a:p>
-        </p:txBody>
-      </p:sp>
-      <p:sp>
-        <p:nvSpPr>
-          <p:cNvPr id="3" name="Content Placeholder 2"/>
-          <p:cNvSpPr>
-            <a:spLocks noGrp="1"/>
-          </p:cNvSpPr>
-          <p:nvPr>
-            <p:ph idx="1"/>
-          </p:nvPr>
-        </p:nvSpPr>
-        <p:spPr>
-          <a:xfrm>
-            <a:off x="333375" y="1185863"/>
-            <a:ext cx="8467725" cy="4452937"/>
-          </a:xfrm>
-        </p:spPr>
-        <p:txBody>
-          <a:bodyPr>
-            <a:normAutofit/>
-          </a:bodyPr>
-          <a:lstStyle/>
-          <a:p>
-            <a:r>
-              <a:rPr lang="en-US" dirty="0" smtClean="0"/>
-              <a:t>When linking against non standard C libraries and headers the compiler needs to be told what library to link against</a:t>
-            </a:r>
-          </a:p>
-          <a:p>
-            <a:r>
-              <a:rPr lang="en-US" dirty="0" smtClean="0"/>
-              <a:t>This is done by manually passing the library name to the compiler. (Usually make files already handle this for you)</a:t>
-            </a:r>
-          </a:p>
-          <a:p>
-            <a:r>
-              <a:rPr lang="en-US" dirty="0" smtClean="0"/>
-              <a:t>Find the name of the library file that is needed. Remove lib from </a:t>
-            </a:r>
-            <a:r>
-              <a:rPr lang="en-US" dirty="0"/>
-              <a:t>t</a:t>
-            </a:r>
-            <a:r>
-              <a:rPr lang="en-US" dirty="0" smtClean="0"/>
-              <a:t>he front and remove the extension. Then add -l to the front.</a:t>
-            </a:r>
-          </a:p>
-          <a:p>
-            <a:pPr marL="0" indent="0">
-              <a:buNone/>
-            </a:pPr>
-            <a:r>
-              <a:rPr lang="en-US" dirty="0" smtClean="0"/>
-              <a:t/>
-            </a:r>
-            <a:br>
-              <a:rPr lang="en-US" dirty="0" smtClean="0"/>
-            </a:br>
-            <a:r>
-              <a:rPr lang="en-US" dirty="0" smtClean="0"/>
-              <a:t>Example:</a:t>
-            </a:r>
-          </a:p>
-          <a:p>
-            <a:r>
-              <a:rPr lang="en-US" dirty="0" smtClean="0"/>
-              <a:t>Link against PNG library (libpng.so)</a:t>
-            </a:r>
-          </a:p>
-          <a:p>
-            <a:r>
-              <a:rPr lang="en-US" dirty="0" smtClean="0"/>
-              <a:t>libpng.so -&gt; png -&gt; -lpng</a:t>
-            </a:r>
-          </a:p>
-          <a:p>
-            <a:r>
-              <a:rPr lang="en-US" dirty="0" smtClean="0"/>
-              <a:t>arm-linux-gnueabihf-gcc &lt;C sources&gt; -lpng</a:t>
-            </a:r>
-            <a:r>
-              <a:rPr lang="en-US" dirty="0"/>
-              <a:t> </a:t>
-            </a:r>
-            <a:r>
-              <a:rPr lang="en-US" dirty="0" smtClean="0"/>
-              <a:t>-o &lt;executable name&gt;</a:t>
-            </a:r>
-          </a:p>
-          <a:p>
-            <a:endParaRPr lang="en-US" dirty="0"/>
-          </a:p>
-        </p:txBody>
-      </p:sp>
-      <p:sp>
-        <p:nvSpPr>
-          <p:cNvPr id="4" name="TextBox 3"/>
-          <p:cNvSpPr txBox="1"/>
-          <p:nvPr/>
-        </p:nvSpPr>
-        <p:spPr>
-          <a:xfrm>
-            <a:off x="762000" y="5825609"/>
-            <a:ext cx="5181600" cy="369332"/>
-          </a:xfrm>
-          <a:prstGeom prst="rect">
-            <a:avLst/>
-          </a:prstGeom>
-          <a:solidFill>
-            <a:srgbClr val="FFFF00"/>
-          </a:solidFill>
-        </p:spPr>
-        <p:txBody>
-          <a:bodyPr wrap="square" rtlCol="0">
-            <a:spAutoFit/>
-          </a:bodyPr>
-          <a:lstStyle/>
-          <a:p>
-            <a:r>
-              <a:rPr lang="en-US" dirty="0" smtClean="0"/>
-              <a:t>And don’t forget the Path</a:t>
-            </a:r>
-            <a:endParaRPr lang="en-US" dirty="0"/>
-          </a:p>
-        </p:txBody>
-      </p:sp>
-    </p:spTree>
-    <p:extLst>
-      <p:ext uri="{BB962C8B-B14F-4D97-AF65-F5344CB8AC3E}">
-        <p14:creationId xmlns="" xmlns:p14="http://schemas.microsoft.com/office/powerpoint/2010/main" val="624920020"/>
-      </p:ext>
-    </p:extLst>
-  </p:cSld>
-  <p:clrMapOvr>
-    <a:masterClrMapping/>
-  </p:clrMapOvr>
-  <p:timing>
-    <p:tnLst>
-      <p:par>
-        <p:cTn id="1" dur="indefinite" restart="never" nodeType="tmRoot"/>
-      </p:par>
-    </p:tnLst>
-  </p:timing>
-</p:sld>
-</file>
-
-<file path=ppt/slides/slide12.xml><?xml version="1.0" encoding="utf-8"?>
-<p:sld xmlns:a="http://schemas.openxmlformats.org/drawingml/2006/main" xmlns:r="http://schemas.openxmlformats.org/officeDocument/2006/relationships" xmlns:p="http://schemas.openxmlformats.org/presentationml/2006/main">
-  <p:cSld>
-    <p:spTree>
-      <p:nvGrpSpPr>
-        <p:cNvPr id="1" name=""/>
-        <p:cNvGrpSpPr/>
-        <p:nvPr/>
-      </p:nvGrpSpPr>
-      <p:grpSpPr>
-        <a:xfrm>
-          <a:off x="0" y="0"/>
-          <a:ext cx="0" cy="0"/>
-          <a:chOff x="0" y="0"/>
-          <a:chExt cx="0" cy="0"/>
-        </a:xfrm>
-      </p:grpSpPr>
-      <p:sp>
-        <p:nvSpPr>
-          <p:cNvPr id="2" name="Title 1"/>
-          <p:cNvSpPr>
-            <a:spLocks noGrp="1"/>
-          </p:cNvSpPr>
-          <p:nvPr>
-            <p:ph type="title"/>
-          </p:nvPr>
-        </p:nvSpPr>
-        <p:spPr/>
-        <p:txBody>
-          <a:bodyPr/>
-          <a:lstStyle/>
-          <a:p>
-            <a:pPr algn="ctr"/>
-            <a:r>
-              <a:rPr lang="en-US" dirty="0" smtClean="0"/>
               <a:t>Environment-setup</a:t>
             </a:r>
             <a:endParaRPr lang="en-US" dirty="0"/>
@@ -6568,7 +5315,7 @@
           <a:blip r:embed="rId2" cstate="print">
             <a:extLst>
               <a:ext uri="{28A0092B-C50C-407E-A947-70E740481C1C}">
-                <a14:useLocalDpi xmlns="" xmlns:a14="http://schemas.microsoft.com/office/drawing/2010/main" val="0"/>
+                <a14:useLocalDpi xmlns:a14="http://schemas.microsoft.com/office/drawing/2010/main" val="0"/>
               </a:ext>
             </a:extLst>
           </a:blip>
@@ -6592,14 +5339,14 @@
           <a:effectLst/>
           <a:extLst>
             <a:ext uri="{909E8E84-426E-40DD-AFC4-6F175D3DCCD1}">
-              <a14:hiddenFill xmlns="" xmlns:a14="http://schemas.microsoft.com/office/drawing/2010/main">
+              <a14:hiddenFill xmlns:a14="http://schemas.microsoft.com/office/drawing/2010/main">
                 <a:solidFill>
                   <a:schemeClr val="accent1"/>
                 </a:solidFill>
               </a14:hiddenFill>
             </a:ext>
             <a:ext uri="{91240B29-F687-4F45-9708-019B960494DF}">
-              <a14:hiddenLine xmlns="" xmlns:a14="http://schemas.microsoft.com/office/drawing/2010/main" w="9525">
+              <a14:hiddenLine xmlns:a14="http://schemas.microsoft.com/office/drawing/2010/main" w="9525">
                 <a:solidFill>
                   <a:schemeClr val="tx1"/>
                 </a:solidFill>
@@ -6609,7 +5356,7 @@
               </a14:hiddenLine>
             </a:ext>
             <a:ext uri="{AF507438-7753-43E0-B8FC-AC1667EBCBE1}">
-              <a14:hiddenEffects xmlns="" xmlns:a14="http://schemas.microsoft.com/office/drawing/2010/main">
+              <a14:hiddenEffects xmlns:a14="http://schemas.microsoft.com/office/drawing/2010/main">
                 <a:effectLst>
                   <a:outerShdw dist="35921" dir="2700000" algn="ctr" rotWithShape="0">
                     <a:schemeClr val="bg2"/>
@@ -6623,7 +5370,7 @@
     </p:spTree>
     <p:extLst>
       <p:ext uri="{BB962C8B-B14F-4D97-AF65-F5344CB8AC3E}">
-        <p14:creationId xmlns="" xmlns:p14="http://schemas.microsoft.com/office/powerpoint/2010/main" val="350475490"/>
+        <p14:creationId xmlns:p14="http://schemas.microsoft.com/office/powerpoint/2010/main" val="350475490"/>
       </p:ext>
     </p:extLst>
   </p:cSld>
@@ -7023,7 +5770,7 @@
 </p:sld>
 </file>
 
-<file path=ppt/slides/slide13.xml><?xml version="1.0" encoding="utf-8"?>
+<file path=ppt/slides/slide12.xml><?xml version="1.0" encoding="utf-8"?>
 <p:sld xmlns:a="http://schemas.openxmlformats.org/drawingml/2006/main" xmlns:r="http://schemas.openxmlformats.org/officeDocument/2006/relationships" xmlns:p="http://schemas.openxmlformats.org/presentationml/2006/main">
   <p:cSld>
     <p:spTree>
@@ -7076,7 +5823,7 @@
           <a:blip r:embed="rId2" cstate="print">
             <a:extLst>
               <a:ext uri="{28A0092B-C50C-407E-A947-70E740481C1C}">
-                <a14:useLocalDpi xmlns="" xmlns:a14="http://schemas.microsoft.com/office/drawing/2010/main" val="0"/>
+                <a14:useLocalDpi xmlns:a14="http://schemas.microsoft.com/office/drawing/2010/main" val="0"/>
               </a:ext>
             </a:extLst>
           </a:blip>
@@ -7105,14 +5852,14 @@
           <a:effectLst/>
           <a:extLst>
             <a:ext uri="{909E8E84-426E-40DD-AFC4-6F175D3DCCD1}">
-              <a14:hiddenFill xmlns="" xmlns:a14="http://schemas.microsoft.com/office/drawing/2010/main">
+              <a14:hiddenFill xmlns:a14="http://schemas.microsoft.com/office/drawing/2010/main">
                 <a:solidFill>
                   <a:schemeClr val="accent1"/>
                 </a:solidFill>
               </a14:hiddenFill>
             </a:ext>
             <a:ext uri="{AF507438-7753-43E0-B8FC-AC1667EBCBE1}">
-              <a14:hiddenEffects xmlns="" xmlns:a14="http://schemas.microsoft.com/office/drawing/2010/main">
+              <a14:hiddenEffects xmlns:a14="http://schemas.microsoft.com/office/drawing/2010/main">
                 <a:effectLst>
                   <a:outerShdw dist="35921" dir="2700000" algn="ctr" rotWithShape="0">
                     <a:schemeClr val="bg2"/>
@@ -7126,7 +5873,7 @@
     </p:spTree>
     <p:extLst>
       <p:ext uri="{BB962C8B-B14F-4D97-AF65-F5344CB8AC3E}">
-        <p14:creationId xmlns="" xmlns:p14="http://schemas.microsoft.com/office/powerpoint/2010/main" val="3687351966"/>
+        <p14:creationId xmlns:p14="http://schemas.microsoft.com/office/powerpoint/2010/main" val="3687351966"/>
       </p:ext>
     </p:extLst>
   </p:cSld>
@@ -7143,7 +5890,7 @@
 </p:sld>
 </file>
 
-<file path=ppt/slides/slide14.xml><?xml version="1.0" encoding="utf-8"?>
+<file path=ppt/slides/slide13.xml><?xml version="1.0" encoding="utf-8"?>
 <p:sld xmlns:a="http://schemas.openxmlformats.org/drawingml/2006/main" xmlns:r="http://schemas.openxmlformats.org/officeDocument/2006/relationships" xmlns:p="http://schemas.openxmlformats.org/presentationml/2006/main">
   <p:cSld>
     <p:spTree>
@@ -7196,7 +5943,7 @@
           <a:blip r:embed="rId2" cstate="print">
             <a:extLst>
               <a:ext uri="{28A0092B-C50C-407E-A947-70E740481C1C}">
-                <a14:useLocalDpi xmlns="" xmlns:a14="http://schemas.microsoft.com/office/drawing/2010/main" val="0"/>
+                <a14:useLocalDpi xmlns:a14="http://schemas.microsoft.com/office/drawing/2010/main" val="0"/>
               </a:ext>
             </a:extLst>
           </a:blip>
@@ -7225,14 +5972,14 @@
           <a:effectLst/>
           <a:extLst>
             <a:ext uri="{909E8E84-426E-40DD-AFC4-6F175D3DCCD1}">
-              <a14:hiddenFill xmlns="" xmlns:a14="http://schemas.microsoft.com/office/drawing/2010/main">
+              <a14:hiddenFill xmlns:a14="http://schemas.microsoft.com/office/drawing/2010/main">
                 <a:solidFill>
                   <a:schemeClr val="accent1"/>
                 </a:solidFill>
               </a14:hiddenFill>
             </a:ext>
             <a:ext uri="{AF507438-7753-43E0-B8FC-AC1667EBCBE1}">
-              <a14:hiddenEffects xmlns="" xmlns:a14="http://schemas.microsoft.com/office/drawing/2010/main">
+              <a14:hiddenEffects xmlns:a14="http://schemas.microsoft.com/office/drawing/2010/main">
                 <a:effectLst>
                   <a:outerShdw dist="35921" dir="2700000" algn="ctr" rotWithShape="0">
                     <a:schemeClr val="bg2"/>
@@ -7312,7 +6059,7 @@
     </p:spTree>
     <p:extLst>
       <p:ext uri="{BB962C8B-B14F-4D97-AF65-F5344CB8AC3E}">
-        <p14:creationId xmlns="" xmlns:p14="http://schemas.microsoft.com/office/powerpoint/2010/main" val="2788713705"/>
+        <p14:creationId xmlns:p14="http://schemas.microsoft.com/office/powerpoint/2010/main" val="2788713705"/>
       </p:ext>
     </p:extLst>
   </p:cSld>
@@ -7329,7 +6076,7 @@
 </p:sld>
 </file>
 
-<file path=ppt/slides/slide15.xml><?xml version="1.0" encoding="utf-8"?>
+<file path=ppt/slides/slide14.xml><?xml version="1.0" encoding="utf-8"?>
 <p:sld xmlns:a="http://schemas.openxmlformats.org/drawingml/2006/main" xmlns:r="http://schemas.openxmlformats.org/officeDocument/2006/relationships" xmlns:p="http://schemas.openxmlformats.org/presentationml/2006/main">
   <p:cSld>
     <p:spTree>
@@ -7382,7 +6129,7 @@
           <a:blip r:embed="rId3" cstate="print">
             <a:extLst>
               <a:ext uri="{28A0092B-C50C-407E-A947-70E740481C1C}">
-                <a14:useLocalDpi xmlns="" xmlns:a14="http://schemas.microsoft.com/office/drawing/2010/main" val="0"/>
+                <a14:useLocalDpi xmlns:a14="http://schemas.microsoft.com/office/drawing/2010/main" val="0"/>
               </a:ext>
             </a:extLst>
           </a:blip>
@@ -7411,14 +6158,14 @@
           <a:effectLst/>
           <a:extLst>
             <a:ext uri="{909E8E84-426E-40DD-AFC4-6F175D3DCCD1}">
-              <a14:hiddenFill xmlns="" xmlns:a14="http://schemas.microsoft.com/office/drawing/2010/main">
+              <a14:hiddenFill xmlns:a14="http://schemas.microsoft.com/office/drawing/2010/main">
                 <a:solidFill>
                   <a:schemeClr val="accent1"/>
                 </a:solidFill>
               </a14:hiddenFill>
             </a:ext>
             <a:ext uri="{AF507438-7753-43E0-B8FC-AC1667EBCBE1}">
-              <a14:hiddenEffects xmlns="" xmlns:a14="http://schemas.microsoft.com/office/drawing/2010/main">
+              <a14:hiddenEffects xmlns:a14="http://schemas.microsoft.com/office/drawing/2010/main">
                 <a:effectLst>
                   <a:outerShdw dist="35921" dir="2700000" algn="ctr" rotWithShape="0">
                     <a:schemeClr val="bg2"/>
@@ -7608,7 +6355,7 @@
     </p:spTree>
     <p:extLst>
       <p:ext uri="{BB962C8B-B14F-4D97-AF65-F5344CB8AC3E}">
-        <p14:creationId xmlns="" xmlns:p14="http://schemas.microsoft.com/office/powerpoint/2010/main" val="2785846215"/>
+        <p14:creationId xmlns:p14="http://schemas.microsoft.com/office/powerpoint/2010/main" val="2785846215"/>
       </p:ext>
     </p:extLst>
   </p:cSld>
@@ -7625,7 +6372,7 @@
 </p:sld>
 </file>
 
-<file path=ppt/slides/slide16.xml><?xml version="1.0" encoding="utf-8"?>
+<file path=ppt/slides/slide15.xml><?xml version="1.0" encoding="utf-8"?>
 <p:sld xmlns:a="http://schemas.openxmlformats.org/drawingml/2006/main" xmlns:r="http://schemas.openxmlformats.org/officeDocument/2006/relationships" xmlns:p="http://schemas.openxmlformats.org/presentationml/2006/main">
   <p:cSld>
     <p:spTree>
@@ -7678,7 +6425,7 @@
           <a:blip r:embed="rId3" cstate="print">
             <a:extLst>
               <a:ext uri="{28A0092B-C50C-407E-A947-70E740481C1C}">
-                <a14:useLocalDpi xmlns="" xmlns:a14="http://schemas.microsoft.com/office/drawing/2010/main" val="0"/>
+                <a14:useLocalDpi xmlns:a14="http://schemas.microsoft.com/office/drawing/2010/main" val="0"/>
               </a:ext>
             </a:extLst>
           </a:blip>
@@ -7707,14 +6454,14 @@
           <a:effectLst/>
           <a:extLst>
             <a:ext uri="{909E8E84-426E-40DD-AFC4-6F175D3DCCD1}">
-              <a14:hiddenFill xmlns="" xmlns:a14="http://schemas.microsoft.com/office/drawing/2010/main">
+              <a14:hiddenFill xmlns:a14="http://schemas.microsoft.com/office/drawing/2010/main">
                 <a:solidFill>
                   <a:schemeClr val="accent1"/>
                 </a:solidFill>
               </a14:hiddenFill>
             </a:ext>
             <a:ext uri="{AF507438-7753-43E0-B8FC-AC1667EBCBE1}">
-              <a14:hiddenEffects xmlns="" xmlns:a14="http://schemas.microsoft.com/office/drawing/2010/main">
+              <a14:hiddenEffects xmlns:a14="http://schemas.microsoft.com/office/drawing/2010/main">
                 <a:effectLst>
                   <a:outerShdw dist="35921" dir="2700000" algn="ctr" rotWithShape="0">
                     <a:schemeClr val="bg2"/>
@@ -7939,7 +6686,211 @@
     </p:spTree>
     <p:extLst>
       <p:ext uri="{BB962C8B-B14F-4D97-AF65-F5344CB8AC3E}">
-        <p14:creationId xmlns="" xmlns:p14="http://schemas.microsoft.com/office/powerpoint/2010/main" val="2692996566"/>
+        <p14:creationId xmlns:p14="http://schemas.microsoft.com/office/powerpoint/2010/main" val="2692996566"/>
+      </p:ext>
+    </p:extLst>
+  </p:cSld>
+  <p:clrMapOvr>
+    <a:masterClrMapping/>
+  </p:clrMapOvr>
+  <p:timing>
+    <p:tnLst>
+      <p:par>
+        <p:cTn id="1" dur="indefinite" restart="never" nodeType="tmRoot"/>
+      </p:par>
+    </p:tnLst>
+  </p:timing>
+</p:sld>
+</file>
+
+<file path=ppt/slides/slide16.xml><?xml version="1.0" encoding="utf-8"?>
+<p:sld xmlns:a="http://schemas.openxmlformats.org/drawingml/2006/main" xmlns:r="http://schemas.openxmlformats.org/officeDocument/2006/relationships" xmlns:p="http://schemas.openxmlformats.org/presentationml/2006/main">
+  <p:cSld>
+    <p:spTree>
+      <p:nvGrpSpPr>
+        <p:cNvPr id="1" name=""/>
+        <p:cNvGrpSpPr/>
+        <p:nvPr/>
+      </p:nvGrpSpPr>
+      <p:grpSpPr>
+        <a:xfrm>
+          <a:off x="0" y="0"/>
+          <a:ext cx="0" cy="0"/>
+          <a:chOff x="0" y="0"/>
+          <a:chExt cx="0" cy="0"/>
+        </a:xfrm>
+      </p:grpSpPr>
+      <p:sp>
+        <p:nvSpPr>
+          <p:cNvPr id="2" name="Title 1"/>
+          <p:cNvSpPr>
+            <a:spLocks noGrp="1"/>
+          </p:cNvSpPr>
+          <p:nvPr>
+            <p:ph type="title"/>
+          </p:nvPr>
+        </p:nvSpPr>
+        <p:spPr/>
+        <p:txBody>
+          <a:bodyPr/>
+          <a:lstStyle/>
+          <a:p>
+            <a:pPr algn="ctr"/>
+            <a:r>
+              <a:rPr lang="en-US" dirty="0" smtClean="0"/>
+              <a:t>Compiler Path</a:t>
+            </a:r>
+            <a:endParaRPr lang="en-US" dirty="0"/>
+          </a:p>
+        </p:txBody>
+      </p:sp>
+      <p:sp>
+        <p:nvSpPr>
+          <p:cNvPr id="3" name="Content Placeholder 2"/>
+          <p:cNvSpPr>
+            <a:spLocks noGrp="1"/>
+          </p:cNvSpPr>
+          <p:nvPr>
+            <p:ph idx="1"/>
+          </p:nvPr>
+        </p:nvSpPr>
+        <p:spPr>
+          <a:xfrm>
+            <a:off x="333375" y="1185863"/>
+            <a:ext cx="8467725" cy="2090737"/>
+          </a:xfrm>
+        </p:spPr>
+        <p:txBody>
+          <a:bodyPr>
+            <a:normAutofit/>
+          </a:bodyPr>
+          <a:lstStyle/>
+          <a:p>
+            <a:r>
+              <a:rPr lang="en-US" dirty="0" smtClean="0"/>
+              <a:t>If the compiler name and path are not explicitly given, the compiler may build the executable for the host architecture and not the target architecture</a:t>
+            </a:r>
+          </a:p>
+          <a:p>
+            <a:r>
+              <a:rPr lang="en-US" dirty="0" smtClean="0"/>
+              <a:t>The file command can tell you what compiler built the file</a:t>
+            </a:r>
+          </a:p>
+        </p:txBody>
+      </p:sp>
+      <p:pic>
+        <p:nvPicPr>
+          <p:cNvPr id="7" name="Picture 2"/>
+          <p:cNvPicPr>
+            <a:picLocks noChangeAspect="1" noChangeArrowheads="1"/>
+          </p:cNvPicPr>
+          <p:nvPr/>
+        </p:nvPicPr>
+        <p:blipFill>
+          <a:blip r:embed="rId2" cstate="print">
+            <a:extLst>
+              <a:ext uri="{28A0092B-C50C-407E-A947-70E740481C1C}">
+                <a14:useLocalDpi xmlns:a14="http://schemas.microsoft.com/office/drawing/2010/main" val="0"/>
+              </a:ext>
+            </a:extLst>
+          </a:blip>
+          <a:srcRect/>
+          <a:stretch>
+            <a:fillRect/>
+          </a:stretch>
+        </p:blipFill>
+        <p:spPr bwMode="auto">
+          <a:xfrm>
+            <a:off x="523874" y="3124200"/>
+            <a:ext cx="6981825" cy="1714500"/>
+          </a:xfrm>
+          <a:prstGeom prst="rect">
+            <a:avLst/>
+          </a:prstGeom>
+          <a:noFill/>
+          <a:ln>
+            <a:noFill/>
+          </a:ln>
+          <a:extLst>
+            <a:ext uri="{909E8E84-426E-40DD-AFC4-6F175D3DCCD1}">
+              <a14:hiddenFill xmlns:a14="http://schemas.microsoft.com/office/drawing/2010/main">
+                <a:solidFill>
+                  <a:schemeClr val="accent1"/>
+                </a:solidFill>
+              </a14:hiddenFill>
+            </a:ext>
+            <a:ext uri="{91240B29-F687-4F45-9708-019B960494DF}">
+              <a14:hiddenLine xmlns:a14="http://schemas.microsoft.com/office/drawing/2010/main" w="9525">
+                <a:solidFill>
+                  <a:schemeClr val="tx1"/>
+                </a:solidFill>
+                <a:miter lim="800000"/>
+                <a:headEnd/>
+                <a:tailEnd/>
+              </a14:hiddenLine>
+            </a:ext>
+          </a:extLst>
+        </p:spPr>
+      </p:pic>
+      <p:pic>
+        <p:nvPicPr>
+          <p:cNvPr id="8" name="Picture 2"/>
+          <p:cNvPicPr>
+            <a:picLocks noChangeAspect="1" noChangeArrowheads="1"/>
+          </p:cNvPicPr>
+          <p:nvPr/>
+        </p:nvPicPr>
+        <p:blipFill>
+          <a:blip r:embed="rId3" cstate="print">
+            <a:extLst>
+              <a:ext uri="{28A0092B-C50C-407E-A947-70E740481C1C}">
+                <a14:useLocalDpi xmlns:a14="http://schemas.microsoft.com/office/drawing/2010/main" val="0"/>
+              </a:ext>
+            </a:extLst>
+          </a:blip>
+          <a:srcRect/>
+          <a:stretch>
+            <a:fillRect/>
+          </a:stretch>
+        </p:blipFill>
+        <p:spPr bwMode="auto">
+          <a:xfrm>
+            <a:off x="457200" y="5029200"/>
+            <a:ext cx="6896100" cy="1171575"/>
+          </a:xfrm>
+          <a:prstGeom prst="rect">
+            <a:avLst/>
+          </a:prstGeom>
+          <a:noFill/>
+          <a:ln>
+            <a:noFill/>
+          </a:ln>
+          <a:extLst>
+            <a:ext uri="{909E8E84-426E-40DD-AFC4-6F175D3DCCD1}">
+              <a14:hiddenFill xmlns:a14="http://schemas.microsoft.com/office/drawing/2010/main">
+                <a:solidFill>
+                  <a:schemeClr val="accent1"/>
+                </a:solidFill>
+              </a14:hiddenFill>
+            </a:ext>
+            <a:ext uri="{91240B29-F687-4F45-9708-019B960494DF}">
+              <a14:hiddenLine xmlns:a14="http://schemas.microsoft.com/office/drawing/2010/main" w="9525">
+                <a:solidFill>
+                  <a:schemeClr val="tx1"/>
+                </a:solidFill>
+                <a:miter lim="800000"/>
+                <a:headEnd/>
+                <a:tailEnd/>
+              </a14:hiddenLine>
+            </a:ext>
+          </a:extLst>
+        </p:spPr>
+      </p:pic>
+    </p:spTree>
+    <p:extLst>
+      <p:ext uri="{BB962C8B-B14F-4D97-AF65-F5344CB8AC3E}">
+        <p14:creationId xmlns:p14="http://schemas.microsoft.com/office/powerpoint/2010/main" val="1787650080"/>
       </p:ext>
     </p:extLst>
   </p:cSld>
@@ -7991,7 +6942,7 @@
             <a:pPr algn="ctr"/>
             <a:r>
               <a:rPr lang="en-US" dirty="0" smtClean="0"/>
-              <a:t>Compiler Path</a:t>
+              <a:t>Compiler Search Path</a:t>
             </a:r>
             <a:endParaRPr lang="en-US" dirty="0"/>
           </a:p>
@@ -8010,7 +6961,7 @@
         <p:spPr>
           <a:xfrm>
             <a:off x="333375" y="1185863"/>
-            <a:ext cx="8467725" cy="2090737"/>
+            <a:ext cx="8467725" cy="3081337"/>
           </a:xfrm>
         </p:spPr>
         <p:txBody>
@@ -8021,129 +6972,28 @@
           <a:p>
             <a:r>
               <a:rPr lang="en-US" dirty="0" smtClean="0"/>
-              <a:t>If the compiler name and path are not explicitly given, the compiler may build the executable for the host architecture and not the target architecture</a:t>
-            </a:r>
-          </a:p>
-          <a:p>
-            <a:r>
-              <a:rPr lang="en-US" dirty="0" smtClean="0"/>
-              <a:t>The file command can tell you what compiler built the file</a:t>
-            </a:r>
+              <a:t>The compiler must know where to look for libraries and headers. If the user does not specify these paths explicitly, the compiler may find headers and libraries that do not belong to the desired target</a:t>
+            </a:r>
+          </a:p>
+          <a:p>
+            <a:r>
+              <a:rPr lang="en-US" dirty="0" smtClean="0"/>
+              <a:t>Host Contamination – When cross compiling software/compiler  finds and uses headers and libraries that belong to the host</a:t>
+            </a:r>
+          </a:p>
+          <a:p>
+            <a:r>
+              <a:rPr lang="en-US" dirty="0" smtClean="0"/>
+              <a:t>Sysroot – Compiler option that set the compiler’s default search path.</a:t>
+            </a:r>
+            <a:endParaRPr lang="en-US" dirty="0"/>
           </a:p>
         </p:txBody>
       </p:sp>
-      <p:pic>
-        <p:nvPicPr>
-          <p:cNvPr id="7" name="Picture 2"/>
-          <p:cNvPicPr>
-            <a:picLocks noChangeAspect="1" noChangeArrowheads="1"/>
-          </p:cNvPicPr>
-          <p:nvPr/>
-        </p:nvPicPr>
-        <p:blipFill>
-          <a:blip r:embed="rId2" cstate="print">
-            <a:extLst>
-              <a:ext uri="{28A0092B-C50C-407E-A947-70E740481C1C}">
-                <a14:useLocalDpi xmlns="" xmlns:a14="http://schemas.microsoft.com/office/drawing/2010/main" val="0"/>
-              </a:ext>
-            </a:extLst>
-          </a:blip>
-          <a:srcRect/>
-          <a:stretch>
-            <a:fillRect/>
-          </a:stretch>
-        </p:blipFill>
-        <p:spPr bwMode="auto">
-          <a:xfrm>
-            <a:off x="523874" y="3124200"/>
-            <a:ext cx="6981825" cy="1714500"/>
-          </a:xfrm>
-          <a:prstGeom prst="rect">
-            <a:avLst/>
-          </a:prstGeom>
-          <a:noFill/>
-          <a:ln>
-            <a:noFill/>
-          </a:ln>
-          <a:extLst>
-            <a:ext uri="{909E8E84-426E-40DD-AFC4-6F175D3DCCD1}">
-              <a14:hiddenFill xmlns="" xmlns:a14="http://schemas.microsoft.com/office/drawing/2010/main">
-                <a:solidFill>
-                  <a:schemeClr val="accent1"/>
-                </a:solidFill>
-              </a14:hiddenFill>
-            </a:ext>
-            <a:ext uri="{91240B29-F687-4F45-9708-019B960494DF}">
-              <a14:hiddenLine xmlns="" xmlns:a14="http://schemas.microsoft.com/office/drawing/2010/main" w="9525">
-                <a:solidFill>
-                  <a:schemeClr val="tx1"/>
-                </a:solidFill>
-                <a:miter lim="800000"/>
-                <a:headEnd/>
-                <a:tailEnd/>
-              </a14:hiddenLine>
-            </a:ext>
-          </a:extLst>
-        </p:spPr>
-      </p:pic>
-      <p:pic>
-        <p:nvPicPr>
-          <p:cNvPr id="8" name="Picture 2"/>
-          <p:cNvPicPr>
-            <a:picLocks noChangeAspect="1" noChangeArrowheads="1"/>
-          </p:cNvPicPr>
-          <p:nvPr/>
-        </p:nvPicPr>
-        <p:blipFill>
-          <a:blip r:embed="rId3" cstate="print">
-            <a:extLst>
-              <a:ext uri="{28A0092B-C50C-407E-A947-70E740481C1C}">
-                <a14:useLocalDpi xmlns="" xmlns:a14="http://schemas.microsoft.com/office/drawing/2010/main" val="0"/>
-              </a:ext>
-            </a:extLst>
-          </a:blip>
-          <a:srcRect/>
-          <a:stretch>
-            <a:fillRect/>
-          </a:stretch>
-        </p:blipFill>
-        <p:spPr bwMode="auto">
-          <a:xfrm>
-            <a:off x="457200" y="5029200"/>
-            <a:ext cx="6896100" cy="1171575"/>
-          </a:xfrm>
-          <a:prstGeom prst="rect">
-            <a:avLst/>
-          </a:prstGeom>
-          <a:noFill/>
-          <a:ln>
-            <a:noFill/>
-          </a:ln>
-          <a:extLst>
-            <a:ext uri="{909E8E84-426E-40DD-AFC4-6F175D3DCCD1}">
-              <a14:hiddenFill xmlns="" xmlns:a14="http://schemas.microsoft.com/office/drawing/2010/main">
-                <a:solidFill>
-                  <a:schemeClr val="accent1"/>
-                </a:solidFill>
-              </a14:hiddenFill>
-            </a:ext>
-            <a:ext uri="{91240B29-F687-4F45-9708-019B960494DF}">
-              <a14:hiddenLine xmlns="" xmlns:a14="http://schemas.microsoft.com/office/drawing/2010/main" w="9525">
-                <a:solidFill>
-                  <a:schemeClr val="tx1"/>
-                </a:solidFill>
-                <a:miter lim="800000"/>
-                <a:headEnd/>
-                <a:tailEnd/>
-              </a14:hiddenLine>
-            </a:ext>
-          </a:extLst>
-        </p:spPr>
-      </p:pic>
     </p:spTree>
     <p:extLst>
       <p:ext uri="{BB962C8B-B14F-4D97-AF65-F5344CB8AC3E}">
-        <p14:creationId xmlns="" xmlns:p14="http://schemas.microsoft.com/office/powerpoint/2010/main" val="1787650080"/>
+        <p14:creationId xmlns:p14="http://schemas.microsoft.com/office/powerpoint/2010/main" val="3449356272"/>
       </p:ext>
     </p:extLst>
   </p:cSld>
@@ -8189,15 +7039,17 @@
         </p:nvSpPr>
         <p:spPr/>
         <p:txBody>
-          <a:bodyPr/>
+          <a:bodyPr>
+            <a:noAutofit/>
+          </a:bodyPr>
           <a:lstStyle/>
           <a:p>
             <a:pPr algn="ctr"/>
             <a:r>
-              <a:rPr lang="en-US" dirty="0" smtClean="0"/>
-              <a:t>Compiler Search Path</a:t>
-            </a:r>
-            <a:endParaRPr lang="en-US" dirty="0"/>
+              <a:rPr lang="en-US" sz="3200" dirty="0" smtClean="0"/>
+              <a:t>Compiling User Space vs. Kernel Space </a:t>
+            </a:r>
+            <a:endParaRPr lang="en-US" sz="3200" dirty="0"/>
           </a:p>
         </p:txBody>
       </p:sp>
@@ -8211,111 +7063,6 @@
             <p:ph idx="1"/>
           </p:nvPr>
         </p:nvSpPr>
-        <p:spPr>
-          <a:xfrm>
-            <a:off x="333375" y="1185863"/>
-            <a:ext cx="8467725" cy="3081337"/>
-          </a:xfrm>
-        </p:spPr>
-        <p:txBody>
-          <a:bodyPr>
-            <a:normAutofit/>
-          </a:bodyPr>
-          <a:lstStyle/>
-          <a:p>
-            <a:r>
-              <a:rPr lang="en-US" dirty="0" smtClean="0"/>
-              <a:t>The compiler must know where to look for libraries and headers. If the user does not specify these paths explicitly, the compiler may find headers and libraries that do not belong to the desired target</a:t>
-            </a:r>
-          </a:p>
-          <a:p>
-            <a:r>
-              <a:rPr lang="en-US" dirty="0" smtClean="0"/>
-              <a:t>Host Contamination – When cross compiling software/compiler  finds and uses headers and libraries that belong to the host</a:t>
-            </a:r>
-          </a:p>
-          <a:p>
-            <a:r>
-              <a:rPr lang="en-US" dirty="0" smtClean="0"/>
-              <a:t>Sysroot – Compiler option that set the compiler’s default search path.</a:t>
-            </a:r>
-            <a:endParaRPr lang="en-US" dirty="0"/>
-          </a:p>
-        </p:txBody>
-      </p:sp>
-    </p:spTree>
-    <p:extLst>
-      <p:ext uri="{BB962C8B-B14F-4D97-AF65-F5344CB8AC3E}">
-        <p14:creationId xmlns="" xmlns:p14="http://schemas.microsoft.com/office/powerpoint/2010/main" val="3449356272"/>
-      </p:ext>
-    </p:extLst>
-  </p:cSld>
-  <p:clrMapOvr>
-    <a:masterClrMapping/>
-  </p:clrMapOvr>
-  <p:timing>
-    <p:tnLst>
-      <p:par>
-        <p:cTn id="1" dur="indefinite" restart="never" nodeType="tmRoot"/>
-      </p:par>
-    </p:tnLst>
-  </p:timing>
-</p:sld>
-</file>
-
-<file path=ppt/slides/slide19.xml><?xml version="1.0" encoding="utf-8"?>
-<p:sld xmlns:a="http://schemas.openxmlformats.org/drawingml/2006/main" xmlns:r="http://schemas.openxmlformats.org/officeDocument/2006/relationships" xmlns:p="http://schemas.openxmlformats.org/presentationml/2006/main">
-  <p:cSld>
-    <p:spTree>
-      <p:nvGrpSpPr>
-        <p:cNvPr id="1" name=""/>
-        <p:cNvGrpSpPr/>
-        <p:nvPr/>
-      </p:nvGrpSpPr>
-      <p:grpSpPr>
-        <a:xfrm>
-          <a:off x="0" y="0"/>
-          <a:ext cx="0" cy="0"/>
-          <a:chOff x="0" y="0"/>
-          <a:chExt cx="0" cy="0"/>
-        </a:xfrm>
-      </p:grpSpPr>
-      <p:sp>
-        <p:nvSpPr>
-          <p:cNvPr id="2" name="Title 1"/>
-          <p:cNvSpPr>
-            <a:spLocks noGrp="1"/>
-          </p:cNvSpPr>
-          <p:nvPr>
-            <p:ph type="title"/>
-          </p:nvPr>
-        </p:nvSpPr>
-        <p:spPr/>
-        <p:txBody>
-          <a:bodyPr>
-            <a:noAutofit/>
-          </a:bodyPr>
-          <a:lstStyle/>
-          <a:p>
-            <a:pPr algn="ctr"/>
-            <a:r>
-              <a:rPr lang="en-US" sz="3200" dirty="0" smtClean="0"/>
-              <a:t>Compiling User Space vs. Kernel Space </a:t>
-            </a:r>
-            <a:endParaRPr lang="en-US" sz="3200" dirty="0"/>
-          </a:p>
-        </p:txBody>
-      </p:sp>
-      <p:sp>
-        <p:nvSpPr>
-          <p:cNvPr id="3" name="Content Placeholder 2"/>
-          <p:cNvSpPr>
-            <a:spLocks noGrp="1"/>
-          </p:cNvSpPr>
-          <p:nvPr>
-            <p:ph idx="1"/>
-          </p:nvPr>
-        </p:nvSpPr>
         <p:spPr/>
         <p:txBody>
           <a:bodyPr>
@@ -8376,7 +7123,7 @@
     </p:spTree>
     <p:extLst>
       <p:ext uri="{BB962C8B-B14F-4D97-AF65-F5344CB8AC3E}">
-        <p14:creationId xmlns="" xmlns:p14="http://schemas.microsoft.com/office/powerpoint/2010/main" val="852586547"/>
+        <p14:creationId xmlns:p14="http://schemas.microsoft.com/office/powerpoint/2010/main" val="852586547"/>
       </p:ext>
     </p:extLst>
   </p:cSld>
@@ -8620,7 +7367,7 @@
 </p:sld>
 </file>
 
-<file path=ppt/slides/slide2.xml><?xml version="1.0" encoding="utf-8"?>
+<file path=ppt/slides/slide19.xml><?xml version="1.0" encoding="utf-8"?>
 <p:sld xmlns:a="http://schemas.openxmlformats.org/drawingml/2006/main" xmlns:r="http://schemas.openxmlformats.org/officeDocument/2006/relationships" xmlns:p="http://schemas.openxmlformats.org/presentationml/2006/main">
   <p:cSld>
     <p:spTree>
@@ -8647,143 +7394,6 @@
             <p:ph type="title"/>
           </p:nvPr>
         </p:nvSpPr>
-        <p:spPr>
-          <a:xfrm>
-            <a:off x="457200" y="274638"/>
-            <a:ext cx="8229600" cy="715962"/>
-          </a:xfrm>
-        </p:spPr>
-        <p:txBody>
-          <a:bodyPr>
-            <a:normAutofit/>
-          </a:bodyPr>
-          <a:lstStyle/>
-          <a:p>
-            <a:r>
-              <a:rPr lang="en-US" sz="3600" dirty="0" smtClean="0"/>
-              <a:t>Agenda</a:t>
-            </a:r>
-            <a:endParaRPr lang="en-US" sz="3600" dirty="0"/>
-          </a:p>
-        </p:txBody>
-      </p:sp>
-      <p:sp>
-        <p:nvSpPr>
-          <p:cNvPr id="3" name="Content Placeholder 2"/>
-          <p:cNvSpPr>
-            <a:spLocks noGrp="1"/>
-          </p:cNvSpPr>
-          <p:nvPr>
-            <p:ph idx="1"/>
-          </p:nvPr>
-        </p:nvSpPr>
-        <p:spPr/>
-        <p:txBody>
-          <a:bodyPr>
-            <a:normAutofit/>
-          </a:bodyPr>
-          <a:lstStyle/>
-          <a:p>
-            <a:r>
-              <a:rPr lang="en-US" sz="2800" dirty="0" smtClean="0"/>
-              <a:t>Topic 1 </a:t>
-            </a:r>
-            <a:endParaRPr lang="en-US" sz="2800" dirty="0"/>
-          </a:p>
-          <a:p>
-            <a:r>
-              <a:rPr lang="en-US" sz="2800" dirty="0" smtClean="0"/>
-              <a:t>Topic 2</a:t>
-            </a:r>
-          </a:p>
-          <a:p>
-            <a:r>
-              <a:rPr lang="en-US" sz="2800" dirty="0" smtClean="0"/>
-              <a:t>Topic 3</a:t>
-            </a:r>
-          </a:p>
-          <a:p>
-            <a:r>
-              <a:rPr lang="en-US" sz="2800" dirty="0" smtClean="0"/>
-              <a:t>Topic 4</a:t>
-            </a:r>
-          </a:p>
-        </p:txBody>
-      </p:sp>
-      <p:sp>
-        <p:nvSpPr>
-          <p:cNvPr id="4" name="Slide Number Placeholder 3"/>
-          <p:cNvSpPr>
-            <a:spLocks noGrp="1"/>
-          </p:cNvSpPr>
-          <p:nvPr>
-            <p:ph type="sldNum" sz="quarter" idx="10"/>
-          </p:nvPr>
-        </p:nvSpPr>
-        <p:spPr/>
-        <p:txBody>
-          <a:bodyPr/>
-          <a:lstStyle/>
-          <a:p>
-            <a:fld id="{3B20521C-F793-4067-BB07-C7AF74E21EF3}" type="slidenum">
-              <a:rPr lang="en-US" smtClean="0">
-                <a:solidFill>
-                  <a:srgbClr val="000000"/>
-                </a:solidFill>
-              </a:rPr>
-              <a:pPr/>
-              <a:t>2</a:t>
-            </a:fld>
-            <a:endParaRPr lang="en-US" dirty="0">
-              <a:solidFill>
-                <a:srgbClr val="000000"/>
-              </a:solidFill>
-            </a:endParaRPr>
-          </a:p>
-        </p:txBody>
-      </p:sp>
-    </p:spTree>
-  </p:cSld>
-  <p:clrMapOvr>
-    <a:masterClrMapping/>
-  </p:clrMapOvr>
-  <p:timing>
-    <p:tnLst>
-      <p:par>
-        <p:cTn id="1" dur="indefinite" restart="never" nodeType="tmRoot"/>
-      </p:par>
-    </p:tnLst>
-  </p:timing>
-</p:sld>
-</file>
-
-<file path=ppt/slides/slide20.xml><?xml version="1.0" encoding="utf-8"?>
-<p:sld xmlns:a="http://schemas.openxmlformats.org/drawingml/2006/main" xmlns:r="http://schemas.openxmlformats.org/officeDocument/2006/relationships" xmlns:p="http://schemas.openxmlformats.org/presentationml/2006/main">
-  <p:cSld>
-    <p:spTree>
-      <p:nvGrpSpPr>
-        <p:cNvPr id="1" name=""/>
-        <p:cNvGrpSpPr/>
-        <p:nvPr/>
-      </p:nvGrpSpPr>
-      <p:grpSpPr>
-        <a:xfrm>
-          <a:off x="0" y="0"/>
-          <a:ext cx="0" cy="0"/>
-          <a:chOff x="0" y="0"/>
-          <a:chExt cx="0" cy="0"/>
-        </a:xfrm>
-      </p:grpSpPr>
-      <p:sp>
-        <p:nvSpPr>
-          <p:cNvPr id="2" name="Title 1"/>
-          <p:cNvSpPr>
-            <a:spLocks noGrp="1"/>
-          </p:cNvSpPr>
-          <p:nvPr>
-            <p:ph type="title"/>
-          </p:nvPr>
-        </p:nvSpPr>
         <p:spPr/>
         <p:txBody>
           <a:bodyPr/>
@@ -8891,7 +7501,7 @@
     </p:spTree>
     <p:extLst>
       <p:ext uri="{BB962C8B-B14F-4D97-AF65-F5344CB8AC3E}">
-        <p14:creationId xmlns="" xmlns:p14="http://schemas.microsoft.com/office/powerpoint/2010/main" val="3879277018"/>
+        <p14:creationId xmlns:p14="http://schemas.microsoft.com/office/powerpoint/2010/main" val="3879277018"/>
       </p:ext>
     </p:extLst>
   </p:cSld>
@@ -9421,6 +8031,245 @@
 </p:sld>
 </file>
 
+<file path=ppt/slides/slide2.xml><?xml version="1.0" encoding="utf-8"?>
+<p:sld xmlns:a="http://schemas.openxmlformats.org/drawingml/2006/main" xmlns:r="http://schemas.openxmlformats.org/officeDocument/2006/relationships" xmlns:p="http://schemas.openxmlformats.org/presentationml/2006/main">
+  <p:cSld>
+    <p:spTree>
+      <p:nvGrpSpPr>
+        <p:cNvPr id="1" name=""/>
+        <p:cNvGrpSpPr/>
+        <p:nvPr/>
+      </p:nvGrpSpPr>
+      <p:grpSpPr>
+        <a:xfrm>
+          <a:off x="0" y="0"/>
+          <a:ext cx="0" cy="0"/>
+          <a:chOff x="0" y="0"/>
+          <a:chExt cx="0" cy="0"/>
+        </a:xfrm>
+      </p:grpSpPr>
+      <p:sp>
+        <p:nvSpPr>
+          <p:cNvPr id="2" name="Title 1"/>
+          <p:cNvSpPr>
+            <a:spLocks noGrp="1"/>
+          </p:cNvSpPr>
+          <p:nvPr>
+            <p:ph type="title"/>
+          </p:nvPr>
+        </p:nvSpPr>
+        <p:spPr>
+          <a:xfrm>
+            <a:off x="457200" y="274638"/>
+            <a:ext cx="8229600" cy="715962"/>
+          </a:xfrm>
+        </p:spPr>
+        <p:txBody>
+          <a:bodyPr>
+            <a:normAutofit/>
+          </a:bodyPr>
+          <a:lstStyle/>
+          <a:p>
+            <a:r>
+              <a:rPr lang="en-US" sz="3600" dirty="0" smtClean="0"/>
+              <a:t>Agenda</a:t>
+            </a:r>
+            <a:endParaRPr lang="en-US" sz="3600" dirty="0"/>
+          </a:p>
+        </p:txBody>
+      </p:sp>
+      <p:sp>
+        <p:nvSpPr>
+          <p:cNvPr id="3" name="Content Placeholder 2"/>
+          <p:cNvSpPr>
+            <a:spLocks noGrp="1"/>
+          </p:cNvSpPr>
+          <p:nvPr>
+            <p:ph idx="1"/>
+          </p:nvPr>
+        </p:nvSpPr>
+        <p:spPr/>
+        <p:txBody>
+          <a:bodyPr>
+            <a:normAutofit/>
+          </a:bodyPr>
+          <a:lstStyle/>
+          <a:p>
+            <a:r>
+              <a:rPr lang="en-US" sz="2800" dirty="0" smtClean="0"/>
+              <a:t>Topic 1 </a:t>
+            </a:r>
+            <a:endParaRPr lang="en-US" sz="2800" dirty="0"/>
+          </a:p>
+          <a:p>
+            <a:r>
+              <a:rPr lang="en-US" sz="2800" dirty="0" smtClean="0"/>
+              <a:t>Topic 2</a:t>
+            </a:r>
+          </a:p>
+          <a:p>
+            <a:r>
+              <a:rPr lang="en-US" sz="2800" dirty="0" smtClean="0"/>
+              <a:t>Topic 3</a:t>
+            </a:r>
+          </a:p>
+          <a:p>
+            <a:r>
+              <a:rPr lang="en-US" sz="2800" dirty="0" smtClean="0"/>
+              <a:t>Topic 4</a:t>
+            </a:r>
+          </a:p>
+        </p:txBody>
+      </p:sp>
+      <p:sp>
+        <p:nvSpPr>
+          <p:cNvPr id="4" name="Slide Number Placeholder 3"/>
+          <p:cNvSpPr>
+            <a:spLocks noGrp="1"/>
+          </p:cNvSpPr>
+          <p:nvPr>
+            <p:ph type="sldNum" sz="quarter" idx="10"/>
+          </p:nvPr>
+        </p:nvSpPr>
+        <p:spPr/>
+        <p:txBody>
+          <a:bodyPr/>
+          <a:lstStyle/>
+          <a:p>
+            <a:fld id="{3B20521C-F793-4067-BB07-C7AF74E21EF3}" type="slidenum">
+              <a:rPr lang="en-US" smtClean="0">
+                <a:solidFill>
+                  <a:srgbClr val="000000"/>
+                </a:solidFill>
+              </a:rPr>
+              <a:pPr/>
+              <a:t>2</a:t>
+            </a:fld>
+            <a:endParaRPr lang="en-US" dirty="0">
+              <a:solidFill>
+                <a:srgbClr val="000000"/>
+              </a:solidFill>
+            </a:endParaRPr>
+          </a:p>
+        </p:txBody>
+      </p:sp>
+    </p:spTree>
+  </p:cSld>
+  <p:clrMapOvr>
+    <a:masterClrMapping/>
+  </p:clrMapOvr>
+  <p:timing>
+    <p:tnLst>
+      <p:par>
+        <p:cTn id="1" dur="indefinite" restart="never" nodeType="tmRoot"/>
+      </p:par>
+    </p:tnLst>
+  </p:timing>
+</p:sld>
+</file>
+
+<file path=ppt/slides/slide20.xml><?xml version="1.0" encoding="utf-8"?>
+<p:sld xmlns:a="http://schemas.openxmlformats.org/drawingml/2006/main" xmlns:r="http://schemas.openxmlformats.org/officeDocument/2006/relationships" xmlns:p="http://schemas.openxmlformats.org/presentationml/2006/main">
+  <p:cSld>
+    <p:spTree>
+      <p:nvGrpSpPr>
+        <p:cNvPr id="1" name=""/>
+        <p:cNvGrpSpPr/>
+        <p:nvPr/>
+      </p:nvGrpSpPr>
+      <p:grpSpPr>
+        <a:xfrm>
+          <a:off x="0" y="0"/>
+          <a:ext cx="0" cy="0"/>
+          <a:chOff x="0" y="0"/>
+          <a:chExt cx="0" cy="0"/>
+        </a:xfrm>
+      </p:grpSpPr>
+      <p:sp>
+        <p:nvSpPr>
+          <p:cNvPr id="2" name="Title 1"/>
+          <p:cNvSpPr>
+            <a:spLocks noGrp="1"/>
+          </p:cNvSpPr>
+          <p:nvPr>
+            <p:ph type="title"/>
+          </p:nvPr>
+        </p:nvSpPr>
+        <p:spPr/>
+        <p:txBody>
+          <a:bodyPr/>
+          <a:lstStyle/>
+          <a:p>
+            <a:r>
+              <a:rPr lang="en-US" dirty="0" smtClean="0"/>
+              <a:t>Building with Auto Tools</a:t>
+            </a:r>
+            <a:endParaRPr lang="en-US" dirty="0"/>
+          </a:p>
+        </p:txBody>
+      </p:sp>
+      <p:sp>
+        <p:nvSpPr>
+          <p:cNvPr id="3" name="Content Placeholder 2"/>
+          <p:cNvSpPr>
+            <a:spLocks noGrp="1"/>
+          </p:cNvSpPr>
+          <p:nvPr>
+            <p:ph idx="1"/>
+          </p:nvPr>
+        </p:nvSpPr>
+        <p:spPr/>
+        <p:txBody>
+          <a:bodyPr>
+            <a:normAutofit/>
+          </a:bodyPr>
+          <a:lstStyle/>
+          <a:p>
+            <a:r>
+              <a:rPr lang="en-US" dirty="0" smtClean="0"/>
+              <a:t>/configure – Used to determine what compiler your using, supported compiler options, available libraries and allows users to determine which features to use and which features not</a:t>
+            </a:r>
+          </a:p>
+          <a:p>
+            <a:r>
+              <a:rPr lang="en-US" dirty="0" smtClean="0"/>
+              <a:t>make – Builds the application</a:t>
+            </a:r>
+          </a:p>
+          <a:p>
+            <a:r>
+              <a:rPr lang="en-US" dirty="0" smtClean="0"/>
+              <a:t>make install – Install binaries, headers to either a default location or user specified location.</a:t>
+            </a:r>
+          </a:p>
+          <a:p>
+            <a:endParaRPr lang="en-US" dirty="0" smtClean="0"/>
+          </a:p>
+          <a:p>
+            <a:endParaRPr lang="en-US" dirty="0"/>
+          </a:p>
+        </p:txBody>
+      </p:sp>
+    </p:spTree>
+    <p:extLst>
+      <p:ext uri="{BB962C8B-B14F-4D97-AF65-F5344CB8AC3E}">
+        <p14:creationId xmlns:p14="http://schemas.microsoft.com/office/powerpoint/2010/main" val="195808632"/>
+      </p:ext>
+    </p:extLst>
+  </p:cSld>
+  <p:clrMapOvr>
+    <a:masterClrMapping/>
+  </p:clrMapOvr>
+  <p:timing>
+    <p:tnLst>
+      <p:par>
+        <p:cTn id="1" dur="indefinite" restart="never" nodeType="tmRoot"/>
+      </p:par>
+    </p:tnLst>
+  </p:timing>
+</p:sld>
+</file>
+
 <file path=ppt/slides/slide21.xml><?xml version="1.0" encoding="utf-8"?>
 <p:sld xmlns:a="http://schemas.openxmlformats.org/drawingml/2006/main" xmlns:r="http://schemas.openxmlformats.org/officeDocument/2006/relationships" xmlns:p="http://schemas.openxmlformats.org/presentationml/2006/main">
   <p:cSld>
@@ -9448,108 +8297,6 @@
             <p:ph type="title"/>
           </p:nvPr>
         </p:nvSpPr>
-        <p:spPr/>
-        <p:txBody>
-          <a:bodyPr/>
-          <a:lstStyle/>
-          <a:p>
-            <a:r>
-              <a:rPr lang="en-US" dirty="0" smtClean="0"/>
-              <a:t>Building with Auto Tools</a:t>
-            </a:r>
-            <a:endParaRPr lang="en-US" dirty="0"/>
-          </a:p>
-        </p:txBody>
-      </p:sp>
-      <p:sp>
-        <p:nvSpPr>
-          <p:cNvPr id="3" name="Content Placeholder 2"/>
-          <p:cNvSpPr>
-            <a:spLocks noGrp="1"/>
-          </p:cNvSpPr>
-          <p:nvPr>
-            <p:ph idx="1"/>
-          </p:nvPr>
-        </p:nvSpPr>
-        <p:spPr/>
-        <p:txBody>
-          <a:bodyPr>
-            <a:normAutofit/>
-          </a:bodyPr>
-          <a:lstStyle/>
-          <a:p>
-            <a:r>
-              <a:rPr lang="en-US" dirty="0" smtClean="0"/>
-              <a:t>/configure – Used to determine what compiler your using, supported compiler options, available libraries and allows users to determine which features to use and which features not</a:t>
-            </a:r>
-          </a:p>
-          <a:p>
-            <a:r>
-              <a:rPr lang="en-US" dirty="0" smtClean="0"/>
-              <a:t>make – Builds the application</a:t>
-            </a:r>
-          </a:p>
-          <a:p>
-            <a:r>
-              <a:rPr lang="en-US" dirty="0" smtClean="0"/>
-              <a:t>make install – Install binaries, headers to either a default location or user specified location.</a:t>
-            </a:r>
-          </a:p>
-          <a:p>
-            <a:endParaRPr lang="en-US" dirty="0" smtClean="0"/>
-          </a:p>
-          <a:p>
-            <a:endParaRPr lang="en-US" dirty="0"/>
-          </a:p>
-        </p:txBody>
-      </p:sp>
-    </p:spTree>
-    <p:extLst>
-      <p:ext uri="{BB962C8B-B14F-4D97-AF65-F5344CB8AC3E}">
-        <p14:creationId xmlns="" xmlns:p14="http://schemas.microsoft.com/office/powerpoint/2010/main" val="195808632"/>
-      </p:ext>
-    </p:extLst>
-  </p:cSld>
-  <p:clrMapOvr>
-    <a:masterClrMapping/>
-  </p:clrMapOvr>
-  <p:timing>
-    <p:tnLst>
-      <p:par>
-        <p:cTn id="1" dur="indefinite" restart="never" nodeType="tmRoot"/>
-      </p:par>
-    </p:tnLst>
-  </p:timing>
-</p:sld>
-</file>
-
-<file path=ppt/slides/slide22.xml><?xml version="1.0" encoding="utf-8"?>
-<p:sld xmlns:a="http://schemas.openxmlformats.org/drawingml/2006/main" xmlns:r="http://schemas.openxmlformats.org/officeDocument/2006/relationships" xmlns:p="http://schemas.openxmlformats.org/presentationml/2006/main">
-  <p:cSld>
-    <p:spTree>
-      <p:nvGrpSpPr>
-        <p:cNvPr id="1" name=""/>
-        <p:cNvGrpSpPr/>
-        <p:nvPr/>
-      </p:nvGrpSpPr>
-      <p:grpSpPr>
-        <a:xfrm>
-          <a:off x="0" y="0"/>
-          <a:ext cx="0" cy="0"/>
-          <a:chOff x="0" y="0"/>
-          <a:chExt cx="0" cy="0"/>
-        </a:xfrm>
-      </p:grpSpPr>
-      <p:sp>
-        <p:nvSpPr>
-          <p:cNvPr id="2" name="Title 1"/>
-          <p:cNvSpPr>
-            <a:spLocks noGrp="1"/>
-          </p:cNvSpPr>
-          <p:nvPr>
-            <p:ph type="title"/>
-          </p:nvPr>
-        </p:nvSpPr>
         <p:spPr>
           <a:xfrm>
             <a:off x="231775" y="142875"/>
@@ -9581,7 +8328,7 @@
           <a:blip r:embed="rId2" cstate="print">
             <a:extLst>
               <a:ext uri="{28A0092B-C50C-407E-A947-70E740481C1C}">
-                <a14:useLocalDpi xmlns="" xmlns:a14="http://schemas.microsoft.com/office/drawing/2010/main" val="0"/>
+                <a14:useLocalDpi xmlns:a14="http://schemas.microsoft.com/office/drawing/2010/main" val="0"/>
               </a:ext>
             </a:extLst>
           </a:blip>
@@ -9604,14 +8351,14 @@
           </a:ln>
           <a:extLst>
             <a:ext uri="{909E8E84-426E-40DD-AFC4-6F175D3DCCD1}">
-              <a14:hiddenFill xmlns="" xmlns:a14="http://schemas.microsoft.com/office/drawing/2010/main">
+              <a14:hiddenFill xmlns:a14="http://schemas.microsoft.com/office/drawing/2010/main">
                 <a:solidFill>
                   <a:schemeClr val="accent1"/>
                 </a:solidFill>
               </a14:hiddenFill>
             </a:ext>
             <a:ext uri="{91240B29-F687-4F45-9708-019B960494DF}">
-              <a14:hiddenLine xmlns="" xmlns:a14="http://schemas.microsoft.com/office/drawing/2010/main" w="9525">
+              <a14:hiddenLine xmlns:a14="http://schemas.microsoft.com/office/drawing/2010/main" w="9525">
                 <a:solidFill>
                   <a:schemeClr val="tx1"/>
                 </a:solidFill>
@@ -9635,7 +8382,7 @@
           <a:blip r:embed="rId3" cstate="print">
             <a:extLst>
               <a:ext uri="{28A0092B-C50C-407E-A947-70E740481C1C}">
-                <a14:useLocalDpi xmlns="" xmlns:a14="http://schemas.microsoft.com/office/drawing/2010/main" val="0"/>
+                <a14:useLocalDpi xmlns:a14="http://schemas.microsoft.com/office/drawing/2010/main" val="0"/>
               </a:ext>
             </a:extLst>
           </a:blip>
@@ -9658,14 +8405,14 @@
           </a:ln>
           <a:extLst>
             <a:ext uri="{909E8E84-426E-40DD-AFC4-6F175D3DCCD1}">
-              <a14:hiddenFill xmlns="" xmlns:a14="http://schemas.microsoft.com/office/drawing/2010/main">
+              <a14:hiddenFill xmlns:a14="http://schemas.microsoft.com/office/drawing/2010/main">
                 <a:solidFill>
                   <a:schemeClr val="accent1"/>
                 </a:solidFill>
               </a14:hiddenFill>
             </a:ext>
             <a:ext uri="{91240B29-F687-4F45-9708-019B960494DF}">
-              <a14:hiddenLine xmlns="" xmlns:a14="http://schemas.microsoft.com/office/drawing/2010/main" w="9525">
+              <a14:hiddenLine xmlns:a14="http://schemas.microsoft.com/office/drawing/2010/main" w="9525">
                 <a:solidFill>
                   <a:schemeClr val="tx1"/>
                 </a:solidFill>
@@ -9680,13 +8427,136 @@
     </p:spTree>
     <p:extLst>
       <p:ext uri="{BB962C8B-B14F-4D97-AF65-F5344CB8AC3E}">
-        <p14:creationId xmlns="" xmlns:p14="http://schemas.microsoft.com/office/powerpoint/2010/main" val="4203210986"/>
+        <p14:creationId xmlns:p14="http://schemas.microsoft.com/office/powerpoint/2010/main" val="4203210986"/>
       </p:ext>
     </p:extLst>
   </p:cSld>
   <p:clrMapOvr>
     <a:masterClrMapping/>
   </p:clrMapOvr>
+  <p:timing>
+    <p:tnLst>
+      <p:par>
+        <p:cTn id="1" dur="indefinite" restart="never" nodeType="tmRoot"/>
+      </p:par>
+    </p:tnLst>
+  </p:timing>
+</p:sld>
+</file>
+
+<file path=ppt/slides/slide22.xml><?xml version="1.0" encoding="utf-8"?>
+<p:sld xmlns:a="http://schemas.openxmlformats.org/drawingml/2006/main" xmlns:r="http://schemas.openxmlformats.org/officeDocument/2006/relationships" xmlns:p="http://schemas.openxmlformats.org/presentationml/2006/main" show="0">
+  <p:cSld>
+    <p:spTree>
+      <p:nvGrpSpPr>
+        <p:cNvPr id="1" name=""/>
+        <p:cNvGrpSpPr/>
+        <p:nvPr/>
+      </p:nvGrpSpPr>
+      <p:grpSpPr>
+        <a:xfrm>
+          <a:off x="0" y="0"/>
+          <a:ext cx="0" cy="0"/>
+          <a:chOff x="0" y="0"/>
+          <a:chExt cx="0" cy="0"/>
+        </a:xfrm>
+      </p:grpSpPr>
+      <p:sp>
+        <p:nvSpPr>
+          <p:cNvPr id="2" name="Title 1"/>
+          <p:cNvSpPr>
+            <a:spLocks noGrp="1"/>
+          </p:cNvSpPr>
+          <p:nvPr>
+            <p:ph type="title"/>
+          </p:nvPr>
+        </p:nvSpPr>
+        <p:spPr/>
+        <p:txBody>
+          <a:bodyPr/>
+          <a:lstStyle/>
+          <a:p>
+            <a:pPr algn="ctr"/>
+            <a:r>
+              <a:rPr lang="en-US" dirty="0" smtClean="0"/>
+              <a:t>Configure GUI make menuconfig</a:t>
+            </a:r>
+            <a:endParaRPr lang="en-US" dirty="0"/>
+          </a:p>
+        </p:txBody>
+      </p:sp>
+      <p:pic>
+        <p:nvPicPr>
+          <p:cNvPr id="5122" name="Picture 2"/>
+          <p:cNvPicPr>
+            <a:picLocks noChangeAspect="1" noChangeArrowheads="1"/>
+          </p:cNvPicPr>
+          <p:nvPr/>
+        </p:nvPicPr>
+        <p:blipFill>
+          <a:blip r:embed="rId2" cstate="print">
+            <a:extLst>
+              <a:ext uri="{28A0092B-C50C-407E-A947-70E740481C1C}">
+                <a14:useLocalDpi xmlns:a14="http://schemas.microsoft.com/office/drawing/2010/main" val="0"/>
+              </a:ext>
+            </a:extLst>
+          </a:blip>
+          <a:srcRect/>
+          <a:stretch>
+            <a:fillRect/>
+          </a:stretch>
+        </p:blipFill>
+        <p:spPr bwMode="auto">
+          <a:xfrm>
+            <a:off x="1147763" y="1162050"/>
+            <a:ext cx="6848475" cy="4533900"/>
+          </a:xfrm>
+          <a:prstGeom prst="rect">
+            <a:avLst/>
+          </a:prstGeom>
+          <a:noFill/>
+          <a:ln>
+            <a:noFill/>
+          </a:ln>
+          <a:extLst>
+            <a:ext uri="{909E8E84-426E-40DD-AFC4-6F175D3DCCD1}">
+              <a14:hiddenFill xmlns:a14="http://schemas.microsoft.com/office/drawing/2010/main">
+                <a:solidFill>
+                  <a:schemeClr val="accent1"/>
+                </a:solidFill>
+              </a14:hiddenFill>
+            </a:ext>
+            <a:ext uri="{91240B29-F687-4F45-9708-019B960494DF}">
+              <a14:hiddenLine xmlns:a14="http://schemas.microsoft.com/office/drawing/2010/main" w="9525">
+                <a:solidFill>
+                  <a:schemeClr val="tx1"/>
+                </a:solidFill>
+                <a:miter lim="800000"/>
+                <a:headEnd/>
+                <a:tailEnd/>
+              </a14:hiddenLine>
+            </a:ext>
+          </a:extLst>
+        </p:spPr>
+      </p:pic>
+    </p:spTree>
+    <p:extLst>
+      <p:ext uri="{BB962C8B-B14F-4D97-AF65-F5344CB8AC3E}">
+        <p14:creationId xmlns:p14="http://schemas.microsoft.com/office/powerpoint/2010/main" val="2983967627"/>
+      </p:ext>
+    </p:extLst>
+  </p:cSld>
+  <p:clrMapOvr>
+    <a:masterClrMapping/>
+  </p:clrMapOvr>
+  <mc:AlternateContent xmlns:mc="http://schemas.openxmlformats.org/markup-compatibility/2006" xmlns:p14="http://schemas.microsoft.com/office/powerpoint/2010/main">
+    <mc:Choice Requires="p14">
+      <p:transition spd="slow" p14:dur="2000"/>
+    </mc:Choice>
+    <mc:Fallback xmlns="">
+      <p:transition spd="slow"/>
+    </mc:Fallback>
+  </mc:AlternateContent>
   <p:timing>
     <p:tnLst>
       <p:par>
@@ -9740,7 +8610,7 @@
       </p:sp>
       <p:pic>
         <p:nvPicPr>
-          <p:cNvPr id="5122" name="Picture 2"/>
+          <p:cNvPr id="6146" name="Picture 2"/>
           <p:cNvPicPr>
             <a:picLocks noChangeAspect="1" noChangeArrowheads="1"/>
           </p:cNvPicPr>
@@ -9750,7 +8620,7 @@
           <a:blip r:embed="rId2" cstate="print">
             <a:extLst>
               <a:ext uri="{28A0092B-C50C-407E-A947-70E740481C1C}">
-                <a14:useLocalDpi xmlns="" xmlns:a14="http://schemas.microsoft.com/office/drawing/2010/main" val="0"/>
+                <a14:useLocalDpi xmlns:a14="http://schemas.microsoft.com/office/drawing/2010/main" val="0"/>
               </a:ext>
             </a:extLst>
           </a:blip>
@@ -9761,8 +8631,8 @@
         </p:blipFill>
         <p:spPr bwMode="auto">
           <a:xfrm>
-            <a:off x="1147763" y="1162050"/>
-            <a:ext cx="6848475" cy="4533900"/>
+            <a:off x="842963" y="2495550"/>
+            <a:ext cx="7458075" cy="1866900"/>
           </a:xfrm>
           <a:prstGeom prst="rect">
             <a:avLst/>
@@ -9773,14 +8643,14 @@
           </a:ln>
           <a:extLst>
             <a:ext uri="{909E8E84-426E-40DD-AFC4-6F175D3DCCD1}">
-              <a14:hiddenFill xmlns="" xmlns:a14="http://schemas.microsoft.com/office/drawing/2010/main">
+              <a14:hiddenFill xmlns:a14="http://schemas.microsoft.com/office/drawing/2010/main">
                 <a:solidFill>
                   <a:schemeClr val="accent1"/>
                 </a:solidFill>
               </a14:hiddenFill>
             </a:ext>
             <a:ext uri="{91240B29-F687-4F45-9708-019B960494DF}">
-              <a14:hiddenLine xmlns="" xmlns:a14="http://schemas.microsoft.com/office/drawing/2010/main" w="9525">
+              <a14:hiddenLine xmlns:a14="http://schemas.microsoft.com/office/drawing/2010/main" w="9525">
                 <a:solidFill>
                   <a:schemeClr val="tx1"/>
                 </a:solidFill>
@@ -9795,18 +8665,18 @@
     </p:spTree>
     <p:extLst>
       <p:ext uri="{BB962C8B-B14F-4D97-AF65-F5344CB8AC3E}">
-        <p14:creationId xmlns="" xmlns:p14="http://schemas.microsoft.com/office/powerpoint/2010/main" val="2983967627"/>
+        <p14:creationId xmlns:p14="http://schemas.microsoft.com/office/powerpoint/2010/main" val="1490366630"/>
       </p:ext>
     </p:extLst>
   </p:cSld>
   <p:clrMapOvr>
     <a:masterClrMapping/>
   </p:clrMapOvr>
-  <mc:AlternateContent xmlns:mc="http://schemas.openxmlformats.org/markup-compatibility/2006">
-    <mc:Choice xmlns="" xmlns:p14="http://schemas.microsoft.com/office/powerpoint/2010/main" Requires="p14">
+  <mc:AlternateContent xmlns:mc="http://schemas.openxmlformats.org/markup-compatibility/2006" xmlns:p14="http://schemas.microsoft.com/office/powerpoint/2010/main">
+    <mc:Choice Requires="p14">
       <p:transition spd="slow" p14:dur="2000"/>
     </mc:Choice>
-    <mc:Fallback>
+    <mc:Fallback xmlns="">
       <p:transition spd="slow"/>
     </mc:Fallback>
   </mc:AlternateContent>
@@ -9855,129 +8725,6 @@
             <a:pPr algn="ctr"/>
             <a:r>
               <a:rPr lang="en-US" dirty="0" smtClean="0"/>
-              <a:t>Configure GUI make menuconfig</a:t>
-            </a:r>
-            <a:endParaRPr lang="en-US" dirty="0"/>
-          </a:p>
-        </p:txBody>
-      </p:sp>
-      <p:pic>
-        <p:nvPicPr>
-          <p:cNvPr id="6146" name="Picture 2"/>
-          <p:cNvPicPr>
-            <a:picLocks noChangeAspect="1" noChangeArrowheads="1"/>
-          </p:cNvPicPr>
-          <p:nvPr/>
-        </p:nvPicPr>
-        <p:blipFill>
-          <a:blip r:embed="rId2" cstate="print">
-            <a:extLst>
-              <a:ext uri="{28A0092B-C50C-407E-A947-70E740481C1C}">
-                <a14:useLocalDpi xmlns="" xmlns:a14="http://schemas.microsoft.com/office/drawing/2010/main" val="0"/>
-              </a:ext>
-            </a:extLst>
-          </a:blip>
-          <a:srcRect/>
-          <a:stretch>
-            <a:fillRect/>
-          </a:stretch>
-        </p:blipFill>
-        <p:spPr bwMode="auto">
-          <a:xfrm>
-            <a:off x="842963" y="2495550"/>
-            <a:ext cx="7458075" cy="1866900"/>
-          </a:xfrm>
-          <a:prstGeom prst="rect">
-            <a:avLst/>
-          </a:prstGeom>
-          <a:noFill/>
-          <a:ln>
-            <a:noFill/>
-          </a:ln>
-          <a:extLst>
-            <a:ext uri="{909E8E84-426E-40DD-AFC4-6F175D3DCCD1}">
-              <a14:hiddenFill xmlns="" xmlns:a14="http://schemas.microsoft.com/office/drawing/2010/main">
-                <a:solidFill>
-                  <a:schemeClr val="accent1"/>
-                </a:solidFill>
-              </a14:hiddenFill>
-            </a:ext>
-            <a:ext uri="{91240B29-F687-4F45-9708-019B960494DF}">
-              <a14:hiddenLine xmlns="" xmlns:a14="http://schemas.microsoft.com/office/drawing/2010/main" w="9525">
-                <a:solidFill>
-                  <a:schemeClr val="tx1"/>
-                </a:solidFill>
-                <a:miter lim="800000"/>
-                <a:headEnd/>
-                <a:tailEnd/>
-              </a14:hiddenLine>
-            </a:ext>
-          </a:extLst>
-        </p:spPr>
-      </p:pic>
-    </p:spTree>
-    <p:extLst>
-      <p:ext uri="{BB962C8B-B14F-4D97-AF65-F5344CB8AC3E}">
-        <p14:creationId xmlns="" xmlns:p14="http://schemas.microsoft.com/office/powerpoint/2010/main" val="1490366630"/>
-      </p:ext>
-    </p:extLst>
-  </p:cSld>
-  <p:clrMapOvr>
-    <a:masterClrMapping/>
-  </p:clrMapOvr>
-  <mc:AlternateContent xmlns:mc="http://schemas.openxmlformats.org/markup-compatibility/2006">
-    <mc:Choice xmlns="" xmlns:p14="http://schemas.microsoft.com/office/powerpoint/2010/main" Requires="p14">
-      <p:transition spd="slow" p14:dur="2000"/>
-    </mc:Choice>
-    <mc:Fallback>
-      <p:transition spd="slow"/>
-    </mc:Fallback>
-  </mc:AlternateContent>
-  <p:timing>
-    <p:tnLst>
-      <p:par>
-        <p:cTn id="1" dur="indefinite" restart="never" nodeType="tmRoot"/>
-      </p:par>
-    </p:tnLst>
-  </p:timing>
-</p:sld>
-</file>
-
-<file path=ppt/slides/slide25.xml><?xml version="1.0" encoding="utf-8"?>
-<p:sld xmlns:a="http://schemas.openxmlformats.org/drawingml/2006/main" xmlns:r="http://schemas.openxmlformats.org/officeDocument/2006/relationships" xmlns:p="http://schemas.openxmlformats.org/presentationml/2006/main" show="0">
-  <p:cSld>
-    <p:spTree>
-      <p:nvGrpSpPr>
-        <p:cNvPr id="1" name=""/>
-        <p:cNvGrpSpPr/>
-        <p:nvPr/>
-      </p:nvGrpSpPr>
-      <p:grpSpPr>
-        <a:xfrm>
-          <a:off x="0" y="0"/>
-          <a:ext cx="0" cy="0"/>
-          <a:chOff x="0" y="0"/>
-          <a:chExt cx="0" cy="0"/>
-        </a:xfrm>
-      </p:grpSpPr>
-      <p:sp>
-        <p:nvSpPr>
-          <p:cNvPr id="2" name="Title 1"/>
-          <p:cNvSpPr>
-            <a:spLocks noGrp="1"/>
-          </p:cNvSpPr>
-          <p:nvPr>
-            <p:ph type="title"/>
-          </p:nvPr>
-        </p:nvSpPr>
-        <p:spPr/>
-        <p:txBody>
-          <a:bodyPr/>
-          <a:lstStyle/>
-          <a:p>
-            <a:pPr algn="ctr"/>
-            <a:r>
-              <a:rPr lang="en-US" dirty="0" smtClean="0"/>
               <a:t>Configure using vi .config</a:t>
             </a:r>
             <a:endParaRPr lang="en-US" dirty="0"/>
@@ -9996,7 +8743,7 @@
           <a:blip r:embed="rId2" cstate="print">
             <a:extLst>
               <a:ext uri="{28A0092B-C50C-407E-A947-70E740481C1C}">
-                <a14:useLocalDpi xmlns="" xmlns:a14="http://schemas.microsoft.com/office/drawing/2010/main" val="0"/>
+                <a14:useLocalDpi xmlns:a14="http://schemas.microsoft.com/office/drawing/2010/main" val="0"/>
               </a:ext>
             </a:extLst>
           </a:blip>
@@ -10019,14 +8766,14 @@
           </a:ln>
           <a:extLst>
             <a:ext uri="{909E8E84-426E-40DD-AFC4-6F175D3DCCD1}">
-              <a14:hiddenFill xmlns="" xmlns:a14="http://schemas.microsoft.com/office/drawing/2010/main">
+              <a14:hiddenFill xmlns:a14="http://schemas.microsoft.com/office/drawing/2010/main">
                 <a:solidFill>
                   <a:schemeClr val="accent1"/>
                 </a:solidFill>
               </a14:hiddenFill>
             </a:ext>
             <a:ext uri="{91240B29-F687-4F45-9708-019B960494DF}">
-              <a14:hiddenLine xmlns="" xmlns:a14="http://schemas.microsoft.com/office/drawing/2010/main" w="9525">
+              <a14:hiddenLine xmlns:a14="http://schemas.microsoft.com/office/drawing/2010/main" w="9525">
                 <a:solidFill>
                   <a:schemeClr val="tx1"/>
                 </a:solidFill>
@@ -10071,21 +8818,201 @@
     </p:spTree>
     <p:extLst>
       <p:ext uri="{BB962C8B-B14F-4D97-AF65-F5344CB8AC3E}">
-        <p14:creationId xmlns="" xmlns:p14="http://schemas.microsoft.com/office/powerpoint/2010/main" val="4108083650"/>
+        <p14:creationId xmlns:p14="http://schemas.microsoft.com/office/powerpoint/2010/main" val="4108083650"/>
       </p:ext>
     </p:extLst>
   </p:cSld>
   <p:clrMapOvr>
     <a:masterClrMapping/>
   </p:clrMapOvr>
-  <mc:AlternateContent xmlns:mc="http://schemas.openxmlformats.org/markup-compatibility/2006">
-    <mc:Choice xmlns="" xmlns:p14="http://schemas.microsoft.com/office/powerpoint/2010/main" Requires="p14">
+  <mc:AlternateContent xmlns:mc="http://schemas.openxmlformats.org/markup-compatibility/2006" xmlns:p14="http://schemas.microsoft.com/office/powerpoint/2010/main">
+    <mc:Choice Requires="p14">
       <p:transition spd="slow" p14:dur="2000"/>
     </mc:Choice>
-    <mc:Fallback>
+    <mc:Fallback xmlns="">
       <p:transition spd="slow"/>
     </mc:Fallback>
   </mc:AlternateContent>
+  <p:timing>
+    <p:tnLst>
+      <p:par>
+        <p:cTn id="1" dur="indefinite" restart="never" nodeType="tmRoot"/>
+      </p:par>
+    </p:tnLst>
+  </p:timing>
+</p:sld>
+</file>
+
+<file path=ppt/slides/slide25.xml><?xml version="1.0" encoding="utf-8"?>
+<p:sld xmlns:a="http://schemas.openxmlformats.org/drawingml/2006/main" xmlns:r="http://schemas.openxmlformats.org/officeDocument/2006/relationships" xmlns:p="http://schemas.openxmlformats.org/presentationml/2006/main">
+  <p:cSld>
+    <p:spTree>
+      <p:nvGrpSpPr>
+        <p:cNvPr id="1" name=""/>
+        <p:cNvGrpSpPr/>
+        <p:nvPr/>
+      </p:nvGrpSpPr>
+      <p:grpSpPr>
+        <a:xfrm>
+          <a:off x="0" y="0"/>
+          <a:ext cx="0" cy="0"/>
+          <a:chOff x="0" y="0"/>
+          <a:chExt cx="0" cy="0"/>
+        </a:xfrm>
+      </p:grpSpPr>
+      <p:sp>
+        <p:nvSpPr>
+          <p:cNvPr id="2" name="Title 1"/>
+          <p:cNvSpPr>
+            <a:spLocks noGrp="1"/>
+          </p:cNvSpPr>
+          <p:nvPr>
+            <p:ph type="title"/>
+          </p:nvPr>
+        </p:nvSpPr>
+        <p:spPr/>
+        <p:txBody>
+          <a:bodyPr/>
+          <a:lstStyle/>
+          <a:p>
+            <a:r>
+              <a:rPr lang="en-US" dirty="0" smtClean="0"/>
+              <a:t>Configure – Cross Compile Options</a:t>
+            </a:r>
+            <a:endParaRPr lang="en-US" dirty="0"/>
+          </a:p>
+        </p:txBody>
+      </p:sp>
+      <p:sp>
+        <p:nvSpPr>
+          <p:cNvPr id="3" name="Content Placeholder 2"/>
+          <p:cNvSpPr>
+            <a:spLocks noGrp="1"/>
+          </p:cNvSpPr>
+          <p:nvPr>
+            <p:ph idx="1"/>
+          </p:nvPr>
+        </p:nvSpPr>
+        <p:spPr>
+          <a:xfrm>
+            <a:off x="333375" y="1185863"/>
+            <a:ext cx="8467725" cy="3462337"/>
+          </a:xfrm>
+        </p:spPr>
+        <p:txBody>
+          <a:bodyPr>
+            <a:normAutofit lnSpcReduction="10000"/>
+          </a:bodyPr>
+          <a:lstStyle/>
+          <a:p>
+            <a:r>
+              <a:rPr lang="en-US" dirty="0"/>
+              <a:t>C</a:t>
+            </a:r>
+            <a:r>
+              <a:rPr lang="en-US" dirty="0" smtClean="0"/>
+              <a:t>ross compiling software configure requires some options such as:</a:t>
+            </a:r>
+          </a:p>
+          <a:p>
+            <a:pPr lvl="1"/>
+            <a:r>
+              <a:rPr lang="en-US" dirty="0" smtClean="0"/>
+              <a:t>--build=</a:t>
+            </a:r>
+            <a:r>
+              <a:rPr lang="en-US" i="1" dirty="0" smtClean="0"/>
+              <a:t>build</a:t>
+            </a:r>
+            <a:r>
+              <a:rPr lang="en-US" dirty="0" smtClean="0"/>
+              <a:t> </a:t>
+            </a:r>
+          </a:p>
+          <a:p>
+            <a:pPr lvl="2"/>
+            <a:r>
+              <a:rPr lang="en-US" dirty="0" smtClean="0"/>
+              <a:t>The system on which the package is built. </a:t>
+            </a:r>
+          </a:p>
+          <a:p>
+            <a:pPr lvl="1"/>
+            <a:r>
+              <a:rPr lang="en-US" dirty="0" smtClean="0"/>
+              <a:t>--host=</a:t>
+            </a:r>
+            <a:r>
+              <a:rPr lang="en-US" i="1" dirty="0" smtClean="0"/>
+              <a:t>host</a:t>
+            </a:r>
+            <a:r>
+              <a:rPr lang="en-US" dirty="0" smtClean="0"/>
+              <a:t> </a:t>
+            </a:r>
+          </a:p>
+          <a:p>
+            <a:pPr lvl="2"/>
+            <a:r>
+              <a:rPr lang="en-US" dirty="0" smtClean="0"/>
+              <a:t>The system where built programs and libraries will run. </a:t>
+            </a:r>
+          </a:p>
+          <a:p>
+            <a:pPr lvl="1"/>
+            <a:r>
+              <a:rPr lang="en-US" dirty="0" smtClean="0"/>
+              <a:t>--target=</a:t>
+            </a:r>
+            <a:r>
+              <a:rPr lang="en-US" i="1" dirty="0" smtClean="0"/>
+              <a:t>target</a:t>
+            </a:r>
+            <a:r>
+              <a:rPr lang="en-US" dirty="0" smtClean="0"/>
+              <a:t> </a:t>
+            </a:r>
+          </a:p>
+          <a:p>
+            <a:pPr lvl="2"/>
+            <a:r>
+              <a:rPr lang="en-US" dirty="0" smtClean="0"/>
+              <a:t>When building compiler tools: the system for which the tools will create output. </a:t>
+            </a:r>
+          </a:p>
+          <a:p>
+            <a:r>
+              <a:rPr lang="en-US" dirty="0" smtClean="0"/>
+              <a:t>Environment-setup creates a environment variable with all this information already filled!</a:t>
+            </a:r>
+          </a:p>
+          <a:p>
+            <a:r>
+              <a:rPr lang="en-US" dirty="0" smtClean="0"/>
+              <a:t>And of course, the PATH must be defined (see next slide)</a:t>
+            </a:r>
+          </a:p>
+          <a:p>
+            <a:pPr marL="0" indent="0">
+              <a:buNone/>
+            </a:pPr>
+            <a:endParaRPr lang="en-US" dirty="0"/>
+          </a:p>
+          <a:p>
+            <a:endParaRPr lang="en-US" dirty="0"/>
+          </a:p>
+        </p:txBody>
+      </p:sp>
+    </p:spTree>
+    <p:extLst>
+      <p:ext uri="{BB962C8B-B14F-4D97-AF65-F5344CB8AC3E}">
+        <p14:creationId xmlns:p14="http://schemas.microsoft.com/office/powerpoint/2010/main" val="4256472166"/>
+      </p:ext>
+    </p:extLst>
+  </p:cSld>
+  <p:clrMapOvr>
+    <a:masterClrMapping/>
+  </p:clrMapOvr>
   <p:timing>
     <p:tnLst>
       <p:par>
@@ -10128,138 +9055,73 @@
           <a:bodyPr/>
           <a:lstStyle/>
           <a:p>
-            <a:r>
-              <a:rPr lang="en-US" dirty="0" smtClean="0"/>
-              <a:t>Configure – Cross Compile Options</a:t>
+            <a:pPr algn="ctr"/>
+            <a:r>
+              <a:rPr lang="en-US" dirty="0" smtClean="0"/>
+              <a:t>Configure without the right PATH</a:t>
             </a:r>
             <a:endParaRPr lang="en-US" dirty="0"/>
           </a:p>
         </p:txBody>
       </p:sp>
-      <p:sp>
-        <p:nvSpPr>
-          <p:cNvPr id="3" name="Content Placeholder 2"/>
-          <p:cNvSpPr>
-            <a:spLocks noGrp="1"/>
-          </p:cNvSpPr>
-          <p:nvPr>
-            <p:ph idx="1"/>
-          </p:nvPr>
-        </p:nvSpPr>
-        <p:spPr>
+      <p:pic>
+        <p:nvPicPr>
+          <p:cNvPr id="10242" name="Picture 2"/>
+          <p:cNvPicPr>
+            <a:picLocks noChangeAspect="1" noChangeArrowheads="1"/>
+          </p:cNvPicPr>
+          <p:nvPr/>
+        </p:nvPicPr>
+        <p:blipFill>
+          <a:blip r:embed="rId2" cstate="print">
+            <a:extLst>
+              <a:ext uri="{28A0092B-C50C-407E-A947-70E740481C1C}">
+                <a14:useLocalDpi xmlns:a14="http://schemas.microsoft.com/office/drawing/2010/main" val="0"/>
+              </a:ext>
+            </a:extLst>
+          </a:blip>
+          <a:srcRect/>
+          <a:stretch>
+            <a:fillRect/>
+          </a:stretch>
+        </p:blipFill>
+        <p:spPr bwMode="auto">
           <a:xfrm>
-            <a:off x="333375" y="1185863"/>
-            <a:ext cx="8467725" cy="3462337"/>
+            <a:off x="804863" y="3062288"/>
+            <a:ext cx="7534275" cy="733425"/>
           </a:xfrm>
+          <a:prstGeom prst="rect">
+            <a:avLst/>
+          </a:prstGeom>
+          <a:noFill/>
+          <a:ln>
+            <a:noFill/>
+          </a:ln>
+          <a:extLst>
+            <a:ext uri="{909E8E84-426E-40DD-AFC4-6F175D3DCCD1}">
+              <a14:hiddenFill xmlns:a14="http://schemas.microsoft.com/office/drawing/2010/main">
+                <a:solidFill>
+                  <a:schemeClr val="accent1"/>
+                </a:solidFill>
+              </a14:hiddenFill>
+            </a:ext>
+            <a:ext uri="{91240B29-F687-4F45-9708-019B960494DF}">
+              <a14:hiddenLine xmlns:a14="http://schemas.microsoft.com/office/drawing/2010/main" w="9525">
+                <a:solidFill>
+                  <a:schemeClr val="tx1"/>
+                </a:solidFill>
+                <a:miter lim="800000"/>
+                <a:headEnd/>
+                <a:tailEnd/>
+              </a14:hiddenLine>
+            </a:ext>
+          </a:extLst>
         </p:spPr>
-        <p:txBody>
-          <a:bodyPr>
-            <a:normAutofit lnSpcReduction="10000"/>
-          </a:bodyPr>
-          <a:lstStyle/>
-          <a:p>
-            <a:r>
-              <a:rPr lang="en-US" dirty="0"/>
-              <a:t>C</a:t>
-            </a:r>
-            <a:r>
-              <a:rPr lang="en-US" dirty="0" smtClean="0"/>
-              <a:t>ross compiling software configure requires some options such as:</a:t>
-            </a:r>
-          </a:p>
-          <a:p>
-            <a:pPr lvl="1"/>
-            <a:r>
-              <a:rPr lang="en-US" dirty="0" smtClean="0"/>
-              <a:t>--build=</a:t>
-            </a:r>
-            <a:r>
-              <a:rPr lang="en-US" i="1" dirty="0" smtClean="0"/>
-              <a:t>build</a:t>
-            </a:r>
-            <a:r>
-              <a:rPr lang="en-US" dirty="0" smtClean="0"/>
-              <a:t> </a:t>
-            </a:r>
-          </a:p>
-          <a:p>
-            <a:pPr lvl="2"/>
-            <a:r>
-              <a:rPr lang="en-US" dirty="0" smtClean="0"/>
-              <a:t>The system on which the package is built. </a:t>
-            </a:r>
-          </a:p>
-          <a:p>
-            <a:pPr lvl="1"/>
-            <a:r>
-              <a:rPr lang="en-US" dirty="0" smtClean="0"/>
-              <a:t>--host=</a:t>
-            </a:r>
-            <a:r>
-              <a:rPr lang="en-US" i="1" dirty="0" smtClean="0"/>
-              <a:t>host</a:t>
-            </a:r>
-            <a:r>
-              <a:rPr lang="en-US" dirty="0" smtClean="0"/>
-              <a:t> </a:t>
-            </a:r>
-          </a:p>
-          <a:p>
-            <a:pPr lvl="2"/>
-            <a:r>
-              <a:rPr lang="en-US" dirty="0" smtClean="0"/>
-              <a:t>The system where built programs and libraries will run. </a:t>
-            </a:r>
-          </a:p>
-          <a:p>
-            <a:pPr lvl="1"/>
-            <a:r>
-              <a:rPr lang="en-US" dirty="0" smtClean="0"/>
-              <a:t>--target=</a:t>
-            </a:r>
-            <a:r>
-              <a:rPr lang="en-US" i="1" dirty="0" smtClean="0"/>
-              <a:t>target</a:t>
-            </a:r>
-            <a:r>
-              <a:rPr lang="en-US" dirty="0" smtClean="0"/>
-              <a:t> </a:t>
-            </a:r>
-          </a:p>
-          <a:p>
-            <a:pPr lvl="2"/>
-            <a:r>
-              <a:rPr lang="en-US" dirty="0" smtClean="0"/>
-              <a:t>When building compiler tools: the system for which the tools will create output. </a:t>
-            </a:r>
-          </a:p>
-          <a:p>
-            <a:r>
-              <a:rPr lang="en-US" dirty="0" smtClean="0"/>
-              <a:t>Environment-setup creates a environment variable with all this information already filled!</a:t>
-            </a:r>
-          </a:p>
-          <a:p>
-            <a:r>
-              <a:rPr lang="en-US" dirty="0" smtClean="0"/>
-              <a:t>And of course, the PATH must be defined (see next slide)</a:t>
-            </a:r>
-          </a:p>
-          <a:p>
-            <a:pPr marL="0" indent="0">
-              <a:buNone/>
-            </a:pPr>
-            <a:endParaRPr lang="en-US" dirty="0"/>
-          </a:p>
-          <a:p>
-            <a:endParaRPr lang="en-US" dirty="0"/>
-          </a:p>
-        </p:txBody>
-      </p:sp>
+      </p:pic>
     </p:spTree>
     <p:extLst>
       <p:ext uri="{BB962C8B-B14F-4D97-AF65-F5344CB8AC3E}">
-        <p14:creationId xmlns="" xmlns:p14="http://schemas.microsoft.com/office/powerpoint/2010/main" val="4256472166"/>
+        <p14:creationId xmlns:p14="http://schemas.microsoft.com/office/powerpoint/2010/main" val="1204239416"/>
       </p:ext>
     </p:extLst>
   </p:cSld>
@@ -10311,70 +9173,48 @@
             <a:pPr algn="ctr"/>
             <a:r>
               <a:rPr lang="en-US" dirty="0" smtClean="0"/>
-              <a:t>Configure without the right PATH</a:t>
+              <a:t>Configure Help</a:t>
             </a:r>
             <a:endParaRPr lang="en-US" dirty="0"/>
           </a:p>
         </p:txBody>
       </p:sp>
-      <p:pic>
-        <p:nvPicPr>
-          <p:cNvPr id="10242" name="Picture 2"/>
-          <p:cNvPicPr>
-            <a:picLocks noChangeAspect="1" noChangeArrowheads="1"/>
-          </p:cNvPicPr>
-          <p:nvPr/>
-        </p:nvPicPr>
-        <p:blipFill>
-          <a:blip r:embed="rId2" cstate="print">
-            <a:extLst>
-              <a:ext uri="{28A0092B-C50C-407E-A947-70E740481C1C}">
-                <a14:useLocalDpi xmlns="" xmlns:a14="http://schemas.microsoft.com/office/drawing/2010/main" val="0"/>
-              </a:ext>
-            </a:extLst>
-          </a:blip>
-          <a:srcRect/>
-          <a:stretch>
-            <a:fillRect/>
-          </a:stretch>
-        </p:blipFill>
-        <p:spPr bwMode="auto">
-          <a:xfrm>
-            <a:off x="804863" y="3062288"/>
-            <a:ext cx="7534275" cy="733425"/>
-          </a:xfrm>
-          <a:prstGeom prst="rect">
-            <a:avLst/>
-          </a:prstGeom>
-          <a:noFill/>
-          <a:ln>
-            <a:noFill/>
-          </a:ln>
-          <a:extLst>
-            <a:ext uri="{909E8E84-426E-40DD-AFC4-6F175D3DCCD1}">
-              <a14:hiddenFill xmlns="" xmlns:a14="http://schemas.microsoft.com/office/drawing/2010/main">
-                <a:solidFill>
-                  <a:schemeClr val="accent1"/>
-                </a:solidFill>
-              </a14:hiddenFill>
-            </a:ext>
-            <a:ext uri="{91240B29-F687-4F45-9708-019B960494DF}">
-              <a14:hiddenLine xmlns="" xmlns:a14="http://schemas.microsoft.com/office/drawing/2010/main" w="9525">
-                <a:solidFill>
-                  <a:schemeClr val="tx1"/>
-                </a:solidFill>
-                <a:miter lim="800000"/>
-                <a:headEnd/>
-                <a:tailEnd/>
-              </a14:hiddenLine>
-            </a:ext>
-          </a:extLst>
-        </p:spPr>
-      </p:pic>
+      <p:sp>
+        <p:nvSpPr>
+          <p:cNvPr id="3" name="Content Placeholder 2"/>
+          <p:cNvSpPr>
+            <a:spLocks noGrp="1"/>
+          </p:cNvSpPr>
+          <p:nvPr>
+            <p:ph idx="1"/>
+          </p:nvPr>
+        </p:nvSpPr>
+        <p:spPr/>
+        <p:txBody>
+          <a:bodyPr/>
+          <a:lstStyle/>
+          <a:p>
+            <a:r>
+              <a:rPr lang="en-US" dirty="0" smtClean="0"/>
+              <a:t>./configure –help</a:t>
+            </a:r>
+          </a:p>
+          <a:p>
+            <a:endParaRPr lang="en-US" dirty="0"/>
+          </a:p>
+          <a:p>
+            <a:r>
+              <a:rPr lang="en-US" dirty="0" smtClean="0"/>
+              <a:t>Display list of options that a user can use to influence the configuration and building of the piece of software.</a:t>
+            </a:r>
+            <a:endParaRPr lang="en-US" dirty="0"/>
+          </a:p>
+        </p:txBody>
+      </p:sp>
     </p:spTree>
     <p:extLst>
       <p:ext uri="{BB962C8B-B14F-4D97-AF65-F5344CB8AC3E}">
-        <p14:creationId xmlns="" xmlns:p14="http://schemas.microsoft.com/office/powerpoint/2010/main" val="1204239416"/>
+        <p14:creationId xmlns:p14="http://schemas.microsoft.com/office/powerpoint/2010/main" val="1775637392"/>
       </p:ext>
     </p:extLst>
   </p:cSld>
@@ -10432,42 +9272,64 @@
           </a:p>
         </p:txBody>
       </p:sp>
-      <p:sp>
-        <p:nvSpPr>
-          <p:cNvPr id="3" name="Content Placeholder 2"/>
-          <p:cNvSpPr>
-            <a:spLocks noGrp="1"/>
-          </p:cNvSpPr>
-          <p:nvPr>
-            <p:ph idx="1"/>
-          </p:nvPr>
-        </p:nvSpPr>
-        <p:spPr/>
-        <p:txBody>
-          <a:bodyPr/>
-          <a:lstStyle/>
-          <a:p>
-            <a:r>
-              <a:rPr lang="en-US" dirty="0" smtClean="0"/>
-              <a:t>./configure –help</a:t>
-            </a:r>
-          </a:p>
-          <a:p>
-            <a:endParaRPr lang="en-US" dirty="0"/>
-          </a:p>
-          <a:p>
-            <a:r>
-              <a:rPr lang="en-US" dirty="0" smtClean="0"/>
-              <a:t>Display list of options that a user can use to influence the configuration and building of the piece of software.</a:t>
-            </a:r>
-            <a:endParaRPr lang="en-US" dirty="0"/>
-          </a:p>
-        </p:txBody>
-      </p:sp>
+      <p:pic>
+        <p:nvPicPr>
+          <p:cNvPr id="9218" name="Picture 2"/>
+          <p:cNvPicPr>
+            <a:picLocks noChangeAspect="1" noChangeArrowheads="1"/>
+          </p:cNvPicPr>
+          <p:nvPr/>
+        </p:nvPicPr>
+        <p:blipFill>
+          <a:blip r:embed="rId2" cstate="print">
+            <a:extLst>
+              <a:ext uri="{28A0092B-C50C-407E-A947-70E740481C1C}">
+                <a14:useLocalDpi xmlns:a14="http://schemas.microsoft.com/office/drawing/2010/main" val="0"/>
+              </a:ext>
+            </a:extLst>
+          </a:blip>
+          <a:srcRect/>
+          <a:stretch>
+            <a:fillRect/>
+          </a:stretch>
+        </p:blipFill>
+        <p:spPr bwMode="auto">
+          <a:xfrm>
+            <a:off x="1123950" y="933450"/>
+            <a:ext cx="6896100" cy="4991100"/>
+          </a:xfrm>
+          <a:prstGeom prst="rect">
+            <a:avLst/>
+          </a:prstGeom>
+          <a:noFill/>
+          <a:ln>
+            <a:noFill/>
+          </a:ln>
+          <a:extLst>
+            <a:ext uri="{909E8E84-426E-40DD-AFC4-6F175D3DCCD1}">
+              <a14:hiddenFill xmlns:a14="http://schemas.microsoft.com/office/drawing/2010/main">
+                <a:solidFill>
+                  <a:schemeClr val="accent1"/>
+                </a:solidFill>
+              </a14:hiddenFill>
+            </a:ext>
+            <a:ext uri="{91240B29-F687-4F45-9708-019B960494DF}">
+              <a14:hiddenLine xmlns:a14="http://schemas.microsoft.com/office/drawing/2010/main" w="9525">
+                <a:solidFill>
+                  <a:schemeClr val="tx1"/>
+                </a:solidFill>
+                <a:miter lim="800000"/>
+                <a:headEnd/>
+                <a:tailEnd/>
+              </a14:hiddenLine>
+            </a:ext>
+          </a:extLst>
+        </p:spPr>
+      </p:pic>
     </p:spTree>
     <p:extLst>
       <p:ext uri="{BB962C8B-B14F-4D97-AF65-F5344CB8AC3E}">
-        <p14:creationId xmlns="" xmlns:p14="http://schemas.microsoft.com/office/powerpoint/2010/main" val="1775637392"/>
+        <p14:creationId xmlns:p14="http://schemas.microsoft.com/office/powerpoint/2010/main" val="3307312338"/>
       </p:ext>
     </p:extLst>
   </p:cSld>
@@ -10513,13 +9375,14 @@
         </p:nvSpPr>
         <p:spPr/>
         <p:txBody>
-          <a:bodyPr/>
+          <a:bodyPr>
+            <a:normAutofit fontScale="90000"/>
+          </a:bodyPr>
           <a:lstStyle/>
           <a:p>
-            <a:pPr algn="ctr"/>
-            <a:r>
-              <a:rPr lang="en-US" dirty="0" smtClean="0"/>
-              <a:t>Configure Help</a:t>
+            <a:r>
+              <a:rPr lang="en-US" dirty="0" smtClean="0"/>
+              <a:t>Configure – Important Environment Variables</a:t>
             </a:r>
             <a:endParaRPr lang="en-US" dirty="0"/>
           </a:p>
@@ -10527,17 +9390,17 @@
       </p:sp>
       <p:pic>
         <p:nvPicPr>
-          <p:cNvPr id="9218" name="Picture 2"/>
+          <p:cNvPr id="4098" name="Picture 2"/>
           <p:cNvPicPr>
             <a:picLocks noChangeAspect="1" noChangeArrowheads="1"/>
           </p:cNvPicPr>
           <p:nvPr/>
         </p:nvPicPr>
         <p:blipFill>
-          <a:blip r:embed="rId2" cstate="print">
+          <a:blip r:embed="rId3" cstate="print">
             <a:extLst>
               <a:ext uri="{28A0092B-C50C-407E-A947-70E740481C1C}">
-                <a14:useLocalDpi xmlns="" xmlns:a14="http://schemas.microsoft.com/office/drawing/2010/main" val="0"/>
+                <a14:useLocalDpi xmlns:a14="http://schemas.microsoft.com/office/drawing/2010/main" val="0"/>
               </a:ext>
             </a:extLst>
           </a:blip>
@@ -10548,8 +9411,8 @@
         </p:blipFill>
         <p:spPr bwMode="auto">
           <a:xfrm>
-            <a:off x="1123950" y="933450"/>
-            <a:ext cx="6896100" cy="4991100"/>
+            <a:off x="1371600" y="1676400"/>
+            <a:ext cx="6572250" cy="2133600"/>
           </a:xfrm>
           <a:prstGeom prst="rect">
             <a:avLst/>
@@ -10558,16 +9421,17 @@
           <a:ln>
             <a:noFill/>
           </a:ln>
+          <a:effectLst/>
           <a:extLst>
             <a:ext uri="{909E8E84-426E-40DD-AFC4-6F175D3DCCD1}">
-              <a14:hiddenFill xmlns="" xmlns:a14="http://schemas.microsoft.com/office/drawing/2010/main">
+              <a14:hiddenFill xmlns:a14="http://schemas.microsoft.com/office/drawing/2010/main">
                 <a:solidFill>
                   <a:schemeClr val="accent1"/>
                 </a:solidFill>
               </a14:hiddenFill>
             </a:ext>
             <a:ext uri="{91240B29-F687-4F45-9708-019B960494DF}">
-              <a14:hiddenLine xmlns="" xmlns:a14="http://schemas.microsoft.com/office/drawing/2010/main" w="9525">
+              <a14:hiddenLine xmlns:a14="http://schemas.microsoft.com/office/drawing/2010/main" w="9525">
                 <a:solidFill>
                   <a:schemeClr val="tx1"/>
                 </a:solidFill>
@@ -10576,13 +9440,22 @@
                 <a:tailEnd/>
               </a14:hiddenLine>
             </a:ext>
+            <a:ext uri="{AF507438-7753-43E0-B8FC-AC1667EBCBE1}">
+              <a14:hiddenEffects xmlns:a14="http://schemas.microsoft.com/office/drawing/2010/main">
+                <a:effectLst>
+                  <a:outerShdw dist="35921" dir="2700000" algn="ctr" rotWithShape="0">
+                    <a:schemeClr val="bg2"/>
+                  </a:outerShdw>
+                </a:effectLst>
+              </a14:hiddenEffects>
+            </a:ext>
           </a:extLst>
         </p:spPr>
       </p:pic>
     </p:spTree>
     <p:extLst>
       <p:ext uri="{BB962C8B-B14F-4D97-AF65-F5344CB8AC3E}">
-        <p14:creationId xmlns="" xmlns:p14="http://schemas.microsoft.com/office/powerpoint/2010/main" val="3307312338"/>
+        <p14:creationId xmlns:p14="http://schemas.microsoft.com/office/powerpoint/2010/main" val="745229869"/>
       </p:ext>
     </p:extLst>
   </p:cSld>
@@ -10623,87 +9496,86 @@
             <a:spLocks noGrp="1"/>
           </p:cNvSpPr>
           <p:nvPr>
-            <p:ph type="ctrTitle"/>
+            <p:ph type="title"/>
           </p:nvPr>
         </p:nvSpPr>
-        <p:spPr/>
+        <p:spPr>
+          <a:xfrm>
+            <a:off x="231775" y="142874"/>
+            <a:ext cx="8458200" cy="1685925"/>
+          </a:xfrm>
+        </p:spPr>
         <p:txBody>
           <a:bodyPr/>
           <a:lstStyle/>
           <a:p>
-            <a:pPr algn="l"/>
-            <a:r>
-              <a:rPr lang="en-US" dirty="0" smtClean="0"/>
-              <a:t>Topic 1</a:t>
-            </a:r>
-            <a:endParaRPr lang="en-US" dirty="0"/>
+            <a:pPr algn="ctr"/>
+            <a:r>
+              <a:rPr lang="en-US" dirty="0" smtClean="0"/>
+              <a:t>Toolchain for </a:t>
+            </a:r>
+            <a:r>
+              <a:rPr lang="en-US" dirty="0" smtClean="0"/>
+              <a:t>ARM of Sitara </a:t>
+            </a:r>
+            <a:r>
+              <a:rPr lang="en-US" dirty="0" smtClean="0"/>
+              <a:t>Devices</a:t>
+            </a:r>
+            <a:br>
+              <a:rPr lang="en-US" dirty="0" smtClean="0"/>
+            </a:br>
+            <a:r>
+              <a:rPr lang="en-US" sz="2800" dirty="0" smtClean="0"/>
+              <a:t>(but it is true for other ARM based devices as well)</a:t>
+            </a:r>
+            <a:endParaRPr lang="en-US" sz="2800" dirty="0"/>
           </a:p>
         </p:txBody>
       </p:sp>
       <p:sp>
         <p:nvSpPr>
-          <p:cNvPr id="3" name="Subtitle 2"/>
+          <p:cNvPr id="3" name="Content Placeholder 2"/>
           <p:cNvSpPr>
             <a:spLocks noGrp="1"/>
           </p:cNvSpPr>
           <p:nvPr>
-            <p:ph type="subTitle" idx="1"/>
+            <p:ph idx="1"/>
           </p:nvPr>
         </p:nvSpPr>
-        <p:spPr/>
+        <p:spPr>
+          <a:xfrm>
+            <a:off x="304800" y="1828800"/>
+            <a:ext cx="8467725" cy="2982913"/>
+          </a:xfrm>
+        </p:spPr>
         <p:txBody>
-          <a:bodyPr/>
+          <a:bodyPr>
+            <a:normAutofit/>
+          </a:bodyPr>
           <a:lstStyle/>
           <a:p>
             <a:r>
-              <a:rPr lang="en-US" dirty="0" err="1" smtClean="0"/>
-              <a:t>Linaro</a:t>
-            </a:r>
-            <a:r>
-              <a:rPr lang="en-US" dirty="0" smtClean="0"/>
-              <a:t> </a:t>
-            </a:r>
-            <a:r>
-              <a:rPr lang="en-US" dirty="0" err="1" smtClean="0"/>
-              <a:t>Toolchain</a:t>
+              <a:rPr lang="en-US" dirty="0" smtClean="0"/>
+              <a:t>A tool chain is a collection of programs used to compile and build applications or libraries and generally includes several additional tools useful for debugging or troubleshooting issues.</a:t>
             </a:r>
             <a:endParaRPr lang="en-US" dirty="0"/>
           </a:p>
+          <a:p>
+            <a:r>
+              <a:rPr lang="en-US" dirty="0" smtClean="0"/>
+              <a:t>Starting with SDK 6.0 we have switched from using a GCC based tool chain built by TI and moved to a GCC based tool chain built by Linaro.</a:t>
+            </a:r>
+            <a:endParaRPr lang="en-US" dirty="0"/>
+          </a:p>
         </p:txBody>
       </p:sp>
-      <p:sp>
-        <p:nvSpPr>
-          <p:cNvPr id="4" name="Slide Number Placeholder 3"/>
-          <p:cNvSpPr>
-            <a:spLocks noGrp="1"/>
-          </p:cNvSpPr>
-          <p:nvPr>
-            <p:ph type="sldNum" sz="quarter" idx="10"/>
-          </p:nvPr>
-        </p:nvSpPr>
-        <p:spPr/>
-        <p:txBody>
-          <a:bodyPr/>
-          <a:lstStyle/>
-          <a:p>
-            <a:fld id="{91A5AC0A-F4BD-4464-80DC-A88E0D9F781D}" type="slidenum">
-              <a:rPr lang="en-US" smtClean="0">
-                <a:solidFill>
-                  <a:srgbClr val="000000"/>
-                </a:solidFill>
-              </a:rPr>
-              <a:pPr/>
-              <a:t>3</a:t>
-            </a:fld>
-            <a:endParaRPr lang="en-US" dirty="0">
-              <a:solidFill>
-                <a:srgbClr val="000000"/>
-              </a:solidFill>
-            </a:endParaRPr>
-          </a:p>
-        </p:txBody>
-      </p:sp>
     </p:spTree>
+    <p:extLst>
+      <p:ext uri="{BB962C8B-B14F-4D97-AF65-F5344CB8AC3E}">
+        <p14:creationId xmlns:p14="http://schemas.microsoft.com/office/powerpoint/2010/main" val="944249140"/>
+      </p:ext>
+    </p:extLst>
   </p:cSld>
   <p:clrMapOvr>
     <a:masterClrMapping/>
@@ -10747,14 +9619,12 @@
         </p:nvSpPr>
         <p:spPr/>
         <p:txBody>
-          <a:bodyPr>
-            <a:normAutofit fontScale="90000"/>
-          </a:bodyPr>
+          <a:bodyPr/>
           <a:lstStyle/>
           <a:p>
             <a:r>
               <a:rPr lang="en-US" dirty="0" smtClean="0"/>
-              <a:t>Configure – Important Environment Variables</a:t>
+              <a:t>Configure – Feature Selection</a:t>
             </a:r>
             <a:endParaRPr lang="en-US" dirty="0"/>
           </a:p>
@@ -10762,17 +9632,17 @@
       </p:sp>
       <p:pic>
         <p:nvPicPr>
-          <p:cNvPr id="4098" name="Picture 2"/>
+          <p:cNvPr id="3074" name="Picture 2"/>
           <p:cNvPicPr>
             <a:picLocks noChangeAspect="1" noChangeArrowheads="1"/>
           </p:cNvPicPr>
           <p:nvPr/>
         </p:nvPicPr>
         <p:blipFill>
-          <a:blip r:embed="rId3" cstate="print">
+          <a:blip r:embed="rId2" cstate="print">
             <a:extLst>
               <a:ext uri="{28A0092B-C50C-407E-A947-70E740481C1C}">
-                <a14:useLocalDpi xmlns="" xmlns:a14="http://schemas.microsoft.com/office/drawing/2010/main" val="0"/>
+                <a14:useLocalDpi xmlns:a14="http://schemas.microsoft.com/office/drawing/2010/main" val="0"/>
               </a:ext>
             </a:extLst>
           </a:blip>
@@ -10783,8 +9653,8 @@
         </p:blipFill>
         <p:spPr bwMode="auto">
           <a:xfrm>
-            <a:off x="1371600" y="1676400"/>
-            <a:ext cx="6572250" cy="2133600"/>
+            <a:off x="1157286" y="1600200"/>
+            <a:ext cx="6829425" cy="3190875"/>
           </a:xfrm>
           <a:prstGeom prst="rect">
             <a:avLst/>
@@ -10796,14 +9666,14 @@
           <a:effectLst/>
           <a:extLst>
             <a:ext uri="{909E8E84-426E-40DD-AFC4-6F175D3DCCD1}">
-              <a14:hiddenFill xmlns="" xmlns:a14="http://schemas.microsoft.com/office/drawing/2010/main">
+              <a14:hiddenFill xmlns:a14="http://schemas.microsoft.com/office/drawing/2010/main">
                 <a:solidFill>
                   <a:schemeClr val="accent1"/>
                 </a:solidFill>
               </a14:hiddenFill>
             </a:ext>
             <a:ext uri="{91240B29-F687-4F45-9708-019B960494DF}">
-              <a14:hiddenLine xmlns="" xmlns:a14="http://schemas.microsoft.com/office/drawing/2010/main" w="9525">
+              <a14:hiddenLine xmlns:a14="http://schemas.microsoft.com/office/drawing/2010/main" w="9525">
                 <a:solidFill>
                   <a:schemeClr val="tx1"/>
                 </a:solidFill>
@@ -10813,7 +9683,7 @@
               </a14:hiddenLine>
             </a:ext>
             <a:ext uri="{AF507438-7753-43E0-B8FC-AC1667EBCBE1}">
-              <a14:hiddenEffects xmlns="" xmlns:a14="http://schemas.microsoft.com/office/drawing/2010/main">
+              <a14:hiddenEffects xmlns:a14="http://schemas.microsoft.com/office/drawing/2010/main">
                 <a:effectLst>
                   <a:outerShdw dist="35921" dir="2700000" algn="ctr" rotWithShape="0">
                     <a:schemeClr val="bg2"/>
@@ -10827,7 +9697,7 @@
     </p:spTree>
     <p:extLst>
       <p:ext uri="{BB962C8B-B14F-4D97-AF65-F5344CB8AC3E}">
-        <p14:creationId xmlns="" xmlns:p14="http://schemas.microsoft.com/office/powerpoint/2010/main" val="745229869"/>
+        <p14:creationId xmlns:p14="http://schemas.microsoft.com/office/powerpoint/2010/main" val="2786047687"/>
       </p:ext>
     </p:extLst>
   </p:cSld>
@@ -10878,86 +9748,66 @@
           <a:p>
             <a:r>
               <a:rPr lang="en-US" dirty="0" smtClean="0"/>
-              <a:t>Configure – Feature Selection</a:t>
+              <a:t>Install Location</a:t>
             </a:r>
             <a:endParaRPr lang="en-US" dirty="0"/>
           </a:p>
         </p:txBody>
       </p:sp>
-      <p:pic>
-        <p:nvPicPr>
-          <p:cNvPr id="3074" name="Picture 2"/>
-          <p:cNvPicPr>
-            <a:picLocks noChangeAspect="1" noChangeArrowheads="1"/>
-          </p:cNvPicPr>
-          <p:nvPr/>
-        </p:nvPicPr>
-        <p:blipFill>
-          <a:blip r:embed="rId2" cstate="print">
-            <a:extLst>
-              <a:ext uri="{28A0092B-C50C-407E-A947-70E740481C1C}">
-                <a14:useLocalDpi xmlns="" xmlns:a14="http://schemas.microsoft.com/office/drawing/2010/main" val="0"/>
-              </a:ext>
-            </a:extLst>
-          </a:blip>
-          <a:srcRect/>
-          <a:stretch>
-            <a:fillRect/>
-          </a:stretch>
-        </p:blipFill>
-        <p:spPr bwMode="auto">
-          <a:xfrm>
-            <a:off x="1157286" y="1600200"/>
-            <a:ext cx="6829425" cy="3190875"/>
-          </a:xfrm>
-          <a:prstGeom prst="rect">
-            <a:avLst/>
-          </a:prstGeom>
-          <a:noFill/>
-          <a:ln>
-            <a:noFill/>
-          </a:ln>
-          <a:effectLst/>
-          <a:extLst>
-            <a:ext uri="{909E8E84-426E-40DD-AFC4-6F175D3DCCD1}">
-              <a14:hiddenFill xmlns="" xmlns:a14="http://schemas.microsoft.com/office/drawing/2010/main">
-                <a:solidFill>
-                  <a:schemeClr val="accent1"/>
-                </a:solidFill>
-              </a14:hiddenFill>
-            </a:ext>
-            <a:ext uri="{91240B29-F687-4F45-9708-019B960494DF}">
-              <a14:hiddenLine xmlns="" xmlns:a14="http://schemas.microsoft.com/office/drawing/2010/main" w="9525">
-                <a:solidFill>
-                  <a:schemeClr val="tx1"/>
-                </a:solidFill>
-                <a:miter lim="800000"/>
-                <a:headEnd/>
-                <a:tailEnd/>
-              </a14:hiddenLine>
-            </a:ext>
-            <a:ext uri="{AF507438-7753-43E0-B8FC-AC1667EBCBE1}">
-              <a14:hiddenEffects xmlns="" xmlns:a14="http://schemas.microsoft.com/office/drawing/2010/main">
-                <a:effectLst>
-                  <a:outerShdw dist="35921" dir="2700000" algn="ctr" rotWithShape="0">
-                    <a:schemeClr val="bg2"/>
-                  </a:outerShdw>
-                </a:effectLst>
-              </a14:hiddenEffects>
-            </a:ext>
-          </a:extLst>
-        </p:spPr>
-      </p:pic>
+      <p:sp>
+        <p:nvSpPr>
+          <p:cNvPr id="3" name="Content Placeholder 2"/>
+          <p:cNvSpPr>
+            <a:spLocks noGrp="1"/>
+          </p:cNvSpPr>
+          <p:nvPr>
+            <p:ph idx="1"/>
+          </p:nvPr>
+        </p:nvSpPr>
+        <p:spPr/>
+        <p:txBody>
+          <a:bodyPr/>
+          <a:lstStyle/>
+          <a:p>
+            <a:r>
+              <a:rPr lang="en-US" dirty="0" smtClean="0"/>
+              <a:t>By default auto tools will install libraries and applications on the host in the local directory</a:t>
+            </a:r>
+          </a:p>
+          <a:p>
+            <a:r>
+              <a:rPr lang="en-US" dirty="0" smtClean="0"/>
+              <a:t>The user may choose to change the install location, for example, to put it in a NFS directory</a:t>
+            </a:r>
+            <a:endParaRPr lang="en-US" dirty="0"/>
+          </a:p>
+          <a:p>
+            <a:r>
+              <a:rPr lang="en-US" dirty="0" smtClean="0"/>
+              <a:t>Easiest way to accomplish this is by setting the software’s default install location in the auto tools script</a:t>
+            </a:r>
+            <a:endParaRPr lang="en-US" dirty="0"/>
+          </a:p>
+        </p:txBody>
+      </p:sp>
     </p:spTree>
     <p:extLst>
       <p:ext uri="{BB962C8B-B14F-4D97-AF65-F5344CB8AC3E}">
-        <p14:creationId xmlns="" xmlns:p14="http://schemas.microsoft.com/office/powerpoint/2010/main" val="2786047687"/>
+        <p14:creationId xmlns:p14="http://schemas.microsoft.com/office/powerpoint/2010/main" val="1365468840"/>
       </p:ext>
     </p:extLst>
   </p:cSld>
   <p:clrMapOvr>
     <a:masterClrMapping/>
   </p:clrMapOvr>
+  <mc:AlternateContent xmlns:mc="http://schemas.openxmlformats.org/markup-compatibility/2006" xmlns:p14="http://schemas.microsoft.com/office/powerpoint/2010/main">
+    <mc:Choice Requires="p14">
+      <p:transition spd="slow" p14:dur="2000"/>
+    </mc:Choice>
+    <mc:Fallback xmlns="">
+      <p:transition spd="slow"/>
+    </mc:Fallback>
+  </mc:AlternateContent>
   <p:timing>
     <p:tnLst>
       <p:par>
@@ -11002,110 +9852,6 @@
           <a:p>
             <a:r>
               <a:rPr lang="en-US" dirty="0" smtClean="0"/>
-              <a:t>Install Location</a:t>
-            </a:r>
-            <a:endParaRPr lang="en-US" dirty="0"/>
-          </a:p>
-        </p:txBody>
-      </p:sp>
-      <p:sp>
-        <p:nvSpPr>
-          <p:cNvPr id="3" name="Content Placeholder 2"/>
-          <p:cNvSpPr>
-            <a:spLocks noGrp="1"/>
-          </p:cNvSpPr>
-          <p:nvPr>
-            <p:ph idx="1"/>
-          </p:nvPr>
-        </p:nvSpPr>
-        <p:spPr/>
-        <p:txBody>
-          <a:bodyPr/>
-          <a:lstStyle/>
-          <a:p>
-            <a:r>
-              <a:rPr lang="en-US" dirty="0" smtClean="0"/>
-              <a:t>By default auto tools will install libraries and applications on the host in the local directory</a:t>
-            </a:r>
-          </a:p>
-          <a:p>
-            <a:r>
-              <a:rPr lang="en-US" dirty="0" smtClean="0"/>
-              <a:t>The user may choose to change the install location, for example, to put it in a NFS directory</a:t>
-            </a:r>
-            <a:endParaRPr lang="en-US" dirty="0"/>
-          </a:p>
-          <a:p>
-            <a:r>
-              <a:rPr lang="en-US" dirty="0" smtClean="0"/>
-              <a:t>Easiest way to accomplish this is by setting the software’s default install location in the auto tools script</a:t>
-            </a:r>
-            <a:endParaRPr lang="en-US" dirty="0"/>
-          </a:p>
-        </p:txBody>
-      </p:sp>
-    </p:spTree>
-    <p:extLst>
-      <p:ext uri="{BB962C8B-B14F-4D97-AF65-F5344CB8AC3E}">
-        <p14:creationId xmlns="" xmlns:p14="http://schemas.microsoft.com/office/powerpoint/2010/main" val="1365468840"/>
-      </p:ext>
-    </p:extLst>
-  </p:cSld>
-  <p:clrMapOvr>
-    <a:masterClrMapping/>
-  </p:clrMapOvr>
-  <mc:AlternateContent xmlns:mc="http://schemas.openxmlformats.org/markup-compatibility/2006">
-    <mc:Choice xmlns="" xmlns:p14="http://schemas.microsoft.com/office/powerpoint/2010/main" Requires="p14">
-      <p:transition spd="slow" p14:dur="2000"/>
-    </mc:Choice>
-    <mc:Fallback>
-      <p:transition spd="slow"/>
-    </mc:Fallback>
-  </mc:AlternateContent>
-  <p:timing>
-    <p:tnLst>
-      <p:par>
-        <p:cTn id="1" dur="indefinite" restart="never" nodeType="tmRoot"/>
-      </p:par>
-    </p:tnLst>
-  </p:timing>
-</p:sld>
-</file>
-
-<file path=ppt/slides/slide33.xml><?xml version="1.0" encoding="utf-8"?>
-<p:sld xmlns:a="http://schemas.openxmlformats.org/drawingml/2006/main" xmlns:r="http://schemas.openxmlformats.org/officeDocument/2006/relationships" xmlns:p="http://schemas.openxmlformats.org/presentationml/2006/main">
-  <p:cSld>
-    <p:spTree>
-      <p:nvGrpSpPr>
-        <p:cNvPr id="1" name=""/>
-        <p:cNvGrpSpPr/>
-        <p:nvPr/>
-      </p:nvGrpSpPr>
-      <p:grpSpPr>
-        <a:xfrm>
-          <a:off x="0" y="0"/>
-          <a:ext cx="0" cy="0"/>
-          <a:chOff x="0" y="0"/>
-          <a:chExt cx="0" cy="0"/>
-        </a:xfrm>
-      </p:grpSpPr>
-      <p:sp>
-        <p:nvSpPr>
-          <p:cNvPr id="2" name="Title 1"/>
-          <p:cNvSpPr>
-            <a:spLocks noGrp="1"/>
-          </p:cNvSpPr>
-          <p:nvPr>
-            <p:ph type="title"/>
-          </p:nvPr>
-        </p:nvSpPr>
-        <p:spPr/>
-        <p:txBody>
-          <a:bodyPr/>
-          <a:lstStyle/>
-          <a:p>
-            <a:r>
-              <a:rPr lang="en-US" dirty="0" smtClean="0"/>
               <a:t>Configure Installation Options</a:t>
             </a:r>
             <a:endParaRPr lang="en-US" dirty="0"/>
@@ -11124,7 +9870,7 @@
           <a:blip r:embed="rId2" cstate="print">
             <a:extLst>
               <a:ext uri="{28A0092B-C50C-407E-A947-70E740481C1C}">
-                <a14:useLocalDpi xmlns="" xmlns:a14="http://schemas.microsoft.com/office/drawing/2010/main" val="0"/>
+                <a14:useLocalDpi xmlns:a14="http://schemas.microsoft.com/office/drawing/2010/main" val="0"/>
               </a:ext>
             </a:extLst>
           </a:blip>
@@ -11148,14 +9894,14 @@
           <a:effectLst/>
           <a:extLst>
             <a:ext uri="{909E8E84-426E-40DD-AFC4-6F175D3DCCD1}">
-              <a14:hiddenFill xmlns="" xmlns:a14="http://schemas.microsoft.com/office/drawing/2010/main">
+              <a14:hiddenFill xmlns:a14="http://schemas.microsoft.com/office/drawing/2010/main">
                 <a:solidFill>
                   <a:schemeClr val="accent1"/>
                 </a:solidFill>
               </a14:hiddenFill>
             </a:ext>
             <a:ext uri="{91240B29-F687-4F45-9708-019B960494DF}">
-              <a14:hiddenLine xmlns="" xmlns:a14="http://schemas.microsoft.com/office/drawing/2010/main" w="9525">
+              <a14:hiddenLine xmlns:a14="http://schemas.microsoft.com/office/drawing/2010/main" w="9525">
                 <a:solidFill>
                   <a:schemeClr val="tx1"/>
                 </a:solidFill>
@@ -11165,7 +9911,7 @@
               </a14:hiddenLine>
             </a:ext>
             <a:ext uri="{AF507438-7753-43E0-B8FC-AC1667EBCBE1}">
-              <a14:hiddenEffects xmlns="" xmlns:a14="http://schemas.microsoft.com/office/drawing/2010/main">
+              <a14:hiddenEffects xmlns:a14="http://schemas.microsoft.com/office/drawing/2010/main">
                 <a:effectLst>
                   <a:outerShdw dist="35921" dir="2700000" algn="ctr" rotWithShape="0">
                     <a:schemeClr val="bg2"/>
@@ -11431,7 +10177,103 @@
     </p:spTree>
     <p:extLst>
       <p:ext uri="{BB962C8B-B14F-4D97-AF65-F5344CB8AC3E}">
-        <p14:creationId xmlns="" xmlns:p14="http://schemas.microsoft.com/office/powerpoint/2010/main" val="815468854"/>
+        <p14:creationId xmlns:p14="http://schemas.microsoft.com/office/powerpoint/2010/main" val="815468854"/>
+      </p:ext>
+    </p:extLst>
+  </p:cSld>
+  <p:clrMapOvr>
+    <a:masterClrMapping/>
+  </p:clrMapOvr>
+  <p:timing>
+    <p:tnLst>
+      <p:par>
+        <p:cTn id="1" dur="indefinite" restart="never" nodeType="tmRoot"/>
+      </p:par>
+    </p:tnLst>
+  </p:timing>
+</p:sld>
+</file>
+
+<file path=ppt/slides/slide33.xml><?xml version="1.0" encoding="utf-8"?>
+<p:sld xmlns:a="http://schemas.openxmlformats.org/drawingml/2006/main" xmlns:r="http://schemas.openxmlformats.org/officeDocument/2006/relationships" xmlns:p="http://schemas.openxmlformats.org/presentationml/2006/main">
+  <p:cSld>
+    <p:spTree>
+      <p:nvGrpSpPr>
+        <p:cNvPr id="1" name=""/>
+        <p:cNvGrpSpPr/>
+        <p:nvPr/>
+      </p:nvGrpSpPr>
+      <p:grpSpPr>
+        <a:xfrm>
+          <a:off x="0" y="0"/>
+          <a:ext cx="0" cy="0"/>
+          <a:chOff x="0" y="0"/>
+          <a:chExt cx="0" cy="0"/>
+        </a:xfrm>
+      </p:grpSpPr>
+      <p:sp>
+        <p:nvSpPr>
+          <p:cNvPr id="2" name="Title 1"/>
+          <p:cNvSpPr>
+            <a:spLocks noGrp="1"/>
+          </p:cNvSpPr>
+          <p:nvPr>
+            <p:ph type="title"/>
+          </p:nvPr>
+        </p:nvSpPr>
+        <p:spPr/>
+        <p:txBody>
+          <a:bodyPr/>
+          <a:lstStyle/>
+          <a:p>
+            <a:r>
+              <a:rPr lang="en-US" dirty="0" smtClean="0"/>
+              <a:t>Configure Prefix Option</a:t>
+            </a:r>
+            <a:endParaRPr lang="en-US" dirty="0"/>
+          </a:p>
+        </p:txBody>
+      </p:sp>
+      <p:sp>
+        <p:nvSpPr>
+          <p:cNvPr id="3" name="Content Placeholder 2"/>
+          <p:cNvSpPr>
+            <a:spLocks noGrp="1"/>
+          </p:cNvSpPr>
+          <p:nvPr>
+            <p:ph idx="1"/>
+          </p:nvPr>
+        </p:nvSpPr>
+        <p:spPr/>
+        <p:txBody>
+          <a:bodyPr/>
+          <a:lstStyle/>
+          <a:p>
+            <a:r>
+              <a:rPr lang="en-US" dirty="0" smtClean="0"/>
+              <a:t>By using the configure prefix option you can alter the default location where configure installs libraries and applications.</a:t>
+            </a:r>
+          </a:p>
+          <a:p>
+            <a:r>
+              <a:rPr lang="en-US" dirty="0" smtClean="0"/>
+              <a:t>The syntax is:</a:t>
+            </a:r>
+          </a:p>
+          <a:p>
+            <a:pPr lvl="1"/>
+            <a:r>
+              <a:rPr lang="en-US" dirty="0" smtClean="0"/>
+              <a:t>./configure --prefix=&lt;new install location&gt;</a:t>
+            </a:r>
+            <a:endParaRPr lang="en-US" dirty="0"/>
+          </a:p>
+        </p:txBody>
+      </p:sp>
+    </p:spTree>
+    <p:extLst>
+      <p:ext uri="{BB962C8B-B14F-4D97-AF65-F5344CB8AC3E}">
+        <p14:creationId xmlns:p14="http://schemas.microsoft.com/office/powerpoint/2010/main" val="1606047964"/>
       </p:ext>
     </p:extLst>
   </p:cSld>
@@ -11482,7 +10324,7 @@
           <a:p>
             <a:r>
               <a:rPr lang="en-US" dirty="0" smtClean="0"/>
-              <a:t>Configure Prefix Option</a:t>
+              <a:t>Deploying to the Target</a:t>
             </a:r>
             <a:endParaRPr lang="en-US" dirty="0"/>
           </a:p>
@@ -11504,30 +10346,32 @@
           <a:lstStyle/>
           <a:p>
             <a:r>
-              <a:rPr lang="en-US" dirty="0" smtClean="0"/>
-              <a:t>By using the configure prefix option you can alter the default location where configure installs libraries and applications.</a:t>
-            </a:r>
-          </a:p>
-          <a:p>
-            <a:r>
-              <a:rPr lang="en-US" dirty="0" smtClean="0"/>
-              <a:t>The syntax is:</a:t>
-            </a:r>
-          </a:p>
-          <a:p>
-            <a:pPr lvl="1"/>
-            <a:r>
-              <a:rPr lang="en-US" dirty="0" smtClean="0"/>
-              <a:t>./configure --prefix=&lt;new install location&gt;</a:t>
-            </a:r>
-            <a:endParaRPr lang="en-US" dirty="0"/>
+              <a:rPr lang="en-US" dirty="0"/>
+              <a:t>D</a:t>
+            </a:r>
+            <a:r>
+              <a:rPr lang="en-US" dirty="0" smtClean="0"/>
+              <a:t>ynamically linked libraries and headers that are used by applications must be in  the filesystem of the target</a:t>
+            </a:r>
+          </a:p>
+          <a:p>
+            <a:r>
+              <a:rPr lang="en-US" dirty="0" smtClean="0"/>
+              <a:t>If the libraries (and the headers) are in the cross-compiler system they may not be visible to the target</a:t>
+            </a:r>
+          </a:p>
+          <a:p>
+            <a:r>
+              <a:rPr lang="en-US" dirty="0" smtClean="0"/>
+              <a:t>The user must copy the contents of the directory where the libraries and headers are into the file system of the target (either ramfs, or mount or any other file system location)</a:t>
+            </a:r>
           </a:p>
         </p:txBody>
       </p:sp>
     </p:spTree>
     <p:extLst>
       <p:ext uri="{BB962C8B-B14F-4D97-AF65-F5344CB8AC3E}">
-        <p14:creationId xmlns="" xmlns:p14="http://schemas.microsoft.com/office/powerpoint/2010/main" val="1606047964"/>
+        <p14:creationId xmlns:p14="http://schemas.microsoft.com/office/powerpoint/2010/main" val="2857472275"/>
       </p:ext>
     </p:extLst>
   </p:cSld>
@@ -11576,104 +10420,6 @@
           <a:bodyPr/>
           <a:lstStyle/>
           <a:p>
-            <a:r>
-              <a:rPr lang="en-US" dirty="0" smtClean="0"/>
-              <a:t>Deploying to the Target</a:t>
-            </a:r>
-            <a:endParaRPr lang="en-US" dirty="0"/>
-          </a:p>
-        </p:txBody>
-      </p:sp>
-      <p:sp>
-        <p:nvSpPr>
-          <p:cNvPr id="3" name="Content Placeholder 2"/>
-          <p:cNvSpPr>
-            <a:spLocks noGrp="1"/>
-          </p:cNvSpPr>
-          <p:nvPr>
-            <p:ph idx="1"/>
-          </p:nvPr>
-        </p:nvSpPr>
-        <p:spPr/>
-        <p:txBody>
-          <a:bodyPr/>
-          <a:lstStyle/>
-          <a:p>
-            <a:r>
-              <a:rPr lang="en-US" dirty="0"/>
-              <a:t>D</a:t>
-            </a:r>
-            <a:r>
-              <a:rPr lang="en-US" dirty="0" smtClean="0"/>
-              <a:t>ynamically linked libraries and headers that are used by applications must be in  the filesystem of the target</a:t>
-            </a:r>
-          </a:p>
-          <a:p>
-            <a:r>
-              <a:rPr lang="en-US" dirty="0" smtClean="0"/>
-              <a:t>If the libraries (and the headers) are in the cross-compiler system they may not be visible to the target</a:t>
-            </a:r>
-          </a:p>
-          <a:p>
-            <a:r>
-              <a:rPr lang="en-US" dirty="0" smtClean="0"/>
-              <a:t>The user must copy the contents of the directory where the libraries and headers are into the file system of the target (either ramfs, or mount or any other file system location)</a:t>
-            </a:r>
-          </a:p>
-        </p:txBody>
-      </p:sp>
-    </p:spTree>
-    <p:extLst>
-      <p:ext uri="{BB962C8B-B14F-4D97-AF65-F5344CB8AC3E}">
-        <p14:creationId xmlns="" xmlns:p14="http://schemas.microsoft.com/office/powerpoint/2010/main" val="2857472275"/>
-      </p:ext>
-    </p:extLst>
-  </p:cSld>
-  <p:clrMapOvr>
-    <a:masterClrMapping/>
-  </p:clrMapOvr>
-  <p:timing>
-    <p:tnLst>
-      <p:par>
-        <p:cTn id="1" dur="indefinite" restart="never" nodeType="tmRoot"/>
-      </p:par>
-    </p:tnLst>
-  </p:timing>
-</p:sld>
-</file>
-
-<file path=ppt/slides/slide36.xml><?xml version="1.0" encoding="utf-8"?>
-<p:sld xmlns:a="http://schemas.openxmlformats.org/drawingml/2006/main" xmlns:r="http://schemas.openxmlformats.org/officeDocument/2006/relationships" xmlns:p="http://schemas.openxmlformats.org/presentationml/2006/main">
-  <p:cSld>
-    <p:spTree>
-      <p:nvGrpSpPr>
-        <p:cNvPr id="1" name=""/>
-        <p:cNvGrpSpPr/>
-        <p:nvPr/>
-      </p:nvGrpSpPr>
-      <p:grpSpPr>
-        <a:xfrm>
-          <a:off x="0" y="0"/>
-          <a:ext cx="0" cy="0"/>
-          <a:chOff x="0" y="0"/>
-          <a:chExt cx="0" cy="0"/>
-        </a:xfrm>
-      </p:grpSpPr>
-      <p:sp>
-        <p:nvSpPr>
-          <p:cNvPr id="2" name="Title 1"/>
-          <p:cNvSpPr>
-            <a:spLocks noGrp="1"/>
-          </p:cNvSpPr>
-          <p:nvPr>
-            <p:ph type="title"/>
-          </p:nvPr>
-        </p:nvSpPr>
-        <p:spPr/>
-        <p:txBody>
-          <a:bodyPr/>
-          <a:lstStyle/>
-          <a:p>
             <a:pPr algn="ctr"/>
             <a:r>
               <a:rPr lang="en-US" dirty="0" smtClean="0"/>
@@ -11776,7 +10522,7 @@
     </p:spTree>
     <p:extLst>
       <p:ext uri="{BB962C8B-B14F-4D97-AF65-F5344CB8AC3E}">
-        <p14:creationId xmlns="" xmlns:p14="http://schemas.microsoft.com/office/powerpoint/2010/main" val="31178311"/>
+        <p14:creationId xmlns:p14="http://schemas.microsoft.com/office/powerpoint/2010/main" val="31178311"/>
       </p:ext>
     </p:extLst>
   </p:cSld>
@@ -12061,6 +10807,168 @@
 </p:sld>
 </file>
 
+<file path=ppt/slides/slide36.xml><?xml version="1.0" encoding="utf-8"?>
+<p:sld xmlns:a="http://schemas.openxmlformats.org/drawingml/2006/main" xmlns:r="http://schemas.openxmlformats.org/officeDocument/2006/relationships" xmlns:p="http://schemas.openxmlformats.org/presentationml/2006/main">
+  <p:cSld>
+    <p:spTree>
+      <p:nvGrpSpPr>
+        <p:cNvPr id="1" name=""/>
+        <p:cNvGrpSpPr/>
+        <p:nvPr/>
+      </p:nvGrpSpPr>
+      <p:grpSpPr>
+        <a:xfrm>
+          <a:off x="0" y="0"/>
+          <a:ext cx="0" cy="0"/>
+          <a:chOff x="0" y="0"/>
+          <a:chExt cx="0" cy="0"/>
+        </a:xfrm>
+      </p:grpSpPr>
+      <p:sp>
+        <p:nvSpPr>
+          <p:cNvPr id="2" name="Title 1"/>
+          <p:cNvSpPr>
+            <a:spLocks noGrp="1"/>
+          </p:cNvSpPr>
+          <p:nvPr>
+            <p:ph type="title"/>
+          </p:nvPr>
+        </p:nvSpPr>
+        <p:spPr/>
+        <p:txBody>
+          <a:bodyPr>
+            <a:normAutofit/>
+          </a:bodyPr>
+          <a:lstStyle/>
+          <a:p>
+            <a:pPr algn="ctr"/>
+            <a:r>
+              <a:rPr lang="en-US" dirty="0" smtClean="0"/>
+              <a:t>Issues with Cross Compiling</a:t>
+            </a:r>
+            <a:endParaRPr lang="en-US" dirty="0"/>
+          </a:p>
+        </p:txBody>
+      </p:sp>
+      <p:sp>
+        <p:nvSpPr>
+          <p:cNvPr id="3" name="Content Placeholder 2"/>
+          <p:cNvSpPr>
+            <a:spLocks noGrp="1"/>
+          </p:cNvSpPr>
+          <p:nvPr>
+            <p:ph idx="1"/>
+          </p:nvPr>
+        </p:nvSpPr>
+        <p:spPr/>
+        <p:txBody>
+          <a:bodyPr/>
+          <a:lstStyle/>
+          <a:p>
+            <a:pPr marL="0" indent="0">
+              <a:buNone/>
+            </a:pPr>
+            <a:r>
+              <a:rPr lang="en-US" dirty="0" smtClean="0"/>
+              <a:t>Cross compiling problems are when:</a:t>
+            </a:r>
+          </a:p>
+          <a:p>
+            <a:pPr marL="457200" indent="-457200">
+              <a:buFont typeface="+mj-lt"/>
+              <a:buAutoNum type="arabicPeriod"/>
+            </a:pPr>
+            <a:r>
+              <a:rPr lang="en-US" dirty="0"/>
+              <a:t>Cross compiling is less common than natively </a:t>
+            </a:r>
+            <a:r>
+              <a:rPr lang="en-US" dirty="0" smtClean="0"/>
+              <a:t>compiling</a:t>
+            </a:r>
+          </a:p>
+          <a:p>
+            <a:pPr marL="457200" indent="-457200">
+              <a:buFont typeface="+mj-lt"/>
+              <a:buAutoNum type="arabicPeriod"/>
+            </a:pPr>
+            <a:r>
+              <a:rPr lang="en-US" dirty="0" smtClean="0"/>
+              <a:t>Programs aren’t developed to be portable.</a:t>
+            </a:r>
+          </a:p>
+          <a:p>
+            <a:pPr marL="457200" indent="-457200">
+              <a:buFont typeface="+mj-lt"/>
+              <a:buAutoNum type="arabicPeriod"/>
+            </a:pPr>
+            <a:r>
+              <a:rPr lang="en-US" dirty="0" smtClean="0"/>
+              <a:t>Programs may require host tools to be build before the actual application or library can be built:</a:t>
+            </a:r>
+          </a:p>
+          <a:p>
+            <a:pPr marL="804862" lvl="1" indent="-457200">
+              <a:buFont typeface="+mj-lt"/>
+              <a:buAutoNum type="arabicPeriod"/>
+            </a:pPr>
+            <a:r>
+              <a:rPr lang="en-US" dirty="0" smtClean="0"/>
+              <a:t>Example: Qt and Python</a:t>
+            </a:r>
+          </a:p>
+          <a:p>
+            <a:pPr marL="457200" indent="-457200">
+              <a:buFont typeface="+mj-lt"/>
+              <a:buAutoNum type="arabicPeriod"/>
+            </a:pPr>
+            <a:r>
+              <a:rPr lang="en-US" dirty="0" smtClean="0"/>
+              <a:t>Programs uses some build system that isn’t cross compiling friendly.</a:t>
+            </a:r>
+          </a:p>
+          <a:p>
+            <a:pPr marL="457200" indent="-457200">
+              <a:buFont typeface="+mj-lt"/>
+              <a:buAutoNum type="arabicPeriod"/>
+            </a:pPr>
+            <a:r>
+              <a:rPr lang="en-US" dirty="0" smtClean="0"/>
+              <a:t>Developer doesn’t follow the proper standard for the build system to make things portable.</a:t>
+            </a:r>
+          </a:p>
+          <a:p>
+            <a:pPr marL="457200" indent="-457200">
+              <a:buFont typeface="+mj-lt"/>
+              <a:buAutoNum type="arabicPeriod"/>
+            </a:pPr>
+            <a:r>
+              <a:rPr lang="en-US" dirty="0" smtClean="0"/>
+              <a:t>For each large application or library it may take different steps to compile successfully.</a:t>
+            </a:r>
+          </a:p>
+        </p:txBody>
+      </p:sp>
+    </p:spTree>
+    <p:extLst>
+      <p:ext uri="{BB962C8B-B14F-4D97-AF65-F5344CB8AC3E}">
+        <p14:creationId xmlns:p14="http://schemas.microsoft.com/office/powerpoint/2010/main" val="1989093450"/>
+      </p:ext>
+    </p:extLst>
+  </p:cSld>
+  <p:clrMapOvr>
+    <a:masterClrMapping/>
+  </p:clrMapOvr>
+  <p:timing>
+    <p:tnLst>
+      <p:par>
+        <p:cTn id="1" dur="indefinite" restart="never" nodeType="tmRoot"/>
+      </p:par>
+    </p:tnLst>
+  </p:timing>
+</p:sld>
+</file>
+
 <file path=ppt/slides/slide37.xml><?xml version="1.0" encoding="utf-8"?>
 <p:sld xmlns:a="http://schemas.openxmlformats.org/drawingml/2006/main" xmlns:r="http://schemas.openxmlformats.org/officeDocument/2006/relationships" xmlns:p="http://schemas.openxmlformats.org/presentationml/2006/main">
   <p:cSld>
@@ -12090,15 +10998,13 @@
         </p:nvSpPr>
         <p:spPr/>
         <p:txBody>
-          <a:bodyPr>
-            <a:normAutofit/>
-          </a:bodyPr>
+          <a:bodyPr/>
           <a:lstStyle/>
           <a:p>
             <a:pPr algn="ctr"/>
             <a:r>
               <a:rPr lang="en-US" dirty="0" smtClean="0"/>
-              <a:t>Issues with Cross Compiling</a:t>
+              <a:t>Native Compiling</a:t>
             </a:r>
             <a:endParaRPr lang="en-US" dirty="0"/>
           </a:p>
@@ -12116,97 +11022,81 @@
         </p:nvSpPr>
         <p:spPr/>
         <p:txBody>
-          <a:bodyPr/>
+          <a:bodyPr>
+            <a:normAutofit/>
+          </a:bodyPr>
           <a:lstStyle/>
           <a:p>
-            <a:pPr marL="0" indent="0">
-              <a:buNone/>
-            </a:pPr>
-            <a:r>
-              <a:rPr lang="en-US" dirty="0" smtClean="0"/>
-              <a:t>Cross compiling problems are when:</a:t>
-            </a:r>
-          </a:p>
-          <a:p>
-            <a:pPr marL="457200" indent="-457200">
-              <a:buFont typeface="+mj-lt"/>
-              <a:buAutoNum type="arabicPeriod"/>
-            </a:pPr>
-            <a:r>
-              <a:rPr lang="en-US" dirty="0"/>
-              <a:t>Cross compiling is less common than natively </a:t>
-            </a:r>
-            <a:r>
-              <a:rPr lang="en-US" dirty="0" smtClean="0"/>
-              <a:t>compiling</a:t>
-            </a:r>
-          </a:p>
-          <a:p>
-            <a:pPr marL="457200" indent="-457200">
-              <a:buFont typeface="+mj-lt"/>
-              <a:buAutoNum type="arabicPeriod"/>
-            </a:pPr>
-            <a:r>
-              <a:rPr lang="en-US" dirty="0" smtClean="0"/>
-              <a:t>Programs aren’t developed to be portable.</a:t>
-            </a:r>
-          </a:p>
-          <a:p>
-            <a:pPr marL="457200" indent="-457200">
-              <a:buFont typeface="+mj-lt"/>
-              <a:buAutoNum type="arabicPeriod"/>
-            </a:pPr>
-            <a:r>
-              <a:rPr lang="en-US" dirty="0" smtClean="0"/>
-              <a:t>Programs may require host tools to be build before the actual application or library can be built:</a:t>
-            </a:r>
-          </a:p>
-          <a:p>
-            <a:pPr marL="804862" lvl="1" indent="-457200">
-              <a:buFont typeface="+mj-lt"/>
-              <a:buAutoNum type="arabicPeriod"/>
-            </a:pPr>
-            <a:r>
-              <a:rPr lang="en-US" dirty="0" smtClean="0"/>
-              <a:t>Example: Qt and Python</a:t>
-            </a:r>
-          </a:p>
-          <a:p>
-            <a:pPr marL="457200" indent="-457200">
-              <a:buFont typeface="+mj-lt"/>
-              <a:buAutoNum type="arabicPeriod"/>
-            </a:pPr>
-            <a:r>
-              <a:rPr lang="en-US" dirty="0" smtClean="0"/>
-              <a:t>Programs uses some build system that isn’t cross compiling friendly.</a:t>
-            </a:r>
-          </a:p>
-          <a:p>
-            <a:pPr marL="457200" indent="-457200">
-              <a:buFont typeface="+mj-lt"/>
-              <a:buAutoNum type="arabicPeriod"/>
-            </a:pPr>
-            <a:r>
-              <a:rPr lang="en-US" dirty="0" smtClean="0"/>
-              <a:t>Developer doesn’t follow the proper standard for the build system to make things portable.</a:t>
-            </a:r>
-          </a:p>
-          <a:p>
-            <a:pPr marL="457200" indent="-457200">
-              <a:buFont typeface="+mj-lt"/>
-              <a:buAutoNum type="arabicPeriod"/>
-            </a:pPr>
-            <a:r>
-              <a:rPr lang="en-US" dirty="0" smtClean="0"/>
-              <a:t>For each large application or library it may take different steps to compile successfully.</a:t>
-            </a:r>
+            <a:r>
+              <a:rPr lang="en-US" dirty="0" smtClean="0"/>
+              <a:t>Building the executable on the target (The same machine that the code will run on)</a:t>
+            </a:r>
+          </a:p>
+          <a:p>
+            <a:r>
+              <a:rPr lang="en-US" dirty="0" smtClean="0"/>
+              <a:t>Benefits:</a:t>
+            </a:r>
+          </a:p>
+          <a:p>
+            <a:pPr lvl="1"/>
+            <a:r>
+              <a:rPr lang="en-US" dirty="0" smtClean="0"/>
+              <a:t>Don’t worry about host contamination</a:t>
+            </a:r>
+          </a:p>
+          <a:p>
+            <a:pPr lvl="1"/>
+            <a:r>
+              <a:rPr lang="en-US" dirty="0" smtClean="0"/>
+              <a:t>Native compiling is simpler and requires less configurations and settings</a:t>
+            </a:r>
+            <a:endParaRPr lang="en-US" dirty="0"/>
+          </a:p>
+          <a:p>
+            <a:r>
+              <a:rPr lang="en-US" dirty="0" smtClean="0"/>
+              <a:t>Draw Backs:</a:t>
+            </a:r>
+          </a:p>
+          <a:p>
+            <a:pPr lvl="1"/>
+            <a:r>
+              <a:rPr lang="en-US" dirty="0" smtClean="0"/>
+              <a:t>Building on an embedded device will be a lot slower than even building on a PC.</a:t>
+            </a:r>
+          </a:p>
+          <a:p>
+            <a:pPr lvl="2"/>
+            <a:r>
+              <a:rPr lang="en-US" dirty="0" smtClean="0"/>
+              <a:t>Building Qt on a PC takes about 3+ hours. Building it on the Beaglebone can take 14+ hrs</a:t>
+            </a:r>
+          </a:p>
+          <a:p>
+            <a:pPr lvl="1"/>
+            <a:r>
+              <a:rPr lang="en-US" dirty="0" smtClean="0"/>
+              <a:t>Compiling may fail due to a lack of memory.</a:t>
+            </a:r>
+          </a:p>
+          <a:p>
+            <a:pPr lvl="1"/>
+            <a:r>
+              <a:rPr lang="en-US" dirty="0" smtClean="0"/>
+              <a:t>Some distributions don’t provide the tool chain so it isn’t an option.</a:t>
+            </a:r>
+          </a:p>
+          <a:p>
+            <a:pPr lvl="1"/>
+            <a:endParaRPr lang="en-US" dirty="0" smtClean="0"/>
           </a:p>
         </p:txBody>
       </p:sp>
     </p:spTree>
     <p:extLst>
       <p:ext uri="{BB962C8B-B14F-4D97-AF65-F5344CB8AC3E}">
-        <p14:creationId xmlns="" xmlns:p14="http://schemas.microsoft.com/office/powerpoint/2010/main" val="1989093450"/>
+        <p14:creationId xmlns:p14="http://schemas.microsoft.com/office/powerpoint/2010/main" val="57184817"/>
       </p:ext>
     </p:extLst>
   </p:cSld>
@@ -12258,7 +11148,7 @@
             <a:pPr algn="ctr"/>
             <a:r>
               <a:rPr lang="en-US" dirty="0" smtClean="0"/>
-              <a:t>Native Compiling</a:t>
+              <a:t>Different Approach – Build your own distribution</a:t>
             </a:r>
             <a:endParaRPr lang="en-US" dirty="0"/>
           </a:p>
@@ -12281,9 +11171,69 @@
           </a:bodyPr>
           <a:lstStyle/>
           <a:p>
-            <a:r>
-              <a:rPr lang="en-US" dirty="0" smtClean="0"/>
-              <a:t>Building the executable on the target (The same machine that the code will run on)</a:t>
+            <a:pPr marL="0" indent="0">
+              <a:buNone/>
+            </a:pPr>
+            <a:r>
+              <a:rPr lang="en-US" dirty="0" smtClean="0"/>
+              <a:t>Open embedded/Yocto project </a:t>
+            </a:r>
+            <a:r>
+              <a:rPr lang="en-US" dirty="0"/>
+              <a:t> </a:t>
+            </a:r>
+            <a:r>
+              <a:rPr lang="en-US" dirty="0" smtClean="0"/>
+              <a:t>is used to create distribution file system for any architecture</a:t>
+            </a:r>
+          </a:p>
+          <a:p>
+            <a:pPr marL="804862" lvl="1" indent="-457200">
+              <a:buFont typeface="+mj-lt"/>
+              <a:buAutoNum type="arabicPeriod"/>
+            </a:pPr>
+            <a:r>
+              <a:rPr lang="en-US" dirty="0"/>
+              <a:t>A </a:t>
+            </a:r>
+            <a:r>
+              <a:rPr lang="en-US" dirty="0" smtClean="0"/>
+              <a:t>‘recipe” scripts </a:t>
+            </a:r>
+            <a:r>
+              <a:rPr lang="en-US" dirty="0"/>
+              <a:t>contains all the information </a:t>
+            </a:r>
+            <a:r>
+              <a:rPr lang="en-US" dirty="0" smtClean="0"/>
+              <a:t>that is required </a:t>
+            </a:r>
+            <a:r>
+              <a:rPr lang="en-US" dirty="0"/>
+              <a:t>to build applications </a:t>
+            </a:r>
+            <a:r>
+              <a:rPr lang="en-US" dirty="0" smtClean="0"/>
+              <a:t>and </a:t>
+            </a:r>
+            <a:r>
+              <a:rPr lang="en-US" dirty="0"/>
+              <a:t>libraries.</a:t>
+            </a:r>
+          </a:p>
+          <a:p>
+            <a:pPr lvl="2"/>
+            <a:r>
+              <a:rPr lang="en-US" dirty="0" smtClean="0"/>
+              <a:t>There are Over 2000</a:t>
+            </a:r>
+            <a:r>
+              <a:rPr lang="en-US" dirty="0"/>
+              <a:t> </a:t>
+            </a:r>
+            <a:r>
+              <a:rPr lang="en-US" dirty="0" smtClean="0"/>
+              <a:t>for different systems</a:t>
             </a:r>
           </a:p>
           <a:p>
@@ -12293,53 +11243,75 @@
             </a:r>
           </a:p>
           <a:p>
-            <a:pPr lvl="1"/>
-            <a:r>
-              <a:rPr lang="en-US" dirty="0" smtClean="0"/>
-              <a:t>Don’t worry about host contamination</a:t>
-            </a:r>
-          </a:p>
-          <a:p>
-            <a:pPr lvl="1"/>
-            <a:r>
-              <a:rPr lang="en-US" dirty="0" smtClean="0"/>
-              <a:t>Native compiling is simpler and requires less configurations and settings</a:t>
-            </a:r>
-            <a:endParaRPr lang="en-US" dirty="0"/>
-          </a:p>
-          <a:p>
-            <a:r>
-              <a:rPr lang="en-US" dirty="0" smtClean="0"/>
-              <a:t>Draw Backs:</a:t>
-            </a:r>
-          </a:p>
-          <a:p>
-            <a:pPr lvl="1"/>
-            <a:r>
-              <a:rPr lang="en-US" dirty="0" smtClean="0"/>
-              <a:t>Building on an embedded device will be a lot slower than even building on a PC.</a:t>
-            </a:r>
-          </a:p>
-          <a:p>
-            <a:pPr lvl="2"/>
-            <a:r>
-              <a:rPr lang="en-US" dirty="0" smtClean="0"/>
-              <a:t>Building Qt on a PC takes about 3+ hours. Building it on the Beaglebone can take 14+ hrs</a:t>
-            </a:r>
-          </a:p>
-          <a:p>
-            <a:pPr lvl="1"/>
-            <a:r>
-              <a:rPr lang="en-US" dirty="0" smtClean="0"/>
-              <a:t>Compiling may fail due to a lack of memory.</a:t>
-            </a:r>
-          </a:p>
-          <a:p>
-            <a:pPr lvl="1"/>
-            <a:r>
-              <a:rPr lang="en-US" dirty="0" smtClean="0"/>
-              <a:t>Some distributions don’t provide the tool chain so it isn’t an option.</a:t>
-            </a:r>
+            <a:pPr marL="804862" lvl="1" indent="-457200">
+              <a:buFont typeface="+mj-lt"/>
+              <a:buAutoNum type="arabicPeriod"/>
+            </a:pPr>
+            <a:r>
+              <a:rPr lang="en-US" dirty="0" smtClean="0"/>
+              <a:t>Open embedded makes handling dependencies simple.</a:t>
+            </a:r>
+          </a:p>
+          <a:p>
+            <a:pPr marL="804862" lvl="1" indent="-457200">
+              <a:buFont typeface="+mj-lt"/>
+              <a:buAutoNum type="arabicPeriod"/>
+            </a:pPr>
+            <a:r>
+              <a:rPr lang="en-US" dirty="0"/>
+              <a:t>Easy updating or </a:t>
+            </a:r>
+            <a:r>
+              <a:rPr lang="en-US" dirty="0" smtClean="0"/>
+              <a:t>Upgrading software </a:t>
+            </a:r>
+          </a:p>
+          <a:p>
+            <a:pPr marL="804862" lvl="1" indent="-457200">
+              <a:buFont typeface="+mj-lt"/>
+              <a:buAutoNum type="arabicPeriod"/>
+            </a:pPr>
+            <a:r>
+              <a:rPr lang="en-US" dirty="0" smtClean="0"/>
+              <a:t>Reproducing the entire file system is easy.</a:t>
+            </a:r>
+          </a:p>
+          <a:p>
+            <a:pPr marL="804862" lvl="1" indent="-457200">
+              <a:buFont typeface="+mj-lt"/>
+              <a:buAutoNum type="arabicPeriod"/>
+            </a:pPr>
+            <a:r>
+              <a:rPr lang="en-US" dirty="0" smtClean="0"/>
+              <a:t>Sitara provides a good starting point to use.</a:t>
+            </a:r>
+          </a:p>
+          <a:p>
+            <a:pPr marL="804862" lvl="1" indent="-457200">
+              <a:buFont typeface="+mj-lt"/>
+              <a:buAutoNum type="arabicPeriod"/>
+            </a:pPr>
+            <a:r>
+              <a:rPr lang="en-US" dirty="0" smtClean="0"/>
+              <a:t>Handles licenses restrictions for you easily!</a:t>
+            </a:r>
+          </a:p>
+          <a:p>
+            <a:pPr marL="804862" lvl="1" indent="-457200">
+              <a:buFont typeface="+mj-lt"/>
+              <a:buAutoNum type="arabicPeriod"/>
+            </a:pPr>
+            <a:r>
+              <a:rPr lang="en-US" dirty="0" smtClean="0"/>
+              <a:t>FREE!!!!!!!</a:t>
+            </a:r>
+          </a:p>
+          <a:p>
+            <a:pPr marL="804862" lvl="1" indent="-457200">
+              <a:buFont typeface="+mj-lt"/>
+              <a:buAutoNum type="arabicPeriod"/>
+            </a:pPr>
+            <a:endParaRPr lang="en-US" dirty="0" smtClean="0"/>
           </a:p>
           <a:p>
             <a:pPr lvl="1"/>
@@ -12350,7 +11322,7 @@
     </p:spTree>
     <p:extLst>
       <p:ext uri="{BB962C8B-B14F-4D97-AF65-F5344CB8AC3E}">
-        <p14:creationId xmlns="" xmlns:p14="http://schemas.microsoft.com/office/powerpoint/2010/main" val="57184817"/>
+        <p14:creationId xmlns:p14="http://schemas.microsoft.com/office/powerpoint/2010/main" val="385774604"/>
       </p:ext>
     </p:extLst>
   </p:cSld>
@@ -12386,9 +11358,9 @@
       </p:grpSpPr>
       <p:sp>
         <p:nvSpPr>
-          <p:cNvPr id="2" name="Title 1"/>
+          <p:cNvPr id="79874" name="Rectangle 2"/>
           <p:cNvSpPr>
-            <a:spLocks noGrp="1"/>
+            <a:spLocks noGrp="1" noChangeArrowheads="1"/>
           </p:cNvSpPr>
           <p:nvPr>
             <p:ph type="title"/>
@@ -12399,10 +11371,9 @@
           <a:bodyPr/>
           <a:lstStyle/>
           <a:p>
-            <a:pPr algn="ctr"/>
-            <a:r>
-              <a:rPr lang="en-US" dirty="0" smtClean="0"/>
-              <a:t>Different Approach – Build your own distribution</a:t>
+            <a:r>
+              <a:rPr lang="en-US" dirty="0" smtClean="0"/>
+              <a:t>For More Information</a:t>
             </a:r>
             <a:endParaRPr lang="en-US" dirty="0"/>
           </a:p>
@@ -12410,186 +11381,155 @@
       </p:sp>
       <p:sp>
         <p:nvSpPr>
-          <p:cNvPr id="3" name="Content Placeholder 2"/>
+          <p:cNvPr id="79875" name="Rectangle 3"/>
           <p:cNvSpPr>
-            <a:spLocks noGrp="1"/>
+            <a:spLocks noGrp="1" noChangeArrowheads="1"/>
           </p:cNvSpPr>
           <p:nvPr>
-            <p:ph idx="1"/>
+            <p:ph type="body" idx="1"/>
           </p:nvPr>
         </p:nvSpPr>
-        <p:spPr/>
+        <p:spPr>
+          <a:xfrm>
+            <a:off x="609600" y="1219200"/>
+            <a:ext cx="7924800" cy="4876800"/>
+          </a:xfrm>
+        </p:spPr>
         <p:txBody>
-          <a:bodyPr>
-            <a:normAutofit/>
-          </a:bodyPr>
+          <a:bodyPr/>
           <a:lstStyle/>
           <a:p>
-            <a:pPr marL="0" indent="0">
-              <a:buNone/>
-            </a:pPr>
-            <a:r>
-              <a:rPr lang="en-US" dirty="0" smtClean="0"/>
-              <a:t>Open embedded/Yocto project </a:t>
-            </a:r>
-            <a:r>
-              <a:rPr lang="en-US" dirty="0"/>
+            <a:r>
+              <a:rPr lang="en-US" sz="2400" dirty="0" err="1" smtClean="0"/>
+              <a:t>Sitara</a:t>
+            </a:r>
+            <a:r>
+              <a:rPr lang="en-US" sz="2400" dirty="0" smtClean="0"/>
+              <a:t> Linux Software Developer's Guide:</a:t>
+            </a:r>
+            <a:br>
+              <a:rPr lang="en-US" sz="2400" dirty="0" smtClean="0"/>
+            </a:br>
+            <a:r>
+              <a:rPr lang="en-US" sz="2400" dirty="0" smtClean="0">
+                <a:hlinkClick r:id="rId3"/>
+              </a:rPr>
+              <a:t>http://</a:t>
+            </a:r>
+            <a:r>
+              <a:rPr lang="en-US" sz="2400" dirty="0" err="1" smtClean="0">
+                <a:hlinkClick r:id="rId3"/>
+              </a:rPr>
+              <a:t>processors.wiki.ti.com</a:t>
+            </a:r>
+            <a:r>
+              <a:rPr lang="en-US" sz="2400" dirty="0" smtClean="0">
+                <a:hlinkClick r:id="rId3"/>
+              </a:rPr>
+              <a:t>/</a:t>
+            </a:r>
+            <a:r>
+              <a:rPr lang="en-US" sz="2400" dirty="0" err="1" smtClean="0">
+                <a:hlinkClick r:id="rId3"/>
+              </a:rPr>
+              <a:t>index.php</a:t>
+            </a:r>
+            <a:r>
+              <a:rPr lang="en-US" sz="2400" dirty="0" smtClean="0">
+                <a:hlinkClick r:id="rId3"/>
+              </a:rPr>
+              <a:t>/</a:t>
+            </a:r>
+            <a:r>
+              <a:rPr lang="en-US" sz="2400" dirty="0" err="1" smtClean="0">
+                <a:hlinkClick r:id="rId3"/>
+              </a:rPr>
+              <a:t>Sitara_Linux_Software_Developer’s_Guide</a:t>
+            </a:r>
+            <a:r>
+              <a:rPr lang="en-US" sz="2400" dirty="0" smtClean="0"/>
               <a:t> </a:t>
             </a:r>
-            <a:r>
-              <a:rPr lang="en-US" dirty="0" smtClean="0"/>
-              <a:t>is used to create distribution file system for any architecture</a:t>
-            </a:r>
-          </a:p>
-          <a:p>
-            <a:pPr marL="804862" lvl="1" indent="-457200">
-              <a:buFont typeface="+mj-lt"/>
-              <a:buAutoNum type="arabicPeriod"/>
-            </a:pPr>
-            <a:r>
-              <a:rPr lang="en-US" dirty="0"/>
-              <a:t>A </a:t>
-            </a:r>
-            <a:r>
-              <a:rPr lang="en-US" dirty="0" smtClean="0"/>
-              <a:t>‘recipe” scripts </a:t>
-            </a:r>
-            <a:r>
-              <a:rPr lang="en-US" dirty="0"/>
-              <a:t>contains all the information </a:t>
-            </a:r>
-            <a:r>
-              <a:rPr lang="en-US" dirty="0" smtClean="0"/>
-              <a:t>that is required </a:t>
-            </a:r>
-            <a:r>
-              <a:rPr lang="en-US" dirty="0"/>
-              <a:t>to build applications </a:t>
-            </a:r>
-            <a:r>
-              <a:rPr lang="en-US" dirty="0" smtClean="0"/>
-              <a:t>and </a:t>
-            </a:r>
-            <a:r>
-              <a:rPr lang="en-US" dirty="0"/>
-              <a:t>libraries.</a:t>
-            </a:r>
-          </a:p>
-          <a:p>
-            <a:pPr lvl="2"/>
-            <a:r>
-              <a:rPr lang="en-US" dirty="0" smtClean="0"/>
-              <a:t>There are Over 2000</a:t>
-            </a:r>
-            <a:r>
-              <a:rPr lang="en-US" dirty="0"/>
+          </a:p>
+          <a:p>
+            <a:r>
+              <a:rPr lang="en-US" sz="2400" dirty="0" err="1" smtClean="0"/>
+              <a:t>Sitara</a:t>
+            </a:r>
+            <a:r>
+              <a:rPr lang="en-US" sz="2400" dirty="0" smtClean="0"/>
+              <a:t> Linux SDK GCC </a:t>
+            </a:r>
+            <a:r>
+              <a:rPr lang="en-US" sz="2400" dirty="0" err="1" smtClean="0"/>
+              <a:t>Toolchain</a:t>
+            </a:r>
+            <a:r>
+              <a:rPr lang="en-US" sz="2400" dirty="0" smtClean="0"/>
+              <a:t>:</a:t>
+            </a:r>
+            <a:br>
+              <a:rPr lang="en-US" sz="2400" dirty="0" smtClean="0"/>
+            </a:br>
+            <a:r>
+              <a:rPr lang="en-US" sz="2400" dirty="0" smtClean="0">
+                <a:hlinkClick r:id="rId4"/>
+              </a:rPr>
+              <a:t>http://processors.wiki.ti.com/index.php/Sitara_Linux_SDK_GCC_Toolchain</a:t>
+            </a:r>
+            <a:r>
+              <a:rPr lang="en-US" sz="2400" dirty="0" smtClean="0"/>
               <a:t> </a:t>
             </a:r>
-            <a:r>
-              <a:rPr lang="en-US" dirty="0" smtClean="0"/>
-              <a:t>for different systems</a:t>
-            </a:r>
-          </a:p>
-          <a:p>
-            <a:r>
-              <a:rPr lang="en-US" dirty="0" smtClean="0"/>
-              <a:t>Benefits:</a:t>
-            </a:r>
-          </a:p>
-          <a:p>
-            <a:pPr marL="804862" lvl="1" indent="-457200">
-              <a:buFont typeface="+mj-lt"/>
-              <a:buAutoNum type="arabicPeriod"/>
-            </a:pPr>
-            <a:r>
-              <a:rPr lang="en-US" dirty="0" smtClean="0"/>
-              <a:t>Open embedded makes handling dependencies simple.</a:t>
-            </a:r>
-          </a:p>
-          <a:p>
-            <a:pPr marL="804862" lvl="1" indent="-457200">
-              <a:buFont typeface="+mj-lt"/>
-              <a:buAutoNum type="arabicPeriod"/>
-            </a:pPr>
-            <a:r>
-              <a:rPr lang="en-US" dirty="0"/>
-              <a:t>Easy updating or </a:t>
-            </a:r>
-            <a:r>
-              <a:rPr lang="en-US" dirty="0" smtClean="0"/>
-              <a:t>Upgrading software </a:t>
-            </a:r>
-          </a:p>
-          <a:p>
-            <a:pPr marL="804862" lvl="1" indent="-457200">
-              <a:buFont typeface="+mj-lt"/>
-              <a:buAutoNum type="arabicPeriod"/>
-            </a:pPr>
-            <a:r>
-              <a:rPr lang="en-US" dirty="0" smtClean="0"/>
-              <a:t>Reproducing the entire file system is easy.</a:t>
-            </a:r>
-          </a:p>
-          <a:p>
-            <a:pPr marL="804862" lvl="1" indent="-457200">
-              <a:buFont typeface="+mj-lt"/>
-              <a:buAutoNum type="arabicPeriod"/>
-            </a:pPr>
-            <a:r>
-              <a:rPr lang="en-US" dirty="0" smtClean="0"/>
-              <a:t>Sitara provides a good starting point to use.</a:t>
-            </a:r>
-          </a:p>
-          <a:p>
-            <a:pPr marL="804862" lvl="1" indent="-457200">
-              <a:buFont typeface="+mj-lt"/>
-              <a:buAutoNum type="arabicPeriod"/>
-            </a:pPr>
-            <a:r>
-              <a:rPr lang="en-US" dirty="0" smtClean="0"/>
-              <a:t>Handles licenses restrictions for you easily!</a:t>
-            </a:r>
-          </a:p>
-          <a:p>
-            <a:pPr marL="804862" lvl="1" indent="-457200">
-              <a:buFont typeface="+mj-lt"/>
-              <a:buAutoNum type="arabicPeriod"/>
-            </a:pPr>
-            <a:r>
-              <a:rPr lang="en-US" dirty="0" smtClean="0"/>
-              <a:t>FREE!!!!!!!</a:t>
-            </a:r>
-          </a:p>
-          <a:p>
-            <a:pPr marL="804862" lvl="1" indent="-457200">
-              <a:buFont typeface="+mj-lt"/>
-              <a:buAutoNum type="arabicPeriod"/>
-            </a:pPr>
-            <a:endParaRPr lang="en-US" dirty="0" smtClean="0"/>
-          </a:p>
-          <a:p>
-            <a:pPr lvl="1"/>
-            <a:endParaRPr lang="en-US" dirty="0" smtClean="0"/>
+            <a:endParaRPr lang="en-US" sz="2400" dirty="0"/>
+          </a:p>
+          <a:p>
+            <a:r>
+              <a:rPr lang="en-US" sz="2400" dirty="0" smtClean="0"/>
+              <a:t>Linux EZ Software Development Kit (EZSDK) for </a:t>
+            </a:r>
+            <a:r>
+              <a:rPr lang="en-US" sz="2400" dirty="0" err="1" smtClean="0"/>
+              <a:t>Sitara</a:t>
+            </a:r>
+            <a:r>
+              <a:rPr lang="en-US" sz="2400" dirty="0" smtClean="0"/>
+              <a:t> Processors: </a:t>
+            </a:r>
+            <a:r>
+              <a:rPr lang="en-US" sz="2400" dirty="0" smtClean="0">
+                <a:hlinkClick r:id="rId5"/>
+              </a:rPr>
+              <a:t>http://www.ti.com/tool/linuxezsdk-sitara</a:t>
+            </a:r>
+            <a:r>
+              <a:rPr lang="en-US" sz="2400" dirty="0" smtClean="0"/>
+              <a:t> </a:t>
+            </a:r>
+          </a:p>
+          <a:p>
+            <a:r>
+              <a:rPr lang="en-US" sz="2400" dirty="0" smtClean="0"/>
+              <a:t>For questions regarding topics covered in this training, visit the support forums at the </a:t>
+            </a:r>
+            <a:r>
+              <a:rPr lang="en-US" sz="2400" dirty="0" smtClean="0">
+                <a:hlinkClick r:id="rId6"/>
+              </a:rPr>
+              <a:t>TI E2E Community</a:t>
+            </a:r>
+            <a:r>
+              <a:rPr lang="en-US" sz="2400" dirty="0" smtClean="0"/>
+              <a:t> website.</a:t>
+            </a:r>
           </a:p>
         </p:txBody>
       </p:sp>
     </p:spTree>
-    <p:extLst>
-      <p:ext uri="{BB962C8B-B14F-4D97-AF65-F5344CB8AC3E}">
-        <p14:creationId xmlns="" xmlns:p14="http://schemas.microsoft.com/office/powerpoint/2010/main" val="385774604"/>
-      </p:ext>
-    </p:extLst>
   </p:cSld>
   <p:clrMapOvr>
     <a:masterClrMapping/>
   </p:clrMapOvr>
-  <p:timing>
-    <p:tnLst>
-      <p:par>
-        <p:cTn id="1" dur="indefinite" restart="never" nodeType="tmRoot"/>
-      </p:par>
-    </p:tnLst>
-  </p:timing>
 </p:sld>
 </file>
 
@@ -12620,322 +11560,6 @@
             <p:ph type="title"/>
           </p:nvPr>
         </p:nvSpPr>
-        <p:spPr>
-          <a:xfrm>
-            <a:off x="231775" y="142874"/>
-            <a:ext cx="8458200" cy="1685925"/>
-          </a:xfrm>
-        </p:spPr>
-        <p:txBody>
-          <a:bodyPr/>
-          <a:lstStyle/>
-          <a:p>
-            <a:pPr algn="ctr"/>
-            <a:r>
-              <a:rPr lang="en-US" dirty="0" err="1" smtClean="0"/>
-              <a:t>Toolchain</a:t>
-            </a:r>
-            <a:r>
-              <a:rPr lang="en-US" dirty="0" smtClean="0"/>
-              <a:t> for </a:t>
-            </a:r>
-            <a:r>
-              <a:rPr lang="en-US" dirty="0" err="1" smtClean="0"/>
-              <a:t>Sitara</a:t>
-            </a:r>
-            <a:r>
-              <a:rPr lang="en-US" dirty="0" smtClean="0"/>
-              <a:t> Devices</a:t>
-            </a:r>
-            <a:br>
-              <a:rPr lang="en-US" dirty="0" smtClean="0"/>
-            </a:br>
-            <a:r>
-              <a:rPr lang="en-US" sz="2800" dirty="0" smtClean="0"/>
-              <a:t>(but it is true for other ARM based devices as well)</a:t>
-            </a:r>
-            <a:endParaRPr lang="en-US" sz="2800" dirty="0"/>
-          </a:p>
-        </p:txBody>
-      </p:sp>
-      <p:sp>
-        <p:nvSpPr>
-          <p:cNvPr id="3" name="Content Placeholder 2"/>
-          <p:cNvSpPr>
-            <a:spLocks noGrp="1"/>
-          </p:cNvSpPr>
-          <p:nvPr>
-            <p:ph idx="1"/>
-          </p:nvPr>
-        </p:nvSpPr>
-        <p:spPr>
-          <a:xfrm>
-            <a:off x="304800" y="1828800"/>
-            <a:ext cx="8467725" cy="2982913"/>
-          </a:xfrm>
-        </p:spPr>
-        <p:txBody>
-          <a:bodyPr>
-            <a:normAutofit/>
-          </a:bodyPr>
-          <a:lstStyle/>
-          <a:p>
-            <a:r>
-              <a:rPr lang="en-US" dirty="0" smtClean="0"/>
-              <a:t>A tool chain is a collection of programs used to compile and build applications or libraries and generally includes several additional tools useful for debugging or troubleshooting issues.</a:t>
-            </a:r>
-            <a:endParaRPr lang="en-US" dirty="0"/>
-          </a:p>
-          <a:p>
-            <a:r>
-              <a:rPr lang="en-US" dirty="0" smtClean="0"/>
-              <a:t>Starting with SDK 6.0 we have switched from using a GCC based tool chain built by TI and moved to a GCC based tool chain built by Linaro.</a:t>
-            </a:r>
-            <a:endParaRPr lang="en-US" dirty="0"/>
-          </a:p>
-        </p:txBody>
-      </p:sp>
-    </p:spTree>
-    <p:extLst>
-      <p:ext uri="{BB962C8B-B14F-4D97-AF65-F5344CB8AC3E}">
-        <p14:creationId xmlns="" xmlns:p14="http://schemas.microsoft.com/office/powerpoint/2010/main" val="944249140"/>
-      </p:ext>
-    </p:extLst>
-  </p:cSld>
-  <p:clrMapOvr>
-    <a:masterClrMapping/>
-  </p:clrMapOvr>
-  <p:timing>
-    <p:tnLst>
-      <p:par>
-        <p:cTn id="1" dur="indefinite" restart="never" nodeType="tmRoot"/>
-      </p:par>
-    </p:tnLst>
-  </p:timing>
-</p:sld>
-</file>
-
-<file path=ppt/slides/slide40.xml><?xml version="1.0" encoding="utf-8"?>
-<p:sld xmlns:a="http://schemas.openxmlformats.org/drawingml/2006/main" xmlns:r="http://schemas.openxmlformats.org/officeDocument/2006/relationships" xmlns:p="http://schemas.openxmlformats.org/presentationml/2006/main">
-  <p:cSld>
-    <p:spTree>
-      <p:nvGrpSpPr>
-        <p:cNvPr id="1" name=""/>
-        <p:cNvGrpSpPr/>
-        <p:nvPr/>
-      </p:nvGrpSpPr>
-      <p:grpSpPr>
-        <a:xfrm>
-          <a:off x="0" y="0"/>
-          <a:ext cx="0" cy="0"/>
-          <a:chOff x="0" y="0"/>
-          <a:chExt cx="0" cy="0"/>
-        </a:xfrm>
-      </p:grpSpPr>
-      <p:sp>
-        <p:nvSpPr>
-          <p:cNvPr id="79874" name="Rectangle 2"/>
-          <p:cNvSpPr>
-            <a:spLocks noGrp="1" noChangeArrowheads="1"/>
-          </p:cNvSpPr>
-          <p:nvPr>
-            <p:ph type="title"/>
-          </p:nvPr>
-        </p:nvSpPr>
-        <p:spPr/>
-        <p:txBody>
-          <a:bodyPr/>
-          <a:lstStyle/>
-          <a:p>
-            <a:r>
-              <a:rPr lang="en-US" dirty="0" smtClean="0"/>
-              <a:t>For More Information</a:t>
-            </a:r>
-            <a:endParaRPr lang="en-US" dirty="0"/>
-          </a:p>
-        </p:txBody>
-      </p:sp>
-      <p:sp>
-        <p:nvSpPr>
-          <p:cNvPr id="79875" name="Rectangle 3"/>
-          <p:cNvSpPr>
-            <a:spLocks noGrp="1" noChangeArrowheads="1"/>
-          </p:cNvSpPr>
-          <p:nvPr>
-            <p:ph type="body" idx="1"/>
-          </p:nvPr>
-        </p:nvSpPr>
-        <p:spPr>
-          <a:xfrm>
-            <a:off x="609600" y="1219200"/>
-            <a:ext cx="7924800" cy="4876800"/>
-          </a:xfrm>
-        </p:spPr>
-        <p:txBody>
-          <a:bodyPr/>
-          <a:lstStyle/>
-          <a:p>
-            <a:r>
-              <a:rPr lang="en-US" sz="2400" dirty="0" err="1" smtClean="0"/>
-              <a:t>Sitara</a:t>
-            </a:r>
-            <a:r>
-              <a:rPr lang="en-US" sz="2400" dirty="0" smtClean="0"/>
-              <a:t> Linux Software Developer's Guide:</a:t>
-            </a:r>
-            <a:br>
-              <a:rPr lang="en-US" sz="2400" dirty="0" smtClean="0"/>
-            </a:br>
-            <a:r>
-              <a:rPr lang="en-US" sz="2400" dirty="0" smtClean="0">
-                <a:hlinkClick r:id="rId3"/>
-              </a:rPr>
-              <a:t>http://</a:t>
-            </a:r>
-            <a:r>
-              <a:rPr lang="en-US" sz="2400" dirty="0" err="1" smtClean="0">
-                <a:hlinkClick r:id="rId3"/>
-              </a:rPr>
-              <a:t>processors.wiki.ti.com</a:t>
-            </a:r>
-            <a:r>
-              <a:rPr lang="en-US" sz="2400" dirty="0" smtClean="0">
-                <a:hlinkClick r:id="rId3"/>
-              </a:rPr>
-              <a:t>/</a:t>
-            </a:r>
-            <a:r>
-              <a:rPr lang="en-US" sz="2400" dirty="0" err="1" smtClean="0">
-                <a:hlinkClick r:id="rId3"/>
-              </a:rPr>
-              <a:t>index.php</a:t>
-            </a:r>
-            <a:r>
-              <a:rPr lang="en-US" sz="2400" dirty="0" smtClean="0">
-                <a:hlinkClick r:id="rId3"/>
-              </a:rPr>
-              <a:t>/</a:t>
-            </a:r>
-            <a:r>
-              <a:rPr lang="en-US" sz="2400" dirty="0" err="1" smtClean="0">
-                <a:hlinkClick r:id="rId3"/>
-              </a:rPr>
-              <a:t>Sitara_Linux_Software_Developer’s_Guide</a:t>
-            </a:r>
-            <a:r>
-              <a:rPr lang="en-US" sz="2400" dirty="0" smtClean="0"/>
-              <a:t> </a:t>
-            </a:r>
-          </a:p>
-          <a:p>
-            <a:r>
-              <a:rPr lang="en-US" sz="2400" dirty="0" err="1" smtClean="0"/>
-              <a:t>Sitara</a:t>
-            </a:r>
-            <a:r>
-              <a:rPr lang="en-US" sz="2400" dirty="0" smtClean="0"/>
-              <a:t> Linux SDK GCC </a:t>
-            </a:r>
-            <a:r>
-              <a:rPr lang="en-US" sz="2400" dirty="0" err="1" smtClean="0"/>
-              <a:t>Toolchain</a:t>
-            </a:r>
-            <a:r>
-              <a:rPr lang="en-US" sz="2400" dirty="0" smtClean="0"/>
-              <a:t>:</a:t>
-            </a:r>
-            <a:br>
-              <a:rPr lang="en-US" sz="2400" dirty="0" smtClean="0"/>
-            </a:br>
-            <a:r>
-              <a:rPr lang="en-US" sz="2400" dirty="0" smtClean="0">
-                <a:hlinkClick r:id="rId4"/>
-              </a:rPr>
-              <a:t>http://processors.wiki.ti.com/index.php/Sitara_Linux_SDK_GCC_Toolchain</a:t>
-            </a:r>
-            <a:r>
-              <a:rPr lang="en-US" sz="2400" dirty="0" smtClean="0"/>
-              <a:t> </a:t>
-            </a:r>
-            <a:endParaRPr lang="en-US" sz="2400" dirty="0"/>
-          </a:p>
-          <a:p>
-            <a:r>
-              <a:rPr lang="en-US" sz="2400" dirty="0" smtClean="0"/>
-              <a:t>Linux EZ Software Development Kit (EZSDK) for </a:t>
-            </a:r>
-            <a:r>
-              <a:rPr lang="en-US" sz="2400" dirty="0" err="1" smtClean="0"/>
-              <a:t>Sitara</a:t>
-            </a:r>
-            <a:r>
-              <a:rPr lang="en-US" sz="2400" dirty="0" smtClean="0"/>
-              <a:t> Processors: </a:t>
-            </a:r>
-            <a:r>
-              <a:rPr lang="en-US" sz="2400" dirty="0" smtClean="0">
-                <a:hlinkClick r:id="rId5"/>
-              </a:rPr>
-              <a:t>http://www.ti.com/tool/linuxezsdk-sitara</a:t>
-            </a:r>
-            <a:r>
-              <a:rPr lang="en-US" sz="2400" dirty="0" smtClean="0"/>
-              <a:t> </a:t>
-            </a:r>
-          </a:p>
-          <a:p>
-            <a:r>
-              <a:rPr lang="en-US" sz="2400" dirty="0" smtClean="0"/>
-              <a:t>For questions regarding topics covered in this training, visit the support forums at the </a:t>
-            </a:r>
-            <a:r>
-              <a:rPr lang="en-US" sz="2400" dirty="0" smtClean="0">
-                <a:hlinkClick r:id="rId6"/>
-              </a:rPr>
-              <a:t>TI E2E Community</a:t>
-            </a:r>
-            <a:r>
-              <a:rPr lang="en-US" sz="2400" dirty="0" smtClean="0"/>
-              <a:t> website.</a:t>
-            </a:r>
-          </a:p>
-        </p:txBody>
-      </p:sp>
-    </p:spTree>
-  </p:cSld>
-  <p:clrMapOvr>
-    <a:masterClrMapping/>
-  </p:clrMapOvr>
-</p:sld>
-</file>
-
-<file path=ppt/slides/slide5.xml><?xml version="1.0" encoding="utf-8"?>
-<p:sld xmlns:a="http://schemas.openxmlformats.org/drawingml/2006/main" xmlns:r="http://schemas.openxmlformats.org/officeDocument/2006/relationships" xmlns:p="http://schemas.openxmlformats.org/presentationml/2006/main">
-  <p:cSld>
-    <p:spTree>
-      <p:nvGrpSpPr>
-        <p:cNvPr id="1" name=""/>
-        <p:cNvGrpSpPr/>
-        <p:nvPr/>
-      </p:nvGrpSpPr>
-      <p:grpSpPr>
-        <a:xfrm>
-          <a:off x="0" y="0"/>
-          <a:ext cx="0" cy="0"/>
-          <a:chOff x="0" y="0"/>
-          <a:chExt cx="0" cy="0"/>
-        </a:xfrm>
-      </p:grpSpPr>
-      <p:sp>
-        <p:nvSpPr>
-          <p:cNvPr id="2" name="Title 1"/>
-          <p:cNvSpPr>
-            <a:spLocks noGrp="1"/>
-          </p:cNvSpPr>
-          <p:nvPr>
-            <p:ph type="title"/>
-          </p:nvPr>
-        </p:nvSpPr>
         <p:spPr/>
         <p:txBody>
           <a:bodyPr/>
@@ -13018,7 +11642,7 @@
           <a:blip r:embed="rId3" cstate="print">
             <a:extLst>
               <a:ext uri="{28A0092B-C50C-407E-A947-70E740481C1C}">
-                <a14:useLocalDpi xmlns="" xmlns:a14="http://schemas.microsoft.com/office/drawing/2010/main" val="0"/>
+                <a14:useLocalDpi xmlns:a14="http://schemas.microsoft.com/office/drawing/2010/main" val="0"/>
               </a:ext>
             </a:extLst>
           </a:blip>
@@ -13038,7 +11662,7 @@
           <a:noFill/>
           <a:extLst>
             <a:ext uri="{909E8E84-426E-40DD-AFC4-6F175D3DCCD1}">
-              <a14:hiddenFill xmlns="" xmlns:a14="http://schemas.microsoft.com/office/drawing/2010/main">
+              <a14:hiddenFill xmlns:a14="http://schemas.microsoft.com/office/drawing/2010/main">
                 <a:solidFill>
                   <a:srgbClr val="FFFFFF"/>
                 </a:solidFill>
@@ -13059,7 +11683,7 @@
           <a:blip r:embed="rId4" cstate="print">
             <a:extLst>
               <a:ext uri="{28A0092B-C50C-407E-A947-70E740481C1C}">
-                <a14:useLocalDpi xmlns="" xmlns:a14="http://schemas.microsoft.com/office/drawing/2010/main" val="0"/>
+                <a14:useLocalDpi xmlns:a14="http://schemas.microsoft.com/office/drawing/2010/main" val="0"/>
               </a:ext>
             </a:extLst>
           </a:blip>
@@ -13079,7 +11703,7 @@
           <a:noFill/>
           <a:extLst>
             <a:ext uri="{909E8E84-426E-40DD-AFC4-6F175D3DCCD1}">
-              <a14:hiddenFill xmlns="" xmlns:a14="http://schemas.microsoft.com/office/drawing/2010/main">
+              <a14:hiddenFill xmlns:a14="http://schemas.microsoft.com/office/drawing/2010/main">
                 <a:solidFill>
                   <a:srgbClr val="FFFFFF"/>
                 </a:solidFill>
@@ -13100,7 +11724,7 @@
           <a:blip r:embed="rId3" cstate="print">
             <a:extLst>
               <a:ext uri="{28A0092B-C50C-407E-A947-70E740481C1C}">
-                <a14:useLocalDpi xmlns="" xmlns:a14="http://schemas.microsoft.com/office/drawing/2010/main" val="0"/>
+                <a14:useLocalDpi xmlns:a14="http://schemas.microsoft.com/office/drawing/2010/main" val="0"/>
               </a:ext>
             </a:extLst>
           </a:blip>
@@ -13120,7 +11744,7 @@
           <a:noFill/>
           <a:extLst>
             <a:ext uri="{909E8E84-426E-40DD-AFC4-6F175D3DCCD1}">
-              <a14:hiddenFill xmlns="" xmlns:a14="http://schemas.microsoft.com/office/drawing/2010/main">
+              <a14:hiddenFill xmlns:a14="http://schemas.microsoft.com/office/drawing/2010/main">
                 <a:solidFill>
                   <a:srgbClr val="FFFFFF"/>
                 </a:solidFill>
@@ -13132,7 +11756,7 @@
     </p:spTree>
     <p:extLst>
       <p:ext uri="{BB962C8B-B14F-4D97-AF65-F5344CB8AC3E}">
-        <p14:creationId xmlns="" xmlns:p14="http://schemas.microsoft.com/office/powerpoint/2010/main" val="2227357731"/>
+        <p14:creationId xmlns:p14="http://schemas.microsoft.com/office/powerpoint/2010/main" val="2227357731"/>
       </p:ext>
     </p:extLst>
   </p:cSld>
@@ -13503,6 +12127,143 @@
 </p:sld>
 </file>
 
+<file path=ppt/slides/slide5.xml><?xml version="1.0" encoding="utf-8"?>
+<p:sld xmlns:a="http://schemas.openxmlformats.org/drawingml/2006/main" xmlns:r="http://schemas.openxmlformats.org/officeDocument/2006/relationships" xmlns:p="http://schemas.openxmlformats.org/presentationml/2006/main">
+  <p:cSld>
+    <p:spTree>
+      <p:nvGrpSpPr>
+        <p:cNvPr id="1" name=""/>
+        <p:cNvGrpSpPr/>
+        <p:nvPr/>
+      </p:nvGrpSpPr>
+      <p:grpSpPr>
+        <a:xfrm>
+          <a:off x="0" y="0"/>
+          <a:ext cx="0" cy="0"/>
+          <a:chOff x="0" y="0"/>
+          <a:chExt cx="0" cy="0"/>
+        </a:xfrm>
+      </p:grpSpPr>
+      <p:sp>
+        <p:nvSpPr>
+          <p:cNvPr id="2" name="Title 1"/>
+          <p:cNvSpPr>
+            <a:spLocks noGrp="1"/>
+          </p:cNvSpPr>
+          <p:nvPr>
+            <p:ph type="title"/>
+          </p:nvPr>
+        </p:nvSpPr>
+        <p:spPr/>
+        <p:txBody>
+          <a:bodyPr/>
+          <a:lstStyle/>
+          <a:p>
+            <a:pPr algn="ctr"/>
+            <a:r>
+              <a:rPr lang="en-US" dirty="0" smtClean="0"/>
+              <a:t>Compiling a Simple Program</a:t>
+            </a:r>
+            <a:endParaRPr lang="en-US" dirty="0"/>
+          </a:p>
+        </p:txBody>
+      </p:sp>
+      <p:graphicFrame>
+        <p:nvGraphicFramePr>
+          <p:cNvPr id="5" name="Object 4"/>
+          <p:cNvGraphicFramePr>
+            <a:graphicFrameLocks noChangeAspect="1"/>
+          </p:cNvGraphicFramePr>
+          <p:nvPr>
+            <p:extLst>
+              <p:ext uri="{D42A27DB-BD31-4B8C-83A1-F6EECF244321}">
+                <p14:modId xmlns:p14="http://schemas.microsoft.com/office/powerpoint/2010/main" val="2285108087"/>
+              </p:ext>
+            </p:extLst>
+          </p:nvPr>
+        </p:nvGraphicFramePr>
+        <p:xfrm>
+          <a:off x="1035050" y="1474788"/>
+          <a:ext cx="7075488" cy="3906837"/>
+        </p:xfrm>
+        <a:graphic>
+          <a:graphicData uri="http://schemas.openxmlformats.org/presentationml/2006/ole">
+            <mc:AlternateContent xmlns:mc="http://schemas.openxmlformats.org/markup-compatibility/2006">
+              <mc:Choice xmlns:v="urn:schemas-microsoft-com:vml" Requires="v">
+                <p:oleObj spid="_x0000_s3090" name="Visio" r:id="rId3" imgW="7076132" imgH="3906630" progId="Visio.Drawing.11">
+                  <p:embed/>
+                </p:oleObj>
+              </mc:Choice>
+              <mc:Fallback>
+                <p:oleObj name="Visio" r:id="rId3" imgW="7076132" imgH="3906630" progId="Visio.Drawing.11">
+                  <p:embed/>
+                  <p:pic>
+                    <p:nvPicPr>
+                      <p:cNvPr id="0" name="Picture 17"/>
+                      <p:cNvPicPr>
+                        <a:picLocks noChangeAspect="1" noChangeArrowheads="1"/>
+                      </p:cNvPicPr>
+                      <p:nvPr/>
+                    </p:nvPicPr>
+                    <p:blipFill>
+                      <a:blip r:embed="rId4">
+                        <a:extLst>
+                          <a:ext uri="{28A0092B-C50C-407E-A947-70E740481C1C}">
+                            <a14:useLocalDpi xmlns:a14="http://schemas.microsoft.com/office/drawing/2010/main" val="0"/>
+                          </a:ext>
+                        </a:extLst>
+                      </a:blip>
+                      <a:srcRect/>
+                      <a:stretch>
+                        <a:fillRect/>
+                      </a:stretch>
+                    </p:blipFill>
+                    <p:spPr bwMode="auto">
+                      <a:xfrm>
+                        <a:off x="1035050" y="1474788"/>
+                        <a:ext cx="7075488" cy="3906837"/>
+                      </a:xfrm>
+                      <a:prstGeom prst="rect">
+                        <a:avLst/>
+                      </a:prstGeom>
+                      <a:noFill/>
+                      <a:extLst>
+                        <a:ext uri="{909E8E84-426E-40DD-AFC4-6F175D3DCCD1}">
+                          <a14:hiddenFill xmlns:a14="http://schemas.microsoft.com/office/drawing/2010/main">
+                            <a:solidFill>
+                              <a:srgbClr val="FFFFFF"/>
+                            </a:solidFill>
+                          </a14:hiddenFill>
+                        </a:ext>
+                      </a:extLst>
+                    </p:spPr>
+                  </p:pic>
+                </p:oleObj>
+              </mc:Fallback>
+            </mc:AlternateContent>
+          </a:graphicData>
+        </a:graphic>
+      </p:graphicFrame>
+    </p:spTree>
+    <p:extLst>
+      <p:ext uri="{BB962C8B-B14F-4D97-AF65-F5344CB8AC3E}">
+        <p14:creationId xmlns:p14="http://schemas.microsoft.com/office/powerpoint/2010/main" val="776682945"/>
+      </p:ext>
+    </p:extLst>
+  </p:cSld>
+  <p:clrMapOvr>
+    <a:masterClrMapping/>
+  </p:clrMapOvr>
+  <p:timing>
+    <p:tnLst>
+      <p:par>
+        <p:cTn id="1" dur="indefinite" restart="never" nodeType="tmRoot"/>
+      </p:par>
+    </p:tnLst>
+  </p:timing>
+</p:sld>
+</file>
+
 <file path=ppt/slides/slide6.xml><?xml version="1.0" encoding="utf-8"?>
 <p:sld xmlns:a="http://schemas.openxmlformats.org/drawingml/2006/main" xmlns:r="http://schemas.openxmlformats.org/officeDocument/2006/relationships" xmlns:p="http://schemas.openxmlformats.org/presentationml/2006/main">
   <p:cSld>
@@ -13544,36 +12305,129 @@
           </a:p>
         </p:txBody>
       </p:sp>
-      <p:graphicFrame>
-        <p:nvGraphicFramePr>
-          <p:cNvPr id="5" name="Object 4"/>
-          <p:cNvGraphicFramePr>
-            <a:graphicFrameLocks noChangeAspect="1"/>
-          </p:cNvGraphicFramePr>
+      <p:sp>
+        <p:nvSpPr>
+          <p:cNvPr id="3" name="Content Placeholder 2"/>
+          <p:cNvSpPr>
+            <a:spLocks noGrp="1"/>
+          </p:cNvSpPr>
           <p:nvPr>
-            <p:extLst>
-              <p:ext uri="{D42A27DB-BD31-4B8C-83A1-F6EECF244321}">
-                <p14:modId xmlns="" xmlns:p14="http://schemas.microsoft.com/office/powerpoint/2010/main" val="2285108087"/>
-              </p:ext>
-            </p:extLst>
+            <p:ph idx="1"/>
           </p:nvPr>
-        </p:nvGraphicFramePr>
-        <p:xfrm>
-          <a:off x="1035050" y="1474788"/>
-          <a:ext cx="7075488" cy="3906837"/>
-        </p:xfrm>
-        <a:graphic>
-          <a:graphicData uri="http://schemas.openxmlformats.org/presentationml/2006/ole">
-            <p:oleObj spid="_x0000_s3089" name="Visio" r:id="rId3" imgW="7076132" imgH="3906630" progId="Visio.Drawing.11">
-              <p:embed/>
-            </p:oleObj>
-          </a:graphicData>
-        </a:graphic>
-      </p:graphicFrame>
+        </p:nvSpPr>
+        <p:spPr>
+          <a:xfrm>
+            <a:off x="333375" y="1185863"/>
+            <a:ext cx="8467725" cy="3767137"/>
+          </a:xfrm>
+        </p:spPr>
+        <p:txBody>
+          <a:bodyPr/>
+          <a:lstStyle/>
+          <a:p>
+            <a:r>
+              <a:rPr lang="en-US" dirty="0" smtClean="0"/>
+              <a:t>To use your tool chain you need to add it to your environment’s PATH variable. This allows you to invoke your tool chain by simply calling it by its name instead of having to specify the entire path.</a:t>
+            </a:r>
+          </a:p>
+          <a:p>
+            <a:r>
+              <a:rPr lang="en-US" dirty="0" smtClean="0"/>
+              <a:t>Adding your tool chain’s path to your environment’s path </a:t>
+            </a:r>
+          </a:p>
+          <a:p>
+            <a:pPr lvl="1"/>
+            <a:r>
+              <a:rPr lang="en-US" dirty="0" smtClean="0"/>
+              <a:t>export PATH=&lt;toolchain dir&gt;:$PATH</a:t>
+            </a:r>
+          </a:p>
+          <a:p>
+            <a:r>
+              <a:rPr lang="en-US" dirty="0" smtClean="0"/>
+              <a:t>The simplest way to build an application is by listing the sources and specifying the name of the binary to be generated</a:t>
+            </a:r>
+          </a:p>
+          <a:p>
+            <a:pPr lvl="1"/>
+            <a:r>
+              <a:rPr lang="en-US" dirty="0" smtClean="0"/>
+              <a:t>arm-linux-gnueabihf-gcc &lt;C sources&gt; -o &lt;executable name&gt;</a:t>
+            </a:r>
+          </a:p>
+          <a:p>
+            <a:r>
+              <a:rPr lang="en-US" dirty="0" smtClean="0"/>
+              <a:t>You can add other flags such as the debug flag</a:t>
+            </a:r>
+          </a:p>
+          <a:p>
+            <a:pPr lvl="1"/>
+            <a:r>
+              <a:rPr lang="en-US" dirty="0"/>
+              <a:t>arm-linux-gnueabihf-gcc &lt;C sources&gt; </a:t>
+            </a:r>
+            <a:r>
+              <a:rPr lang="en-US" dirty="0" smtClean="0"/>
+              <a:t>- g -o </a:t>
+            </a:r>
+            <a:r>
+              <a:rPr lang="en-US" dirty="0"/>
+              <a:t>&lt;executable name</a:t>
+            </a:r>
+            <a:r>
+              <a:rPr lang="en-US" dirty="0" smtClean="0"/>
+              <a:t>&gt;</a:t>
+            </a:r>
+            <a:endParaRPr lang="en-US" dirty="0"/>
+          </a:p>
+          <a:p>
+            <a:pPr marL="341312" lvl="1" indent="0">
+              <a:buNone/>
+            </a:pPr>
+            <a:endParaRPr lang="en-US" dirty="0"/>
+          </a:p>
+        </p:txBody>
+      </p:sp>
+      <p:sp>
+        <p:nvSpPr>
+          <p:cNvPr id="4" name="TextBox 3"/>
+          <p:cNvSpPr txBox="1"/>
+          <p:nvPr/>
+        </p:nvSpPr>
+        <p:spPr>
+          <a:xfrm>
+            <a:off x="533400" y="5334000"/>
+            <a:ext cx="6977295" cy="646331"/>
+          </a:xfrm>
+          <a:prstGeom prst="rect">
+            <a:avLst/>
+          </a:prstGeom>
+          <a:solidFill>
+            <a:srgbClr val="FFFF00"/>
+          </a:solidFill>
+        </p:spPr>
+        <p:txBody>
+          <a:bodyPr wrap="none" rtlCol="0">
+            <a:spAutoFit/>
+          </a:bodyPr>
+          <a:lstStyle/>
+          <a:p>
+            <a:r>
+              <a:rPr lang="en-US" dirty="0"/>
+              <a:t>Sitara Tool Chain is part of “Linux Development Kit” or Linux-devkit</a:t>
+            </a:r>
+          </a:p>
+          <a:p>
+            <a:endParaRPr lang="en-US" dirty="0"/>
+          </a:p>
+        </p:txBody>
+      </p:sp>
     </p:spTree>
     <p:extLst>
       <p:ext uri="{BB962C8B-B14F-4D97-AF65-F5344CB8AC3E}">
-        <p14:creationId xmlns="" xmlns:p14="http://schemas.microsoft.com/office/powerpoint/2010/main" val="776682945"/>
+        <p14:creationId xmlns:p14="http://schemas.microsoft.com/office/powerpoint/2010/main" val="2498409417"/>
       </p:ext>
     </p:extLst>
   </p:cSld>
@@ -13617,186 +12471,6 @@
             <p:ph type="title"/>
           </p:nvPr>
         </p:nvSpPr>
-        <p:spPr/>
-        <p:txBody>
-          <a:bodyPr/>
-          <a:lstStyle/>
-          <a:p>
-            <a:pPr algn="ctr"/>
-            <a:r>
-              <a:rPr lang="en-US" dirty="0" smtClean="0"/>
-              <a:t>Compiling a Simple Program</a:t>
-            </a:r>
-            <a:endParaRPr lang="en-US" dirty="0"/>
-          </a:p>
-        </p:txBody>
-      </p:sp>
-      <p:sp>
-        <p:nvSpPr>
-          <p:cNvPr id="3" name="Content Placeholder 2"/>
-          <p:cNvSpPr>
-            <a:spLocks noGrp="1"/>
-          </p:cNvSpPr>
-          <p:nvPr>
-            <p:ph idx="1"/>
-          </p:nvPr>
-        </p:nvSpPr>
-        <p:spPr>
-          <a:xfrm>
-            <a:off x="333375" y="1185863"/>
-            <a:ext cx="8467725" cy="3767137"/>
-          </a:xfrm>
-        </p:spPr>
-        <p:txBody>
-          <a:bodyPr/>
-          <a:lstStyle/>
-          <a:p>
-            <a:r>
-              <a:rPr lang="en-US" dirty="0" smtClean="0"/>
-              <a:t>To use your tool chain you need to add it to your environment’s PATH variable. This allows you to invoke your tool chain by simply calling it by its name instead of having to specify the entire path.</a:t>
-            </a:r>
-          </a:p>
-          <a:p>
-            <a:r>
-              <a:rPr lang="en-US" dirty="0" smtClean="0"/>
-              <a:t>Adding your tool chain’s path to your environment’s path </a:t>
-            </a:r>
-          </a:p>
-          <a:p>
-            <a:pPr lvl="1"/>
-            <a:r>
-              <a:rPr lang="en-US" dirty="0" smtClean="0"/>
-              <a:t>export PATH=&lt;toolchain dir&gt;:$PATH</a:t>
-            </a:r>
-          </a:p>
-          <a:p>
-            <a:r>
-              <a:rPr lang="en-US" dirty="0" smtClean="0"/>
-              <a:t>The simplest way to build an application is by listing the sources and specifying the name of the binary to be generated</a:t>
-            </a:r>
-          </a:p>
-          <a:p>
-            <a:pPr lvl="1"/>
-            <a:r>
-              <a:rPr lang="en-US" dirty="0" smtClean="0"/>
-              <a:t>arm-linux-gnueabihf-gcc &lt;C sources&gt; -o &lt;executable name&gt;</a:t>
-            </a:r>
-          </a:p>
-          <a:p>
-            <a:r>
-              <a:rPr lang="en-US" dirty="0" smtClean="0"/>
-              <a:t>You can add other flags such as the debug flag</a:t>
-            </a:r>
-          </a:p>
-          <a:p>
-            <a:pPr lvl="1"/>
-            <a:r>
-              <a:rPr lang="en-US" dirty="0"/>
-              <a:t>arm-linux-gnueabihf-gcc &lt;C sources&gt; </a:t>
-            </a:r>
-            <a:r>
-              <a:rPr lang="en-US" dirty="0" smtClean="0"/>
-              <a:t>- g -o </a:t>
-            </a:r>
-            <a:r>
-              <a:rPr lang="en-US" dirty="0"/>
-              <a:t>&lt;executable name</a:t>
-            </a:r>
-            <a:r>
-              <a:rPr lang="en-US" dirty="0" smtClean="0"/>
-              <a:t>&gt;</a:t>
-            </a:r>
-            <a:endParaRPr lang="en-US" dirty="0"/>
-          </a:p>
-          <a:p>
-            <a:pPr marL="341312" lvl="1" indent="0">
-              <a:buNone/>
-            </a:pPr>
-            <a:endParaRPr lang="en-US" dirty="0"/>
-          </a:p>
-        </p:txBody>
-      </p:sp>
-      <p:sp>
-        <p:nvSpPr>
-          <p:cNvPr id="4" name="TextBox 3"/>
-          <p:cNvSpPr txBox="1"/>
-          <p:nvPr/>
-        </p:nvSpPr>
-        <p:spPr>
-          <a:xfrm>
-            <a:off x="533400" y="5334000"/>
-            <a:ext cx="6977295" cy="646331"/>
-          </a:xfrm>
-          <a:prstGeom prst="rect">
-            <a:avLst/>
-          </a:prstGeom>
-          <a:solidFill>
-            <a:srgbClr val="FFFF00"/>
-          </a:solidFill>
-        </p:spPr>
-        <p:txBody>
-          <a:bodyPr wrap="none" rtlCol="0">
-            <a:spAutoFit/>
-          </a:bodyPr>
-          <a:lstStyle/>
-          <a:p>
-            <a:r>
-              <a:rPr lang="en-US" dirty="0"/>
-              <a:t>Sitara Tool Chain is part of “Linux Development Kit” or Linux-devkit</a:t>
-            </a:r>
-          </a:p>
-          <a:p>
-            <a:endParaRPr lang="en-US" dirty="0"/>
-          </a:p>
-        </p:txBody>
-      </p:sp>
-    </p:spTree>
-    <p:extLst>
-      <p:ext uri="{BB962C8B-B14F-4D97-AF65-F5344CB8AC3E}">
-        <p14:creationId xmlns="" xmlns:p14="http://schemas.microsoft.com/office/powerpoint/2010/main" val="2498409417"/>
-      </p:ext>
-    </p:extLst>
-  </p:cSld>
-  <p:clrMapOvr>
-    <a:masterClrMapping/>
-  </p:clrMapOvr>
-  <p:timing>
-    <p:tnLst>
-      <p:par>
-        <p:cTn id="1" dur="indefinite" restart="never" nodeType="tmRoot"/>
-      </p:par>
-    </p:tnLst>
-  </p:timing>
-</p:sld>
-</file>
-
-<file path=ppt/slides/slide8.xml><?xml version="1.0" encoding="utf-8"?>
-<p:sld xmlns:a="http://schemas.openxmlformats.org/drawingml/2006/main" xmlns:r="http://schemas.openxmlformats.org/officeDocument/2006/relationships" xmlns:p="http://schemas.openxmlformats.org/presentationml/2006/main">
-  <p:cSld>
-    <p:spTree>
-      <p:nvGrpSpPr>
-        <p:cNvPr id="1" name=""/>
-        <p:cNvGrpSpPr/>
-        <p:nvPr/>
-      </p:nvGrpSpPr>
-      <p:grpSpPr>
-        <a:xfrm>
-          <a:off x="0" y="0"/>
-          <a:ext cx="0" cy="0"/>
-          <a:chOff x="0" y="0"/>
-          <a:chExt cx="0" cy="0"/>
-        </a:xfrm>
-      </p:grpSpPr>
-      <p:sp>
-        <p:nvSpPr>
-          <p:cNvPr id="2" name="Title 1"/>
-          <p:cNvSpPr>
-            <a:spLocks noGrp="1"/>
-          </p:cNvSpPr>
-          <p:nvPr>
-            <p:ph type="title"/>
-          </p:nvPr>
-        </p:nvSpPr>
         <p:spPr>
           <a:xfrm>
             <a:off x="231775" y="142875"/>
@@ -13836,7 +12510,7 @@
           <a:blip r:embed="rId3" cstate="print">
             <a:extLst>
               <a:ext uri="{28A0092B-C50C-407E-A947-70E740481C1C}">
-                <a14:useLocalDpi xmlns="" xmlns:a14="http://schemas.microsoft.com/office/drawing/2010/main" val="0"/>
+                <a14:useLocalDpi xmlns:a14="http://schemas.microsoft.com/office/drawing/2010/main" val="0"/>
               </a:ext>
             </a:extLst>
           </a:blip>
@@ -13859,14 +12533,14 @@
           </a:ln>
           <a:extLst>
             <a:ext uri="{909E8E84-426E-40DD-AFC4-6F175D3DCCD1}">
-              <a14:hiddenFill xmlns="" xmlns:a14="http://schemas.microsoft.com/office/drawing/2010/main">
+              <a14:hiddenFill xmlns:a14="http://schemas.microsoft.com/office/drawing/2010/main">
                 <a:solidFill>
                   <a:schemeClr val="accent1"/>
                 </a:solidFill>
               </a14:hiddenFill>
             </a:ext>
             <a:ext uri="{91240B29-F687-4F45-9708-019B960494DF}">
-              <a14:hiddenLine xmlns="" xmlns:a14="http://schemas.microsoft.com/office/drawing/2010/main" w="9525">
+              <a14:hiddenLine xmlns:a14="http://schemas.microsoft.com/office/drawing/2010/main" w="9525">
                 <a:solidFill>
                   <a:schemeClr val="tx1"/>
                 </a:solidFill>
@@ -13890,7 +12564,7 @@
           <a:blip r:embed="rId4" cstate="print">
             <a:extLst>
               <a:ext uri="{28A0092B-C50C-407E-A947-70E740481C1C}">
-                <a14:useLocalDpi xmlns="" xmlns:a14="http://schemas.microsoft.com/office/drawing/2010/main" val="0"/>
+                <a14:useLocalDpi xmlns:a14="http://schemas.microsoft.com/office/drawing/2010/main" val="0"/>
               </a:ext>
             </a:extLst>
           </a:blip>
@@ -13913,14 +12587,14 @@
           </a:ln>
           <a:extLst>
             <a:ext uri="{909E8E84-426E-40DD-AFC4-6F175D3DCCD1}">
-              <a14:hiddenFill xmlns="" xmlns:a14="http://schemas.microsoft.com/office/drawing/2010/main">
+              <a14:hiddenFill xmlns:a14="http://schemas.microsoft.com/office/drawing/2010/main">
                 <a:solidFill>
                   <a:schemeClr val="accent1"/>
                 </a:solidFill>
               </a14:hiddenFill>
             </a:ext>
             <a:ext uri="{91240B29-F687-4F45-9708-019B960494DF}">
-              <a14:hiddenLine xmlns="" xmlns:a14="http://schemas.microsoft.com/office/drawing/2010/main" w="9525">
+              <a14:hiddenLine xmlns:a14="http://schemas.microsoft.com/office/drawing/2010/main" w="9525">
                 <a:solidFill>
                   <a:schemeClr val="tx1"/>
                 </a:solidFill>
@@ -13935,18 +12609,18 @@
     </p:spTree>
     <p:extLst>
       <p:ext uri="{BB962C8B-B14F-4D97-AF65-F5344CB8AC3E}">
-        <p14:creationId xmlns="" xmlns:p14="http://schemas.microsoft.com/office/powerpoint/2010/main" val="3309617232"/>
+        <p14:creationId xmlns:p14="http://schemas.microsoft.com/office/powerpoint/2010/main" val="3309617232"/>
       </p:ext>
     </p:extLst>
   </p:cSld>
   <p:clrMapOvr>
     <a:masterClrMapping/>
   </p:clrMapOvr>
-  <mc:AlternateContent xmlns:mc="http://schemas.openxmlformats.org/markup-compatibility/2006">
-    <mc:Choice xmlns="" xmlns:p14="http://schemas.microsoft.com/office/powerpoint/2010/main" Requires="p14">
+  <mc:AlternateContent xmlns:mc="http://schemas.openxmlformats.org/markup-compatibility/2006" xmlns:p14="http://schemas.microsoft.com/office/powerpoint/2010/main">
+    <mc:Choice Requires="p14">
       <p:transition spd="slow" p14:dur="2000"/>
     </mc:Choice>
-    <mc:Fallback>
+    <mc:Fallback xmlns="">
       <p:transition spd="slow"/>
     </mc:Fallback>
   </mc:AlternateContent>
@@ -13960,7 +12634,7 @@
 </p:sld>
 </file>
 
-<file path=ppt/slides/slide9.xml><?xml version="1.0" encoding="utf-8"?>
+<file path=ppt/slides/slide8.xml><?xml version="1.0" encoding="utf-8"?>
 <p:sld xmlns:a="http://schemas.openxmlformats.org/drawingml/2006/main" xmlns:r="http://schemas.openxmlformats.org/officeDocument/2006/relationships" xmlns:p="http://schemas.openxmlformats.org/presentationml/2006/main">
   <p:cSld>
     <p:spTree>
@@ -14409,7 +13083,7 @@
     </p:spTree>
     <p:extLst>
       <p:ext uri="{BB962C8B-B14F-4D97-AF65-F5344CB8AC3E}">
-        <p14:creationId xmlns="" xmlns:p14="http://schemas.microsoft.com/office/powerpoint/2010/main" val="79293159"/>
+        <p14:creationId xmlns:p14="http://schemas.microsoft.com/office/powerpoint/2010/main" val="79293159"/>
       </p:ext>
     </p:extLst>
   </p:cSld>
@@ -14423,6 +13097,114 @@
       </p:par>
     </p:tnLst>
   </p:timing>
+</p:sld>
+</file>
+
+<file path=ppt/slides/slide9.xml><?xml version="1.0" encoding="utf-8"?>
+<p:sld xmlns:a="http://schemas.openxmlformats.org/drawingml/2006/main" xmlns:r="http://schemas.openxmlformats.org/officeDocument/2006/relationships" xmlns:p="http://schemas.openxmlformats.org/presentationml/2006/main">
+  <p:cSld>
+    <p:spTree>
+      <p:nvGrpSpPr>
+        <p:cNvPr id="1" name=""/>
+        <p:cNvGrpSpPr/>
+        <p:nvPr/>
+      </p:nvGrpSpPr>
+      <p:grpSpPr>
+        <a:xfrm>
+          <a:off x="0" y="0"/>
+          <a:ext cx="0" cy="0"/>
+          <a:chOff x="0" y="0"/>
+          <a:chExt cx="0" cy="0"/>
+        </a:xfrm>
+      </p:grpSpPr>
+      <p:sp>
+        <p:nvSpPr>
+          <p:cNvPr id="2" name="Title 1"/>
+          <p:cNvSpPr>
+            <a:spLocks noGrp="1"/>
+          </p:cNvSpPr>
+          <p:nvPr>
+            <p:ph type="title"/>
+          </p:nvPr>
+        </p:nvSpPr>
+        <p:spPr/>
+        <p:txBody>
+          <a:bodyPr/>
+          <a:lstStyle/>
+          <a:p>
+            <a:pPr algn="ctr"/>
+            <a:r>
+              <a:rPr lang="en-US" dirty="0" smtClean="0"/>
+              <a:t>Code generation Location</a:t>
+            </a:r>
+            <a:endParaRPr lang="en-US" dirty="0"/>
+          </a:p>
+        </p:txBody>
+      </p:sp>
+      <p:pic>
+        <p:nvPicPr>
+          <p:cNvPr id="4098" name="Picture 2"/>
+          <p:cNvPicPr>
+            <a:picLocks noChangeAspect="1" noChangeArrowheads="1"/>
+          </p:cNvPicPr>
+          <p:nvPr/>
+        </p:nvPicPr>
+        <p:blipFill>
+          <a:blip r:embed="rId2" cstate="print">
+            <a:extLst>
+              <a:ext uri="{28A0092B-C50C-407E-A947-70E740481C1C}">
+                <a14:useLocalDpi xmlns:a14="http://schemas.microsoft.com/office/drawing/2010/main" val="0"/>
+              </a:ext>
+            </a:extLst>
+          </a:blip>
+          <a:srcRect/>
+          <a:stretch>
+            <a:fillRect/>
+          </a:stretch>
+        </p:blipFill>
+        <p:spPr bwMode="auto">
+          <a:xfrm>
+            <a:off x="838200" y="1295400"/>
+            <a:ext cx="6448425" cy="4829648"/>
+          </a:xfrm>
+          <a:prstGeom prst="rect">
+            <a:avLst/>
+          </a:prstGeom>
+          <a:noFill/>
+          <a:ln>
+            <a:noFill/>
+          </a:ln>
+          <a:extLst>
+            <a:ext uri="{909E8E84-426E-40DD-AFC4-6F175D3DCCD1}">
+              <a14:hiddenFill xmlns:a14="http://schemas.microsoft.com/office/drawing/2010/main">
+                <a:solidFill>
+                  <a:schemeClr val="accent1"/>
+                </a:solidFill>
+              </a14:hiddenFill>
+            </a:ext>
+            <a:ext uri="{91240B29-F687-4F45-9708-019B960494DF}">
+              <a14:hiddenLine xmlns:a14="http://schemas.microsoft.com/office/drawing/2010/main" w="9525">
+                <a:solidFill>
+                  <a:schemeClr val="tx1"/>
+                </a:solidFill>
+                <a:miter lim="800000"/>
+                <a:headEnd/>
+                <a:tailEnd/>
+              </a14:hiddenLine>
+            </a:ext>
+          </a:extLst>
+        </p:spPr>
+      </p:pic>
+    </p:spTree>
+    <p:extLst>
+      <p:ext uri="{BB962C8B-B14F-4D97-AF65-F5344CB8AC3E}">
+        <p14:creationId xmlns:p14="http://schemas.microsoft.com/office/powerpoint/2010/main" val="1035536643"/>
+      </p:ext>
+    </p:extLst>
+  </p:cSld>
+  <p:clrMapOvr>
+    <a:masterClrMapping/>
+  </p:clrMapOvr>
 </p:sld>
 </file>
 
@@ -15213,7 +13995,7 @@
 </file>
 
 <file path=ppt/theme/theme3.xml><?xml version="1.0" encoding="utf-8"?>
-<a:theme xmlns:a="http://schemas.openxmlformats.org/drawingml/2006/main" name="2_FinalPowerpoint">
+<a:theme xmlns:a="http://schemas.openxmlformats.org/drawingml/2006/main" name="3_FinalPowerpoint">
   <a:themeElements>
     <a:clrScheme name="Custom 1">
       <a:dk1>
@@ -15603,396 +14385,6 @@
 </file>
 
 <file path=ppt/theme/theme4.xml><?xml version="1.0" encoding="utf-8"?>
-<a:theme xmlns:a="http://schemas.openxmlformats.org/drawingml/2006/main" name="3_FinalPowerpoint">
-  <a:themeElements>
-    <a:clrScheme name="Custom 1">
-      <a:dk1>
-        <a:srgbClr val="000000"/>
-      </a:dk1>
-      <a:lt1>
-        <a:srgbClr val="FFFFFF"/>
-      </a:lt1>
-      <a:dk2>
-        <a:srgbClr val="DE0000"/>
-      </a:dk2>
-      <a:lt2>
-        <a:srgbClr val="808080"/>
-      </a:lt2>
-      <a:accent1>
-        <a:srgbClr val="DE0000"/>
-      </a:accent1>
-      <a:accent2>
-        <a:srgbClr val="AEAEAE"/>
-      </a:accent2>
-      <a:accent3>
-        <a:srgbClr val="117788"/>
-      </a:accent3>
-      <a:accent4>
-        <a:srgbClr val="404040"/>
-      </a:accent4>
-      <a:accent5>
-        <a:srgbClr val="7F7F7F"/>
-      </a:accent5>
-      <a:accent6>
-        <a:srgbClr val="32B4CE"/>
-      </a:accent6>
-      <a:hlink>
-        <a:srgbClr val="DE0000"/>
-      </a:hlink>
-      <a:folHlink>
-        <a:srgbClr val="AAAAAA"/>
-      </a:folHlink>
-    </a:clrScheme>
-    <a:fontScheme name="FinalPowerpoint">
-      <a:majorFont>
-        <a:latin typeface="Arial"/>
-        <a:ea typeface=""/>
-        <a:cs typeface=""/>
-      </a:majorFont>
-      <a:minorFont>
-        <a:latin typeface="Arial"/>
-        <a:ea typeface=""/>
-        <a:cs typeface=""/>
-      </a:minorFont>
-    </a:fontScheme>
-    <a:fmtScheme name="Office">
-      <a:fillStyleLst>
-        <a:solidFill>
-          <a:schemeClr val="phClr"/>
-        </a:solidFill>
-        <a:gradFill rotWithShape="1">
-          <a:gsLst>
-            <a:gs pos="0">
-              <a:schemeClr val="phClr">
-                <a:tint val="50000"/>
-                <a:satMod val="300000"/>
-              </a:schemeClr>
-            </a:gs>
-            <a:gs pos="35000">
-              <a:schemeClr val="phClr">
-                <a:tint val="37000"/>
-                <a:satMod val="300000"/>
-              </a:schemeClr>
-            </a:gs>
-            <a:gs pos="100000">
-              <a:schemeClr val="phClr">
-                <a:tint val="15000"/>
-                <a:satMod val="350000"/>
-              </a:schemeClr>
-            </a:gs>
-          </a:gsLst>
-          <a:lin ang="16200000" scaled="1"/>
-        </a:gradFill>
-        <a:gradFill rotWithShape="1">
-          <a:gsLst>
-            <a:gs pos="0">
-              <a:schemeClr val="phClr">
-                <a:shade val="51000"/>
-                <a:satMod val="130000"/>
-              </a:schemeClr>
-            </a:gs>
-            <a:gs pos="80000">
-              <a:schemeClr val="phClr">
-                <a:shade val="93000"/>
-                <a:satMod val="130000"/>
-              </a:schemeClr>
-            </a:gs>
-            <a:gs pos="100000">
-              <a:schemeClr val="phClr">
-                <a:shade val="94000"/>
-                <a:satMod val="135000"/>
-              </a:schemeClr>
-            </a:gs>
-          </a:gsLst>
-          <a:lin ang="16200000" scaled="0"/>
-        </a:gradFill>
-      </a:fillStyleLst>
-      <a:lnStyleLst>
-        <a:ln w="9525" cap="flat" cmpd="sng" algn="ctr">
-          <a:solidFill>
-            <a:schemeClr val="phClr">
-              <a:shade val="95000"/>
-              <a:satMod val="105000"/>
-            </a:schemeClr>
-          </a:solidFill>
-          <a:prstDash val="solid"/>
-        </a:ln>
-        <a:ln w="25400" cap="flat" cmpd="sng" algn="ctr">
-          <a:solidFill>
-            <a:schemeClr val="phClr"/>
-          </a:solidFill>
-          <a:prstDash val="solid"/>
-        </a:ln>
-        <a:ln w="38100" cap="flat" cmpd="sng" algn="ctr">
-          <a:solidFill>
-            <a:schemeClr val="phClr"/>
-          </a:solidFill>
-          <a:prstDash val="solid"/>
-        </a:ln>
-      </a:lnStyleLst>
-      <a:effectStyleLst>
-        <a:effectStyle>
-          <a:effectLst>
-            <a:outerShdw blurRad="40000" dist="20000" dir="5400000" rotWithShape="0">
-              <a:srgbClr val="000000">
-                <a:alpha val="38000"/>
-              </a:srgbClr>
-            </a:outerShdw>
-          </a:effectLst>
-        </a:effectStyle>
-        <a:effectStyle>
-          <a:effectLst>
-            <a:outerShdw blurRad="40000" dist="23000" dir="5400000" rotWithShape="0">
-              <a:srgbClr val="000000">
-                <a:alpha val="35000"/>
-              </a:srgbClr>
-            </a:outerShdw>
-          </a:effectLst>
-        </a:effectStyle>
-        <a:effectStyle>
-          <a:effectLst>
-            <a:outerShdw blurRad="40000" dist="23000" dir="5400000" rotWithShape="0">
-              <a:srgbClr val="000000">
-                <a:alpha val="35000"/>
-              </a:srgbClr>
-            </a:outerShdw>
-          </a:effectLst>
-          <a:scene3d>
-            <a:camera prst="orthographicFront">
-              <a:rot lat="0" lon="0" rev="0"/>
-            </a:camera>
-            <a:lightRig rig="threePt" dir="t">
-              <a:rot lat="0" lon="0" rev="1200000"/>
-            </a:lightRig>
-          </a:scene3d>
-          <a:sp3d>
-            <a:bevelT w="63500" h="25400"/>
-          </a:sp3d>
-        </a:effectStyle>
-      </a:effectStyleLst>
-      <a:bgFillStyleLst>
-        <a:solidFill>
-          <a:schemeClr val="phClr"/>
-        </a:solidFill>
-        <a:gradFill rotWithShape="1">
-          <a:gsLst>
-            <a:gs pos="0">
-              <a:schemeClr val="phClr">
-                <a:tint val="40000"/>
-                <a:satMod val="350000"/>
-              </a:schemeClr>
-            </a:gs>
-            <a:gs pos="40000">
-              <a:schemeClr val="phClr">
-                <a:tint val="45000"/>
-                <a:shade val="99000"/>
-                <a:satMod val="350000"/>
-              </a:schemeClr>
-            </a:gs>
-            <a:gs pos="100000">
-              <a:schemeClr val="phClr">
-                <a:shade val="20000"/>
-                <a:satMod val="255000"/>
-              </a:schemeClr>
-            </a:gs>
-          </a:gsLst>
-          <a:path path="circle">
-            <a:fillToRect l="50000" t="-80000" r="50000" b="180000"/>
-          </a:path>
-        </a:gradFill>
-        <a:gradFill rotWithShape="1">
-          <a:gsLst>
-            <a:gs pos="0">
-              <a:schemeClr val="phClr">
-                <a:tint val="80000"/>
-                <a:satMod val="300000"/>
-              </a:schemeClr>
-            </a:gs>
-            <a:gs pos="100000">
-              <a:schemeClr val="phClr">
-                <a:shade val="30000"/>
-                <a:satMod val="200000"/>
-              </a:schemeClr>
-            </a:gs>
-          </a:gsLst>
-          <a:path path="circle">
-            <a:fillToRect l="50000" t="50000" r="50000" b="50000"/>
-          </a:path>
-        </a:gradFill>
-      </a:bgFillStyleLst>
-    </a:fmtScheme>
-  </a:themeElements>
-  <a:objectDefaults/>
-  <a:extraClrSchemeLst>
-    <a:extraClrScheme>
-      <a:clrScheme name="FinalPowerpoint 1">
-        <a:dk1>
-          <a:srgbClr val="000000"/>
-        </a:dk1>
-        <a:lt1>
-          <a:srgbClr val="FFFFFF"/>
-        </a:lt1>
-        <a:dk2>
-          <a:srgbClr val="FF0000"/>
-        </a:dk2>
-        <a:lt2>
-          <a:srgbClr val="808080"/>
-        </a:lt2>
-        <a:accent1>
-          <a:srgbClr val="AAAAAA"/>
-        </a:accent1>
-        <a:accent2>
-          <a:srgbClr val="000000"/>
-        </a:accent2>
-        <a:accent3>
-          <a:srgbClr val="FFFFFF"/>
-        </a:accent3>
-        <a:accent4>
-          <a:srgbClr val="000000"/>
-        </a:accent4>
-        <a:accent5>
-          <a:srgbClr val="D2D2D2"/>
-        </a:accent5>
-        <a:accent6>
-          <a:srgbClr val="000000"/>
-        </a:accent6>
-        <a:hlink>
-          <a:srgbClr val="FF0000"/>
-        </a:hlink>
-        <a:folHlink>
-          <a:srgbClr val="AAAAAA"/>
-        </a:folHlink>
-      </a:clrScheme>
-      <a:clrMap bg1="lt1" tx1="dk1" bg2="lt2" tx2="dk2" accent1="accent1" accent2="accent2" accent3="accent3" accent4="accent4" accent5="accent5" accent6="accent6" hlink="hlink" folHlink="folHlink"/>
-    </a:extraClrScheme>
-    <a:extraClrScheme>
-      <a:clrScheme name="FinalPowerpoint 2">
-        <a:dk1>
-          <a:srgbClr val="AAAAAA"/>
-        </a:dk1>
-        <a:lt1>
-          <a:srgbClr val="FFFFFF"/>
-        </a:lt1>
-        <a:dk2>
-          <a:srgbClr val="000000"/>
-        </a:dk2>
-        <a:lt2>
-          <a:srgbClr val="FFFFFF"/>
-        </a:lt2>
-        <a:accent1>
-          <a:srgbClr val="AAAAAA"/>
-        </a:accent1>
-        <a:accent2>
-          <a:srgbClr val="FFFFFF"/>
-        </a:accent2>
-        <a:accent3>
-          <a:srgbClr val="AAAAAA"/>
-        </a:accent3>
-        <a:accent4>
-          <a:srgbClr val="DADADA"/>
-        </a:accent4>
-        <a:accent5>
-          <a:srgbClr val="D2D2D2"/>
-        </a:accent5>
-        <a:accent6>
-          <a:srgbClr val="E7E7E7"/>
-        </a:accent6>
-        <a:hlink>
-          <a:srgbClr val="AAAAAA"/>
-        </a:hlink>
-        <a:folHlink>
-          <a:srgbClr val="FF0000"/>
-        </a:folHlink>
-      </a:clrScheme>
-      <a:clrMap bg1="dk2" tx1="lt1" bg2="dk1" tx2="lt2" accent1="accent1" accent2="accent2" accent3="accent3" accent4="accent4" accent5="accent5" accent6="accent6" hlink="hlink" folHlink="folHlink"/>
-    </a:extraClrScheme>
-    <a:extraClrScheme>
-      <a:clrScheme name="FinalPowerpoint 3">
-        <a:dk1>
-          <a:srgbClr val="808080"/>
-        </a:dk1>
-        <a:lt1>
-          <a:srgbClr val="FFFFFF"/>
-        </a:lt1>
-        <a:dk2>
-          <a:srgbClr val="AAAAAA"/>
-        </a:dk2>
-        <a:lt2>
-          <a:srgbClr val="000000"/>
-        </a:lt2>
-        <a:accent1>
-          <a:srgbClr val="000000"/>
-        </a:accent1>
-        <a:accent2>
-          <a:srgbClr val="AAAAAA"/>
-        </a:accent2>
-        <a:accent3>
-          <a:srgbClr val="D2D2D2"/>
-        </a:accent3>
-        <a:accent4>
-          <a:srgbClr val="DADADA"/>
-        </a:accent4>
-        <a:accent5>
-          <a:srgbClr val="AAAAAA"/>
-        </a:accent5>
-        <a:accent6>
-          <a:srgbClr val="9A9A9A"/>
-        </a:accent6>
-        <a:hlink>
-          <a:srgbClr val="FF0000"/>
-        </a:hlink>
-        <a:folHlink>
-          <a:srgbClr val="FFFFFF"/>
-        </a:folHlink>
-      </a:clrScheme>
-      <a:clrMap bg1="dk2" tx1="lt1" bg2="dk1" tx2="lt2" accent1="accent1" accent2="accent2" accent3="accent3" accent4="accent4" accent5="accent5" accent6="accent6" hlink="hlink" folHlink="folHlink"/>
-    </a:extraClrScheme>
-    <a:extraClrScheme>
-      <a:clrScheme name="FinalPowerpoint 4">
-        <a:dk1>
-          <a:srgbClr val="000000"/>
-        </a:dk1>
-        <a:lt1>
-          <a:srgbClr val="FF0000"/>
-        </a:lt1>
-        <a:dk2>
-          <a:srgbClr val="FFFFFF"/>
-        </a:dk2>
-        <a:lt2>
-          <a:srgbClr val="000000"/>
-        </a:lt2>
-        <a:accent1>
-          <a:srgbClr val="AAAAAA"/>
-        </a:accent1>
-        <a:accent2>
-          <a:srgbClr val="FFFFFF"/>
-        </a:accent2>
-        <a:accent3>
-          <a:srgbClr val="FFAAAA"/>
-        </a:accent3>
-        <a:accent4>
-          <a:srgbClr val="000000"/>
-        </a:accent4>
-        <a:accent5>
-          <a:srgbClr val="D2D2D2"/>
-        </a:accent5>
-        <a:accent6>
-          <a:srgbClr val="E7E7E7"/>
-        </a:accent6>
-        <a:hlink>
-          <a:srgbClr val="000000"/>
-        </a:hlink>
-        <a:folHlink>
-          <a:srgbClr val="AAAAAA"/>
-        </a:folHlink>
-      </a:clrScheme>
-      <a:clrMap bg1="lt1" tx1="dk1" bg2="lt2" tx2="dk2" accent1="accent1" accent2="accent2" accent3="accent3" accent4="accent4" accent5="accent5" accent6="accent6" hlink="hlink" folHlink="folHlink"/>
-    </a:extraClrScheme>
-  </a:extraClrSchemeLst>
-</a:theme>
-</file>
-
-<file path=ppt/theme/theme5.xml><?xml version="1.0" encoding="utf-8"?>
 <a:theme xmlns:a="http://schemas.openxmlformats.org/drawingml/2006/main" name="Office Theme">
   <a:themeElements>
     <a:clrScheme name="Office">
@@ -16278,21 +14670,6 @@
 </file>
 
 <file path=customXml/item1.xml><?xml version="1.0" encoding="utf-8"?>
-<?mso-contentType ?>
-<FormTemplates xmlns="http://schemas.microsoft.com/sharepoint/v3/contenttype/forms">
-  <Display>DocumentLibraryForm</Display>
-  <Edit>DocumentLibraryForm</Edit>
-  <New>DocumentLibraryForm</New>
-</FormTemplates>
-</file>
-
-<file path=customXml/item2.xml><?xml version="1.0" encoding="utf-8"?>
-<p:properties xmlns:p="http://schemas.microsoft.com/office/2006/metadata/properties" xmlns:xsi="http://www.w3.org/2001/XMLSchema-instance">
-  <documentManagement/>
-</p:properties>
-</file>
-
-<file path=customXml/item3.xml><?xml version="1.0" encoding="utf-8"?>
 <ct:contentTypeSchema xmlns:ct="http://schemas.microsoft.com/office/2006/metadata/contentType" xmlns:ma="http://schemas.microsoft.com/office/2006/metadata/properties/metaAttributes" ct:_="" ma:_="" ma:contentTypeName="Document" ma:contentTypeID="0x010100BCDF77BE00B08B4383AC38D60969F603" ma:contentTypeVersion="0" ma:contentTypeDescription="Create a new document." ma:contentTypeScope="" ma:versionID="2bc1a1f5e6d67acd8a09c647b1ae8f6c">
   <xsd:schema xmlns:xsd="http://www.w3.org/2001/XMLSchema" xmlns:p="http://schemas.microsoft.com/office/2006/metadata/properties" targetNamespace="http://schemas.microsoft.com/office/2006/metadata/properties" ma:root="true" ma:fieldsID="4aeb20c0e3442673af7ee10786458764">
     <xsd:element name="properties">
@@ -16341,29 +14718,22 @@
 </ct:contentTypeSchema>
 </file>
 
-<file path=customXml/itemProps1.xml><?xml version="1.0" encoding="utf-8"?>
-<ds:datastoreItem xmlns:ds="http://schemas.openxmlformats.org/officeDocument/2006/customXml" ds:itemID="{653DF1E2-B8E1-483B-840C-2B651EC4B439}">
-  <ds:schemaRefs>
-    <ds:schemaRef ds:uri="http://schemas.microsoft.com/sharepoint/v3/contenttype/forms"/>
-  </ds:schemaRefs>
-</ds:datastoreItem>
+<file path=customXml/item2.xml><?xml version="1.0" encoding="utf-8"?>
+<p:properties xmlns:p="http://schemas.microsoft.com/office/2006/metadata/properties" xmlns:xsi="http://www.w3.org/2001/XMLSchema-instance">
+  <documentManagement/>
+</p:properties>
 </file>
 
-<file path=customXml/itemProps2.xml><?xml version="1.0" encoding="utf-8"?>
-<ds:datastoreItem xmlns:ds="http://schemas.openxmlformats.org/officeDocument/2006/customXml" ds:itemID="{4FB6BC4A-2075-419D-AAD5-4AA943DF9A43}">
-  <ds:schemaRefs>
-    <ds:schemaRef ds:uri="http://schemas.microsoft.com/office/2006/documentManagement/types"/>
-    <ds:schemaRef ds:uri="http://purl.org/dc/elements/1.1/"/>
-    <ds:schemaRef ds:uri="http://purl.org/dc/dcmitype/"/>
-    <ds:schemaRef ds:uri="http://www.w3.org/XML/1998/namespace"/>
-    <ds:schemaRef ds:uri="http://purl.org/dc/terms/"/>
-    <ds:schemaRef ds:uri="http://schemas.openxmlformats.org/package/2006/metadata/core-properties"/>
-    <ds:schemaRef ds:uri="http://schemas.microsoft.com/office/2006/metadata/properties"/>
-  </ds:schemaRefs>
-</ds:datastoreItem>
+<file path=customXml/item3.xml><?xml version="1.0" encoding="utf-8"?>
+<?mso-contentType ?>
+<FormTemplates xmlns="http://schemas.microsoft.com/sharepoint/v3/contenttype/forms">
+  <Display>DocumentLibraryForm</Display>
+  <Edit>DocumentLibraryForm</Edit>
+  <New>DocumentLibraryForm</New>
+</FormTemplates>
 </file>
 
-<file path=customXml/itemProps3.xml><?xml version="1.0" encoding="utf-8"?>
+<file path=customXml/itemProps1.xml><?xml version="1.0" encoding="utf-8"?>
 <ds:datastoreItem xmlns:ds="http://schemas.openxmlformats.org/officeDocument/2006/customXml" ds:itemID="{5F24A4ED-C235-44B4-AE5A-3A43C387CD25}">
   <ds:schemaRefs>
     <ds:schemaRef ds:uri="http://schemas.microsoft.com/office/2006/metadata/contentType"/>
@@ -16376,4 +14746,26 @@
     <ds:schemaRef ds:uri="http://schemas.microsoft.com/office/internal/2005/internalDocumentation"/>
   </ds:schemaRefs>
 </ds:datastoreItem>
+</file>
+
+<file path=customXml/itemProps2.xml><?xml version="1.0" encoding="utf-8"?>
+<ds:datastoreItem xmlns:ds="http://schemas.openxmlformats.org/officeDocument/2006/customXml" ds:itemID="{4FB6BC4A-2075-419D-AAD5-4AA943DF9A43}">
+  <ds:schemaRefs>
+    <ds:schemaRef ds:uri="http://purl.org/dc/terms/"/>
+    <ds:schemaRef ds:uri="http://www.w3.org/XML/1998/namespace"/>
+    <ds:schemaRef ds:uri="http://purl.org/dc/dcmitype/"/>
+    <ds:schemaRef ds:uri="http://schemas.openxmlformats.org/package/2006/metadata/core-properties"/>
+    <ds:schemaRef ds:uri="http://schemas.microsoft.com/office/2006/documentManagement/types"/>
+    <ds:schemaRef ds:uri="http://purl.org/dc/elements/1.1/"/>
+    <ds:schemaRef ds:uri="http://schemas.microsoft.com/office/2006/metadata/properties"/>
+  </ds:schemaRefs>
+</ds:datastoreItem>
+</file>
+
+<file path=customXml/itemProps3.xml><?xml version="1.0" encoding="utf-8"?>
+<ds:datastoreItem xmlns:ds="http://schemas.openxmlformats.org/officeDocument/2006/customXml" ds:itemID="{653DF1E2-B8E1-483B-840C-2B651EC4B439}">
+  <ds:schemaRefs>
+    <ds:schemaRef ds:uri="http://schemas.microsoft.com/sharepoint/v3/contenttype/forms"/>
+  </ds:schemaRefs>
+</ds:datastoreItem>
 </file>